--- a/NN and ML Lab.pptx
+++ b/NN and ML Lab.pptx
@@ -5,7 +5,7 @@
     <p:sldMasterId id="2147483648" r:id="rId1"/>
   </p:sldMasterIdLst>
   <p:notesMasterIdLst>
-    <p:notesMasterId r:id="rId63"/>
+    <p:notesMasterId r:id="rId87"/>
   </p:notesMasterIdLst>
   <p:sldIdLst>
     <p:sldId id="256" r:id="rId2"/>
@@ -26,49 +26,73 @@
     <p:sldId id="272" r:id="rId17"/>
     <p:sldId id="273" r:id="rId18"/>
     <p:sldId id="274" r:id="rId19"/>
-    <p:sldId id="275" r:id="rId20"/>
-    <p:sldId id="276" r:id="rId21"/>
-    <p:sldId id="277" r:id="rId22"/>
-    <p:sldId id="278" r:id="rId23"/>
-    <p:sldId id="279" r:id="rId24"/>
-    <p:sldId id="280" r:id="rId25"/>
-    <p:sldId id="281" r:id="rId26"/>
-    <p:sldId id="282" r:id="rId27"/>
-    <p:sldId id="283" r:id="rId28"/>
-    <p:sldId id="284" r:id="rId29"/>
-    <p:sldId id="285" r:id="rId30"/>
-    <p:sldId id="286" r:id="rId31"/>
-    <p:sldId id="287" r:id="rId32"/>
-    <p:sldId id="288" r:id="rId33"/>
-    <p:sldId id="289" r:id="rId34"/>
-    <p:sldId id="290" r:id="rId35"/>
-    <p:sldId id="291" r:id="rId36"/>
-    <p:sldId id="292" r:id="rId37"/>
-    <p:sldId id="293" r:id="rId38"/>
-    <p:sldId id="294" r:id="rId39"/>
-    <p:sldId id="295" r:id="rId40"/>
-    <p:sldId id="296" r:id="rId41"/>
-    <p:sldId id="297" r:id="rId42"/>
-    <p:sldId id="298" r:id="rId43"/>
-    <p:sldId id="299" r:id="rId44"/>
-    <p:sldId id="300" r:id="rId45"/>
-    <p:sldId id="301" r:id="rId46"/>
-    <p:sldId id="302" r:id="rId47"/>
-    <p:sldId id="303" r:id="rId48"/>
-    <p:sldId id="304" r:id="rId49"/>
-    <p:sldId id="305" r:id="rId50"/>
-    <p:sldId id="306" r:id="rId51"/>
-    <p:sldId id="307" r:id="rId52"/>
-    <p:sldId id="308" r:id="rId53"/>
-    <p:sldId id="309" r:id="rId54"/>
-    <p:sldId id="310" r:id="rId55"/>
-    <p:sldId id="311" r:id="rId56"/>
-    <p:sldId id="312" r:id="rId57"/>
-    <p:sldId id="313" r:id="rId58"/>
-    <p:sldId id="314" r:id="rId59"/>
-    <p:sldId id="315" r:id="rId60"/>
-    <p:sldId id="316" r:id="rId61"/>
-    <p:sldId id="317" r:id="rId62"/>
+    <p:sldId id="331" r:id="rId20"/>
+    <p:sldId id="332" r:id="rId21"/>
+    <p:sldId id="333" r:id="rId22"/>
+    <p:sldId id="334" r:id="rId23"/>
+    <p:sldId id="335" r:id="rId24"/>
+    <p:sldId id="336" r:id="rId25"/>
+    <p:sldId id="337" r:id="rId26"/>
+    <p:sldId id="341" r:id="rId27"/>
+    <p:sldId id="338" r:id="rId28"/>
+    <p:sldId id="275" r:id="rId29"/>
+    <p:sldId id="276" r:id="rId30"/>
+    <p:sldId id="277" r:id="rId31"/>
+    <p:sldId id="278" r:id="rId32"/>
+    <p:sldId id="279" r:id="rId33"/>
+    <p:sldId id="280" r:id="rId34"/>
+    <p:sldId id="281" r:id="rId35"/>
+    <p:sldId id="282" r:id="rId36"/>
+    <p:sldId id="283" r:id="rId37"/>
+    <p:sldId id="284" r:id="rId38"/>
+    <p:sldId id="285" r:id="rId39"/>
+    <p:sldId id="286" r:id="rId40"/>
+    <p:sldId id="287" r:id="rId41"/>
+    <p:sldId id="288" r:id="rId42"/>
+    <p:sldId id="289" r:id="rId43"/>
+    <p:sldId id="290" r:id="rId44"/>
+    <p:sldId id="291" r:id="rId45"/>
+    <p:sldId id="292" r:id="rId46"/>
+    <p:sldId id="293" r:id="rId47"/>
+    <p:sldId id="294" r:id="rId48"/>
+    <p:sldId id="295" r:id="rId49"/>
+    <p:sldId id="296" r:id="rId50"/>
+    <p:sldId id="297" r:id="rId51"/>
+    <p:sldId id="298" r:id="rId52"/>
+    <p:sldId id="299" r:id="rId53"/>
+    <p:sldId id="300" r:id="rId54"/>
+    <p:sldId id="301" r:id="rId55"/>
+    <p:sldId id="302" r:id="rId56"/>
+    <p:sldId id="303" r:id="rId57"/>
+    <p:sldId id="304" r:id="rId58"/>
+    <p:sldId id="305" r:id="rId59"/>
+    <p:sldId id="306" r:id="rId60"/>
+    <p:sldId id="307" r:id="rId61"/>
+    <p:sldId id="308" r:id="rId62"/>
+    <p:sldId id="309" r:id="rId63"/>
+    <p:sldId id="310" r:id="rId64"/>
+    <p:sldId id="311" r:id="rId65"/>
+    <p:sldId id="312" r:id="rId66"/>
+    <p:sldId id="313" r:id="rId67"/>
+    <p:sldId id="314" r:id="rId68"/>
+    <p:sldId id="315" r:id="rId69"/>
+    <p:sldId id="316" r:id="rId70"/>
+    <p:sldId id="317" r:id="rId71"/>
+    <p:sldId id="318" r:id="rId72"/>
+    <p:sldId id="319" r:id="rId73"/>
+    <p:sldId id="320" r:id="rId74"/>
+    <p:sldId id="321" r:id="rId75"/>
+    <p:sldId id="322" r:id="rId76"/>
+    <p:sldId id="323" r:id="rId77"/>
+    <p:sldId id="324" r:id="rId78"/>
+    <p:sldId id="325" r:id="rId79"/>
+    <p:sldId id="326" r:id="rId80"/>
+    <p:sldId id="327" r:id="rId81"/>
+    <p:sldId id="329" r:id="rId82"/>
+    <p:sldId id="330" r:id="rId83"/>
+    <p:sldId id="328" r:id="rId84"/>
+    <p:sldId id="339" r:id="rId85"/>
+    <p:sldId id="340" r:id="rId86"/>
   </p:sldIdLst>
   <p:sldSz cx="12192000" cy="6858000"/>
   <p:notesSz cx="6858000" cy="9144000"/>
@@ -4728,12 +4752,26 @@
         </p:nvSpPr>
         <p:spPr/>
         <p:txBody>
-          <a:bodyPr/>
+          <a:bodyPr>
+            <a:normAutofit lnSpcReduction="10000"/>
+          </a:bodyPr>
           <a:lstStyle/>
           <a:p>
             <a:r>
               <a:rPr lang="en-US" dirty="0"/>
               <a:t>Reduces the complexity of large datasets by simplifying them while keeping the most important information</a:t>
+            </a:r>
+          </a:p>
+          <a:p>
+            <a:r>
+              <a:rPr lang="en-US" dirty="0"/>
+              <a:t>It works by calculating the covariance matrix of the features and finding its eigenvectors and eigenvalues. The top k eigenvectors with the largest eigenvalues define the new axes that capture the most variance in the data.</a:t>
+            </a:r>
+          </a:p>
+          <a:p>
+            <a:r>
+              <a:rPr lang="en-US" dirty="0"/>
+              <a:t>By projecting the original data onto these axes, PCA reduces the number of features while retaining as much information as possible. It’s fast, robust and especially effective when the dataset has linearly correlated features. However, it cannot capture complex non linear relationships.</a:t>
             </a:r>
           </a:p>
           <a:p>
@@ -4776,7 +4814,7 @@
           <p:cNvPr id="2" name="Title 1">
             <a:extLst>
               <a:ext uri="{FF2B5EF4-FFF2-40B4-BE49-F238E27FC236}">
-                <a16:creationId xmlns:a16="http://schemas.microsoft.com/office/drawing/2014/main" id="{E9F2D589-0448-EDAB-B08B-FF7596690CD9}"/>
+                <a16:creationId xmlns:a16="http://schemas.microsoft.com/office/drawing/2014/main" id="{807930A5-A2F4-203A-19D6-D07F34FC05AF}"/>
               </a:ext>
             </a:extLst>
           </p:cNvPr>
@@ -4794,7 +4832,7 @@
           <a:p>
             <a:r>
               <a:rPr lang="en-US" dirty="0"/>
-              <a:t>Spatial Analysis</a:t>
+              <a:t>Can one feature belong to multiple component?</a:t>
             </a:r>
           </a:p>
         </p:txBody>
@@ -4804,7 +4842,7 @@
           <p:cNvPr id="3" name="Content Placeholder 2">
             <a:extLst>
               <a:ext uri="{FF2B5EF4-FFF2-40B4-BE49-F238E27FC236}">
-                <a16:creationId xmlns:a16="http://schemas.microsoft.com/office/drawing/2014/main" id="{3F6762E4-40D9-CD6F-0692-9D03746DA1D2}"/>
+                <a16:creationId xmlns:a16="http://schemas.microsoft.com/office/drawing/2014/main" id="{FE810BEF-D687-A7F7-814F-FE3A373A82EB}"/>
               </a:ext>
             </a:extLst>
           </p:cNvPr>
@@ -4820,14 +4858,25 @@
           <a:bodyPr/>
           <a:lstStyle/>
           <a:p>
-            <a:endParaRPr lang="en-US"/>
+            <a:r>
+              <a:rPr lang="en-US" dirty="0"/>
+              <a:t>Yes, absolutely. In fact, mathematically, every single feature contributes to every single principal </a:t>
+            </a:r>
+            <a:r>
+              <a:rPr lang="en-US" dirty="0" err="1"/>
+              <a:t>component.Think</a:t>
+            </a:r>
+            <a:r>
+              <a:rPr lang="en-US" dirty="0"/>
+              <a:t> of a Principal Component (PC) as a recipe. To make PC1, you might need a lot of "Feature A," a little bit of "Feature B," and almost no "Feature C." To make PC2, you might need a lot of "Feature C" but also a medium amount of "Feature A."</a:t>
+            </a:r>
           </a:p>
         </p:txBody>
       </p:sp>
     </p:spTree>
     <p:extLst>
       <p:ext uri="{BB962C8B-B14F-4D97-AF65-F5344CB8AC3E}">
-        <p14:creationId xmlns:p14="http://schemas.microsoft.com/office/powerpoint/2010/main" val="2173340648"/>
+        <p14:creationId xmlns:p14="http://schemas.microsoft.com/office/powerpoint/2010/main" val="921719192"/>
       </p:ext>
     </p:extLst>
   </p:cSld>
@@ -4948,7 +4997,7 @@
           <p:cNvPr id="2" name="Title 1">
             <a:extLst>
               <a:ext uri="{FF2B5EF4-FFF2-40B4-BE49-F238E27FC236}">
-                <a16:creationId xmlns:a16="http://schemas.microsoft.com/office/drawing/2014/main" id="{AAF31897-DE59-45CB-B2AB-CAF9924D34C7}"/>
+                <a16:creationId xmlns:a16="http://schemas.microsoft.com/office/drawing/2014/main" id="{D30AC1E8-5762-F36E-BF65-95EAF704F114}"/>
               </a:ext>
             </a:extLst>
           </p:cNvPr>
@@ -4966,7 +5015,7 @@
           <a:p>
             <a:r>
               <a:rPr lang="en-US" dirty="0"/>
-              <a:t>Time Series Analysis</a:t>
+              <a:t>Classification Report Parameters</a:t>
             </a:r>
           </a:p>
         </p:txBody>
@@ -4976,7 +5025,7 @@
           <p:cNvPr id="3" name="Content Placeholder 2">
             <a:extLst>
               <a:ext uri="{FF2B5EF4-FFF2-40B4-BE49-F238E27FC236}">
-                <a16:creationId xmlns:a16="http://schemas.microsoft.com/office/drawing/2014/main" id="{D4DF4FA4-2650-8D99-37DC-57B9DDF1D4AD}"/>
+                <a16:creationId xmlns:a16="http://schemas.microsoft.com/office/drawing/2014/main" id="{C524E6B1-833D-7B5A-7167-58AA07B78327}"/>
               </a:ext>
             </a:extLst>
           </p:cNvPr>
@@ -4992,20 +5041,61 @@
           <a:bodyPr/>
           <a:lstStyle/>
           <a:p>
-            <a:r>
-              <a:rPr lang="en-US" dirty="0"/>
-              <a:t>used for datasets that involve time-based data and it involves understanding and modeling patterns and trends over time. Common techniques include line plots, autocorrelation analysis, moving averages and ARIMA models.</a:t>
-            </a:r>
-          </a:p>
-          <a:p>
-            <a:endParaRPr lang="en-US" dirty="0"/>
+            <a:pPr marL="514350" indent="-514350">
+              <a:buFont typeface="+mj-lt"/>
+              <a:buAutoNum type="arabicPeriod"/>
+            </a:pPr>
+            <a:r>
+              <a:rPr lang="en-US" dirty="0"/>
+              <a:t>Precision</a:t>
+            </a:r>
+          </a:p>
+          <a:p>
+            <a:pPr marL="514350" indent="-514350">
+              <a:buFont typeface="+mj-lt"/>
+              <a:buAutoNum type="arabicPeriod"/>
+            </a:pPr>
+            <a:r>
+              <a:rPr lang="en-US" dirty="0"/>
+              <a:t>Recall (Sensitivity)</a:t>
+            </a:r>
+          </a:p>
+          <a:p>
+            <a:pPr marL="514350" indent="-514350">
+              <a:buFont typeface="+mj-lt"/>
+              <a:buAutoNum type="arabicPeriod"/>
+            </a:pPr>
+            <a:r>
+              <a:rPr lang="en-US" dirty="0"/>
+              <a:t>F1-Score</a:t>
+            </a:r>
+          </a:p>
+          <a:p>
+            <a:pPr marL="514350" indent="-514350">
+              <a:buFont typeface="+mj-lt"/>
+              <a:buAutoNum type="arabicPeriod"/>
+            </a:pPr>
+            <a:r>
+              <a:rPr lang="en-US" dirty="0"/>
+              <a:t>Support</a:t>
+            </a:r>
+          </a:p>
+          <a:p>
+            <a:pPr marL="514350" indent="-514350">
+              <a:buFont typeface="+mj-lt"/>
+              <a:buAutoNum type="arabicPeriod"/>
+            </a:pPr>
+            <a:r>
+              <a:rPr lang="en-US" dirty="0"/>
+              <a:t>Averaging Metrics (The Bottom Rows)</a:t>
+            </a:r>
           </a:p>
         </p:txBody>
       </p:sp>
     </p:spTree>
     <p:extLst>
       <p:ext uri="{BB962C8B-B14F-4D97-AF65-F5344CB8AC3E}">
-        <p14:creationId xmlns:p14="http://schemas.microsoft.com/office/powerpoint/2010/main" val="1818162196"/>
+        <p14:creationId xmlns:p14="http://schemas.microsoft.com/office/powerpoint/2010/main" val="3387993865"/>
       </p:ext>
     </p:extLst>
   </p:cSld>
@@ -5037,7 +5127,7 @@
           <p:cNvPr id="2" name="Title 1">
             <a:extLst>
               <a:ext uri="{FF2B5EF4-FFF2-40B4-BE49-F238E27FC236}">
-                <a16:creationId xmlns:a16="http://schemas.microsoft.com/office/drawing/2014/main" id="{E454B102-32B4-6051-A35C-F0C5AA902F90}"/>
+                <a16:creationId xmlns:a16="http://schemas.microsoft.com/office/drawing/2014/main" id="{01402DE7-6F17-08D2-829A-8E9CC8560D1F}"/>
               </a:ext>
             </a:extLst>
           </p:cNvPr>
@@ -5055,7 +5145,7 @@
           <a:p>
             <a:r>
               <a:rPr lang="en-US" dirty="0"/>
-              <a:t>Violin Plots</a:t>
+              <a:t>Precision</a:t>
             </a:r>
           </a:p>
         </p:txBody>
@@ -5065,7 +5155,7 @@
           <p:cNvPr id="3" name="Content Placeholder 2">
             <a:extLst>
               <a:ext uri="{FF2B5EF4-FFF2-40B4-BE49-F238E27FC236}">
-                <a16:creationId xmlns:a16="http://schemas.microsoft.com/office/drawing/2014/main" id="{1A138A0C-6C70-8E0E-9364-2EEA1AE6190B}"/>
+                <a16:creationId xmlns:a16="http://schemas.microsoft.com/office/drawing/2014/main" id="{46DEDD71-E807-F124-8A7A-8A5A10BD5D2A}"/>
               </a:ext>
             </a:extLst>
           </p:cNvPr>
@@ -5081,14 +5171,36 @@
           <a:bodyPr/>
           <a:lstStyle/>
           <a:p>
-            <a:endParaRPr lang="en-US"/>
+            <a:r>
+              <a:rPr lang="en-US" dirty="0"/>
+              <a:t>The "Quality" Metric. Precision answers the question: “Of all the instances the model predicted as positive, how many were actually positive?”</a:t>
+            </a:r>
+          </a:p>
+          <a:p>
+            <a:r>
+              <a:rPr lang="en-US" dirty="0"/>
+              <a:t>High Precision: Means the model doesn't label many negative samples as positive (low "False Positive" rate).</a:t>
+            </a:r>
+          </a:p>
+          <a:p>
+            <a:r>
+              <a:rPr lang="en-US" dirty="0"/>
+              <a:t>Formula:</a:t>
+            </a:r>
+          </a:p>
+          <a:p>
+            <a:pPr lvl="1"/>
+            <a:r>
+              <a:rPr lang="en-US" dirty="0"/>
+              <a:t>Precision = True Positive / (True Positives + False Positive)</a:t>
+            </a:r>
           </a:p>
         </p:txBody>
       </p:sp>
     </p:spTree>
     <p:extLst>
       <p:ext uri="{BB962C8B-B14F-4D97-AF65-F5344CB8AC3E}">
-        <p14:creationId xmlns:p14="http://schemas.microsoft.com/office/powerpoint/2010/main" val="2018462332"/>
+        <p14:creationId xmlns:p14="http://schemas.microsoft.com/office/powerpoint/2010/main" val="89689085"/>
       </p:ext>
     </p:extLst>
   </p:cSld>
@@ -5120,7 +5232,7 @@
           <p:cNvPr id="2" name="Title 1">
             <a:extLst>
               <a:ext uri="{FF2B5EF4-FFF2-40B4-BE49-F238E27FC236}">
-                <a16:creationId xmlns:a16="http://schemas.microsoft.com/office/drawing/2014/main" id="{EF7A43E0-C9EF-5618-15BD-B48EF4167FB5}"/>
+                <a16:creationId xmlns:a16="http://schemas.microsoft.com/office/drawing/2014/main" id="{22D9A304-D2D3-3063-3ABD-BF933E66E50C}"/>
               </a:ext>
             </a:extLst>
           </p:cNvPr>
@@ -5138,7 +5250,7 @@
           <a:p>
             <a:r>
               <a:rPr lang="en-US" dirty="0"/>
-              <a:t>Pearson’s correlation coefficients</a:t>
+              <a:t>Recall (Sensitivity)</a:t>
             </a:r>
           </a:p>
         </p:txBody>
@@ -5148,7 +5260,7 @@
           <p:cNvPr id="3" name="Content Placeholder 2">
             <a:extLst>
               <a:ext uri="{FF2B5EF4-FFF2-40B4-BE49-F238E27FC236}">
-                <a16:creationId xmlns:a16="http://schemas.microsoft.com/office/drawing/2014/main" id="{9E1E5466-EE2C-422E-18B9-33AAC86F402C}"/>
+                <a16:creationId xmlns:a16="http://schemas.microsoft.com/office/drawing/2014/main" id="{01176A82-A447-E048-5628-E8FB047A439F}"/>
               </a:ext>
             </a:extLst>
           </p:cNvPr>
@@ -5164,14 +5276,36 @@
           <a:bodyPr/>
           <a:lstStyle/>
           <a:p>
-            <a:endParaRPr lang="en-US"/>
+            <a:r>
+              <a:rPr lang="en-US" dirty="0"/>
+              <a:t>The "Quantity" Metric. Recall answers the question: “Of all the instances that were actually positive, how many did the model identify?”</a:t>
+            </a:r>
+          </a:p>
+          <a:p>
+            <a:r>
+              <a:rPr lang="en-US" dirty="0"/>
+              <a:t>High Recall: Means the model is good at finding all the positive cases (low "False Negative" rate).</a:t>
+            </a:r>
+          </a:p>
+          <a:p>
+            <a:r>
+              <a:rPr lang="en-US" dirty="0"/>
+              <a:t>Formula:</a:t>
+            </a:r>
+          </a:p>
+          <a:p>
+            <a:pPr lvl="1"/>
+            <a:r>
+              <a:rPr lang="en-US" dirty="0"/>
+              <a:t>Recall = True Positives / (True Positives + False Negatives)</a:t>
+            </a:r>
           </a:p>
         </p:txBody>
       </p:sp>
     </p:spTree>
     <p:extLst>
       <p:ext uri="{BB962C8B-B14F-4D97-AF65-F5344CB8AC3E}">
-        <p14:creationId xmlns:p14="http://schemas.microsoft.com/office/powerpoint/2010/main" val="1155992431"/>
+        <p14:creationId xmlns:p14="http://schemas.microsoft.com/office/powerpoint/2010/main" val="1784370106"/>
       </p:ext>
     </p:extLst>
   </p:cSld>
@@ -5203,7 +5337,7 @@
           <p:cNvPr id="2" name="Title 1">
             <a:extLst>
               <a:ext uri="{FF2B5EF4-FFF2-40B4-BE49-F238E27FC236}">
-                <a16:creationId xmlns:a16="http://schemas.microsoft.com/office/drawing/2014/main" id="{CA06E115-E626-0E06-B15D-2082B6F0D477}"/>
+                <a16:creationId xmlns:a16="http://schemas.microsoft.com/office/drawing/2014/main" id="{DD8F71DC-E0F9-B45D-DAEB-F6FAEE6F35A4}"/>
               </a:ext>
             </a:extLst>
           </p:cNvPr>
@@ -5221,7 +5355,7 @@
           <a:p>
             <a:r>
               <a:rPr lang="en-US" dirty="0"/>
-              <a:t>Spearman’s rank correlation</a:t>
+              <a:t>F1-Score</a:t>
             </a:r>
           </a:p>
         </p:txBody>
@@ -5231,7 +5365,7 @@
           <p:cNvPr id="3" name="Content Placeholder 2">
             <a:extLst>
               <a:ext uri="{FF2B5EF4-FFF2-40B4-BE49-F238E27FC236}">
-                <a16:creationId xmlns:a16="http://schemas.microsoft.com/office/drawing/2014/main" id="{C695E7F9-9C92-2D7F-A6DC-9F3EB41FB4D8}"/>
+                <a16:creationId xmlns:a16="http://schemas.microsoft.com/office/drawing/2014/main" id="{7F06A975-8DC3-5DA2-91FC-2831C2181304}"/>
               </a:ext>
             </a:extLst>
           </p:cNvPr>
@@ -5247,14 +5381,44 @@
           <a:bodyPr/>
           <a:lstStyle/>
           <a:p>
-            <a:endParaRPr lang="en-US"/>
+            <a:r>
+              <a:rPr lang="en-US" dirty="0"/>
+              <a:t>The "Balance" </a:t>
+            </a:r>
+            <a:r>
+              <a:rPr lang="en-US" dirty="0" err="1"/>
+              <a:t>Metric.The</a:t>
+            </a:r>
+            <a:r>
+              <a:rPr lang="en-US" dirty="0"/>
+              <a:t> F1-Score is the harmonic mean of Precision and Recall. It is particularly useful when you have an imbalanced dataset (e.g., 95% of your data is Class A and 5% is Class B).</a:t>
+            </a:r>
+          </a:p>
+          <a:p>
+            <a:r>
+              <a:rPr lang="en-US" dirty="0"/>
+              <a:t>It penalizes extreme values. If your Precision is $1.0$ but your Recall is $0.0$, your F1-Score will be $0$.</a:t>
+            </a:r>
+          </a:p>
+          <a:p>
+            <a:r>
+              <a:rPr lang="en-US" dirty="0"/>
+              <a:t>Formula:</a:t>
+            </a:r>
+          </a:p>
+          <a:p>
+            <a:pPr lvl="1"/>
+            <a:r>
+              <a:rPr lang="en-US" dirty="0"/>
+              <a:t>F1= 2 * (Precision * Recall) / (Precision + Recall)</a:t>
+            </a:r>
           </a:p>
         </p:txBody>
       </p:sp>
     </p:spTree>
     <p:extLst>
       <p:ext uri="{BB962C8B-B14F-4D97-AF65-F5344CB8AC3E}">
-        <p14:creationId xmlns:p14="http://schemas.microsoft.com/office/powerpoint/2010/main" val="3052542631"/>
+        <p14:creationId xmlns:p14="http://schemas.microsoft.com/office/powerpoint/2010/main" val="3514980362"/>
       </p:ext>
     </p:extLst>
   </p:cSld>
@@ -5286,7 +5450,7 @@
           <p:cNvPr id="2" name="Title 1">
             <a:extLst>
               <a:ext uri="{FF2B5EF4-FFF2-40B4-BE49-F238E27FC236}">
-                <a16:creationId xmlns:a16="http://schemas.microsoft.com/office/drawing/2014/main" id="{172243C9-0152-CE9D-B161-B1A75623C6CA}"/>
+                <a16:creationId xmlns:a16="http://schemas.microsoft.com/office/drawing/2014/main" id="{85026289-7345-E7E3-A0D2-E4C6DF6B7900}"/>
               </a:ext>
             </a:extLst>
           </p:cNvPr>
@@ -5304,7 +5468,7 @@
           <a:p>
             <a:r>
               <a:rPr lang="en-US" dirty="0"/>
-              <a:t>Lab 05</a:t>
+              <a:t>Support</a:t>
             </a:r>
           </a:p>
         </p:txBody>
@@ -5314,7 +5478,7 @@
           <p:cNvPr id="3" name="Content Placeholder 2">
             <a:extLst>
               <a:ext uri="{FF2B5EF4-FFF2-40B4-BE49-F238E27FC236}">
-                <a16:creationId xmlns:a16="http://schemas.microsoft.com/office/drawing/2014/main" id="{735185F1-8509-F1A5-3E71-21876FE38951}"/>
+                <a16:creationId xmlns:a16="http://schemas.microsoft.com/office/drawing/2014/main" id="{8635C338-FBA2-4284-F37A-5678AD446CC4}"/>
               </a:ext>
             </a:extLst>
           </p:cNvPr>
@@ -5330,14 +5494,23 @@
           <a:bodyPr/>
           <a:lstStyle/>
           <a:p>
-            <a:endParaRPr lang="en-US"/>
+            <a:r>
+              <a:rPr lang="en-US" dirty="0"/>
+              <a:t>The "Reality Check" Metric. Support is simply the number of actual occurrences of the class in your specified dataset. It doesn't tell you about model performance; it tells you how much data you have for that class.</a:t>
+            </a:r>
+          </a:p>
+          <a:p>
+            <a:r>
+              <a:rPr lang="en-US" dirty="0"/>
+              <a:t>If the support for one class is 10 and another is 1,000, your metrics for the smaller class might not be statistically significant.</a:t>
+            </a:r>
           </a:p>
         </p:txBody>
       </p:sp>
     </p:spTree>
     <p:extLst>
       <p:ext uri="{BB962C8B-B14F-4D97-AF65-F5344CB8AC3E}">
-        <p14:creationId xmlns:p14="http://schemas.microsoft.com/office/powerpoint/2010/main" val="2940870322"/>
+        <p14:creationId xmlns:p14="http://schemas.microsoft.com/office/powerpoint/2010/main" val="1121807507"/>
       </p:ext>
     </p:extLst>
   </p:cSld>
@@ -5369,7 +5542,7 @@
           <p:cNvPr id="2" name="Title 1">
             <a:extLst>
               <a:ext uri="{FF2B5EF4-FFF2-40B4-BE49-F238E27FC236}">
-                <a16:creationId xmlns:a16="http://schemas.microsoft.com/office/drawing/2014/main" id="{37BD4471-DDCD-742E-668E-FD22F627F7B8}"/>
+                <a16:creationId xmlns:a16="http://schemas.microsoft.com/office/drawing/2014/main" id="{EF9DEAEC-D5E3-EF95-CABD-8F62A7BA54CA}"/>
               </a:ext>
             </a:extLst>
           </p:cNvPr>
@@ -5387,7 +5560,7 @@
           <a:p>
             <a:r>
               <a:rPr lang="en-US" dirty="0"/>
-              <a:t>What is a Perceptron?</a:t>
+              <a:t>Averaging Metrics (The Bottom Rows)</a:t>
             </a:r>
           </a:p>
         </p:txBody>
@@ -5397,7 +5570,7 @@
           <p:cNvPr id="3" name="Content Placeholder 2">
             <a:extLst>
               <a:ext uri="{FF2B5EF4-FFF2-40B4-BE49-F238E27FC236}">
-                <a16:creationId xmlns:a16="http://schemas.microsoft.com/office/drawing/2014/main" id="{36C2876A-3256-3042-8496-31F725F93F5F}"/>
+                <a16:creationId xmlns:a16="http://schemas.microsoft.com/office/drawing/2014/main" id="{31AECB16-215E-185B-5142-02BF5A3D2433}"/>
               </a:ext>
             </a:extLst>
           </p:cNvPr>
@@ -5415,21 +5588,48 @@
           <a:p>
             <a:r>
               <a:rPr lang="en-US" dirty="0"/>
-              <a:t>A Perceptron is the simplest type of artificial neuron and the foundation of neural networks. It takes multiple inputs, applies weights, sums them, and passes the result through an activation function to produce an output (0 or 1). </a:t>
-            </a:r>
-          </a:p>
-          <a:p>
-            <a:endParaRPr lang="en-US" dirty="0"/>
-          </a:p>
-          <a:p>
-            <a:endParaRPr lang="en-US" dirty="0"/>
+              <a:t>Accuracy	</a:t>
+            </a:r>
+          </a:p>
+          <a:p>
+            <a:pPr lvl="1"/>
+            <a:r>
+              <a:rPr lang="en-US" dirty="0"/>
+              <a:t>The fraction of total predictions that were correct.</a:t>
+            </a:r>
+          </a:p>
+          <a:p>
+            <a:r>
+              <a:rPr lang="en-US" dirty="0"/>
+              <a:t>Macro Avg	</a:t>
+            </a:r>
+          </a:p>
+          <a:p>
+            <a:pPr lvl="1"/>
+            <a:r>
+              <a:rPr lang="en-US" dirty="0"/>
+              <a:t>The arithmetic mean of the metric (e.g., Precision) across all classes. It treats all classes equally, regardless of their size.</a:t>
+            </a:r>
+          </a:p>
+          <a:p>
+            <a:r>
+              <a:rPr lang="en-US" dirty="0"/>
+              <a:t>Weighted Avg	</a:t>
+            </a:r>
+          </a:p>
+          <a:p>
+            <a:pPr lvl="1"/>
+            <a:r>
+              <a:rPr lang="en-US" dirty="0"/>
+              <a:t>The mean of the metric, but weighted by the Support of each class. This reflects how well the model performs on the "typical" sample.</a:t>
+            </a:r>
           </a:p>
         </p:txBody>
       </p:sp>
     </p:spTree>
     <p:extLst>
       <p:ext uri="{BB962C8B-B14F-4D97-AF65-F5344CB8AC3E}">
-        <p14:creationId xmlns:p14="http://schemas.microsoft.com/office/powerpoint/2010/main" val="143575800"/>
+        <p14:creationId xmlns:p14="http://schemas.microsoft.com/office/powerpoint/2010/main" val="436216218"/>
       </p:ext>
     </p:extLst>
   </p:cSld>
@@ -5461,7 +5661,7 @@
           <p:cNvPr id="2" name="Title 1">
             <a:extLst>
               <a:ext uri="{FF2B5EF4-FFF2-40B4-BE49-F238E27FC236}">
-                <a16:creationId xmlns:a16="http://schemas.microsoft.com/office/drawing/2014/main" id="{156BB8E9-8F8B-E8A4-DC7C-878CA3FBCDB6}"/>
+                <a16:creationId xmlns:a16="http://schemas.microsoft.com/office/drawing/2014/main" id="{0AC3BEED-E5E7-82CB-27B5-186A55EF89FF}"/>
               </a:ext>
             </a:extLst>
           </p:cNvPr>
@@ -5479,7 +5679,7 @@
           <a:p>
             <a:r>
               <a:rPr lang="en-US" dirty="0"/>
-              <a:t>Single Layer Perceptron</a:t>
+              <a:t>Specificity</a:t>
             </a:r>
           </a:p>
         </p:txBody>
@@ -5489,7 +5689,7 @@
           <p:cNvPr id="3" name="Content Placeholder 2">
             <a:extLst>
               <a:ext uri="{FF2B5EF4-FFF2-40B4-BE49-F238E27FC236}">
-                <a16:creationId xmlns:a16="http://schemas.microsoft.com/office/drawing/2014/main" id="{71D10596-E370-2809-B40C-8B37B10C4F0B}"/>
+                <a16:creationId xmlns:a16="http://schemas.microsoft.com/office/drawing/2014/main" id="{39FA5976-C50A-C0CB-E54C-F46AC138EB86}"/>
               </a:ext>
             </a:extLst>
           </p:cNvPr>
@@ -5505,14 +5705,23 @@
           <a:bodyPr/>
           <a:lstStyle/>
           <a:p>
-            <a:endParaRPr lang="en-US" dirty="0"/>
+            <a:r>
+              <a:rPr lang="en-US" dirty="0"/>
+              <a:t>Specificity: Of all actual negatives, how many did we find?</a:t>
+            </a:r>
+          </a:p>
+          <a:p>
+            <a:r>
+              <a:rPr lang="en-US" dirty="0"/>
+              <a:t>TN / (TN + FP)</a:t>
+            </a:r>
           </a:p>
         </p:txBody>
       </p:sp>
     </p:spTree>
     <p:extLst>
       <p:ext uri="{BB962C8B-B14F-4D97-AF65-F5344CB8AC3E}">
-        <p14:creationId xmlns:p14="http://schemas.microsoft.com/office/powerpoint/2010/main" val="496359766"/>
+        <p14:creationId xmlns:p14="http://schemas.microsoft.com/office/powerpoint/2010/main" val="998080047"/>
       </p:ext>
     </p:extLst>
   </p:cSld>
@@ -5544,7 +5753,7 @@
           <p:cNvPr id="2" name="Title 1">
             <a:extLst>
               <a:ext uri="{FF2B5EF4-FFF2-40B4-BE49-F238E27FC236}">
-                <a16:creationId xmlns:a16="http://schemas.microsoft.com/office/drawing/2014/main" id="{7586C732-C680-6DB8-AA99-BF5E3CFDD66D}"/>
+                <a16:creationId xmlns:a16="http://schemas.microsoft.com/office/drawing/2014/main" id="{FB8FBE0A-AABC-97E8-9681-B9264D8BB9BF}"/>
               </a:ext>
             </a:extLst>
           </p:cNvPr>
@@ -5562,7 +5771,7 @@
           <a:p>
             <a:r>
               <a:rPr lang="en-US" dirty="0"/>
-              <a:t>Mathematical Model of Perceptron</a:t>
+              <a:t>Example Interpretation</a:t>
             </a:r>
           </a:p>
         </p:txBody>
@@ -5572,7 +5781,7 @@
           <p:cNvPr id="3" name="Content Placeholder 2">
             <a:extLst>
               <a:ext uri="{FF2B5EF4-FFF2-40B4-BE49-F238E27FC236}">
-                <a16:creationId xmlns:a16="http://schemas.microsoft.com/office/drawing/2014/main" id="{736A8CC8-A8F9-BE48-4C24-D0CE23F02CA2}"/>
+                <a16:creationId xmlns:a16="http://schemas.microsoft.com/office/drawing/2014/main" id="{16B06932-7CCB-85E6-E1DC-96B5C2DB2F4B}"/>
               </a:ext>
             </a:extLst>
           </p:cNvPr>
@@ -5588,14 +5797,23 @@
           <a:bodyPr/>
           <a:lstStyle/>
           <a:p>
-            <a:endParaRPr lang="en-US"/>
+            <a:r>
+              <a:rPr lang="en-US" dirty="0"/>
+              <a:t>High Recall is vital: You don't want to miss a sick person (False Negative).</a:t>
+            </a:r>
+          </a:p>
+          <a:p>
+            <a:r>
+              <a:rPr lang="en-US" dirty="0"/>
+              <a:t>High Precision is nice, but less critical: It’s okay if a healthy person gets a "false alarm" (False Positive) as long as they get a follow-up test.</a:t>
+            </a:r>
           </a:p>
         </p:txBody>
       </p:sp>
     </p:spTree>
     <p:extLst>
       <p:ext uri="{BB962C8B-B14F-4D97-AF65-F5344CB8AC3E}">
-        <p14:creationId xmlns:p14="http://schemas.microsoft.com/office/powerpoint/2010/main" val="1050273593"/>
+        <p14:creationId xmlns:p14="http://schemas.microsoft.com/office/powerpoint/2010/main" val="2250708335"/>
       </p:ext>
     </p:extLst>
   </p:cSld>
@@ -5627,6 +5845,905 @@
           <p:cNvPr id="2" name="Title 1">
             <a:extLst>
               <a:ext uri="{FF2B5EF4-FFF2-40B4-BE49-F238E27FC236}">
+                <a16:creationId xmlns:a16="http://schemas.microsoft.com/office/drawing/2014/main" id="{E9F2D589-0448-EDAB-B08B-FF7596690CD9}"/>
+              </a:ext>
+            </a:extLst>
+          </p:cNvPr>
+          <p:cNvSpPr>
+            <a:spLocks noGrp="1"/>
+          </p:cNvSpPr>
+          <p:nvPr>
+            <p:ph type="title"/>
+          </p:nvPr>
+        </p:nvSpPr>
+        <p:spPr/>
+        <p:txBody>
+          <a:bodyPr/>
+          <a:lstStyle/>
+          <a:p>
+            <a:r>
+              <a:rPr lang="en-US" dirty="0"/>
+              <a:t>Spatial Analysis</a:t>
+            </a:r>
+          </a:p>
+        </p:txBody>
+      </p:sp>
+      <p:sp>
+        <p:nvSpPr>
+          <p:cNvPr id="3" name="Content Placeholder 2">
+            <a:extLst>
+              <a:ext uri="{FF2B5EF4-FFF2-40B4-BE49-F238E27FC236}">
+                <a16:creationId xmlns:a16="http://schemas.microsoft.com/office/drawing/2014/main" id="{3F6762E4-40D9-CD6F-0692-9D03746DA1D2}"/>
+              </a:ext>
+            </a:extLst>
+          </p:cNvPr>
+          <p:cNvSpPr>
+            <a:spLocks noGrp="1"/>
+          </p:cNvSpPr>
+          <p:nvPr>
+            <p:ph idx="1"/>
+          </p:nvPr>
+        </p:nvSpPr>
+        <p:spPr/>
+        <p:txBody>
+          <a:bodyPr/>
+          <a:lstStyle/>
+          <a:p>
+            <a:endParaRPr lang="en-US"/>
+          </a:p>
+        </p:txBody>
+      </p:sp>
+    </p:spTree>
+    <p:extLst>
+      <p:ext uri="{BB962C8B-B14F-4D97-AF65-F5344CB8AC3E}">
+        <p14:creationId xmlns:p14="http://schemas.microsoft.com/office/powerpoint/2010/main" val="2173340648"/>
+      </p:ext>
+    </p:extLst>
+  </p:cSld>
+  <p:clrMapOvr>
+    <a:masterClrMapping/>
+  </p:clrMapOvr>
+</p:sld>
+</file>
+
+<file path=ppt/slides/slide29.xml><?xml version="1.0" encoding="utf-8"?>
+<p:sld xmlns:a="http://schemas.openxmlformats.org/drawingml/2006/main" xmlns:r="http://schemas.openxmlformats.org/officeDocument/2006/relationships" xmlns:p="http://schemas.openxmlformats.org/presentationml/2006/main">
+  <p:cSld>
+    <p:spTree>
+      <p:nvGrpSpPr>
+        <p:cNvPr id="1" name=""/>
+        <p:cNvGrpSpPr/>
+        <p:nvPr/>
+      </p:nvGrpSpPr>
+      <p:grpSpPr>
+        <a:xfrm>
+          <a:off x="0" y="0"/>
+          <a:ext cx="0" cy="0"/>
+          <a:chOff x="0" y="0"/>
+          <a:chExt cx="0" cy="0"/>
+        </a:xfrm>
+      </p:grpSpPr>
+      <p:sp>
+        <p:nvSpPr>
+          <p:cNvPr id="2" name="Title 1">
+            <a:extLst>
+              <a:ext uri="{FF2B5EF4-FFF2-40B4-BE49-F238E27FC236}">
+                <a16:creationId xmlns:a16="http://schemas.microsoft.com/office/drawing/2014/main" id="{AAF31897-DE59-45CB-B2AB-CAF9924D34C7}"/>
+              </a:ext>
+            </a:extLst>
+          </p:cNvPr>
+          <p:cNvSpPr>
+            <a:spLocks noGrp="1"/>
+          </p:cNvSpPr>
+          <p:nvPr>
+            <p:ph type="title"/>
+          </p:nvPr>
+        </p:nvSpPr>
+        <p:spPr/>
+        <p:txBody>
+          <a:bodyPr/>
+          <a:lstStyle/>
+          <a:p>
+            <a:r>
+              <a:rPr lang="en-US" dirty="0"/>
+              <a:t>Time Series Analysis</a:t>
+            </a:r>
+          </a:p>
+        </p:txBody>
+      </p:sp>
+      <p:sp>
+        <p:nvSpPr>
+          <p:cNvPr id="3" name="Content Placeholder 2">
+            <a:extLst>
+              <a:ext uri="{FF2B5EF4-FFF2-40B4-BE49-F238E27FC236}">
+                <a16:creationId xmlns:a16="http://schemas.microsoft.com/office/drawing/2014/main" id="{D4DF4FA4-2650-8D99-37DC-57B9DDF1D4AD}"/>
+              </a:ext>
+            </a:extLst>
+          </p:cNvPr>
+          <p:cNvSpPr>
+            <a:spLocks noGrp="1"/>
+          </p:cNvSpPr>
+          <p:nvPr>
+            <p:ph idx="1"/>
+          </p:nvPr>
+        </p:nvSpPr>
+        <p:spPr/>
+        <p:txBody>
+          <a:bodyPr/>
+          <a:lstStyle/>
+          <a:p>
+            <a:r>
+              <a:rPr lang="en-US" dirty="0"/>
+              <a:t>used for datasets that involve time-based data and it involves understanding and modeling patterns and trends over time. Common techniques include line plots, autocorrelation analysis, moving averages and ARIMA models.</a:t>
+            </a:r>
+          </a:p>
+          <a:p>
+            <a:endParaRPr lang="en-US" dirty="0"/>
+          </a:p>
+        </p:txBody>
+      </p:sp>
+    </p:spTree>
+    <p:extLst>
+      <p:ext uri="{BB962C8B-B14F-4D97-AF65-F5344CB8AC3E}">
+        <p14:creationId xmlns:p14="http://schemas.microsoft.com/office/powerpoint/2010/main" val="1818162196"/>
+      </p:ext>
+    </p:extLst>
+  </p:cSld>
+  <p:clrMapOvr>
+    <a:masterClrMapping/>
+  </p:clrMapOvr>
+</p:sld>
+</file>
+
+<file path=ppt/slides/slide3.xml><?xml version="1.0" encoding="utf-8"?>
+<p:sld xmlns:a="http://schemas.openxmlformats.org/drawingml/2006/main" xmlns:r="http://schemas.openxmlformats.org/officeDocument/2006/relationships" xmlns:p="http://schemas.openxmlformats.org/presentationml/2006/main">
+  <p:cSld>
+    <p:spTree>
+      <p:nvGrpSpPr>
+        <p:cNvPr id="1" name=""/>
+        <p:cNvGrpSpPr/>
+        <p:nvPr/>
+      </p:nvGrpSpPr>
+      <p:grpSpPr>
+        <a:xfrm>
+          <a:off x="0" y="0"/>
+          <a:ext cx="0" cy="0"/>
+          <a:chOff x="0" y="0"/>
+          <a:chExt cx="0" cy="0"/>
+        </a:xfrm>
+      </p:grpSpPr>
+      <p:sp>
+        <p:nvSpPr>
+          <p:cNvPr id="2" name="Title 1">
+            <a:extLst>
+              <a:ext uri="{FF2B5EF4-FFF2-40B4-BE49-F238E27FC236}">
+                <a16:creationId xmlns:a16="http://schemas.microsoft.com/office/drawing/2014/main" id="{C662D991-EAB0-AF8B-C335-F14A3D3AAAF2}"/>
+              </a:ext>
+            </a:extLst>
+          </p:cNvPr>
+          <p:cNvSpPr>
+            <a:spLocks noGrp="1"/>
+          </p:cNvSpPr>
+          <p:nvPr>
+            <p:ph type="title"/>
+          </p:nvPr>
+        </p:nvSpPr>
+        <p:spPr/>
+        <p:txBody>
+          <a:bodyPr/>
+          <a:lstStyle/>
+          <a:p>
+            <a:r>
+              <a:rPr lang="en-US" dirty="0"/>
+              <a:t>Why Exploratory Data Analysis Important?</a:t>
+            </a:r>
+          </a:p>
+        </p:txBody>
+      </p:sp>
+      <p:sp>
+        <p:nvSpPr>
+          <p:cNvPr id="3" name="Content Placeholder 2">
+            <a:extLst>
+              <a:ext uri="{FF2B5EF4-FFF2-40B4-BE49-F238E27FC236}">
+                <a16:creationId xmlns:a16="http://schemas.microsoft.com/office/drawing/2014/main" id="{E87A928E-3CD4-CCC1-9B0E-C4B5CF74CA5A}"/>
+              </a:ext>
+            </a:extLst>
+          </p:cNvPr>
+          <p:cNvSpPr>
+            <a:spLocks noGrp="1"/>
+          </p:cNvSpPr>
+          <p:nvPr>
+            <p:ph idx="1"/>
+          </p:nvPr>
+        </p:nvSpPr>
+        <p:spPr/>
+        <p:txBody>
+          <a:bodyPr/>
+          <a:lstStyle/>
+          <a:p>
+            <a:pPr marL="514350" indent="-514350">
+              <a:buFont typeface="+mj-lt"/>
+              <a:buAutoNum type="arabicPeriod"/>
+            </a:pPr>
+            <a:r>
+              <a:rPr lang="en-US" dirty="0"/>
+              <a:t>Helps to understand dataset</a:t>
+            </a:r>
+          </a:p>
+          <a:p>
+            <a:pPr marL="514350" indent="-514350">
+              <a:buFont typeface="+mj-lt"/>
+              <a:buAutoNum type="arabicPeriod"/>
+            </a:pPr>
+            <a:r>
+              <a:rPr lang="en-US" dirty="0"/>
+              <a:t>Helps to identify hidden patterns and  relationship between different data points</a:t>
+            </a:r>
+          </a:p>
+          <a:p>
+            <a:pPr marL="514350" indent="-514350">
+              <a:buFont typeface="+mj-lt"/>
+              <a:buAutoNum type="arabicPeriod"/>
+            </a:pPr>
+            <a:r>
+              <a:rPr lang="en-US" dirty="0"/>
+              <a:t>Allows to identify errors or unusual data points (outliers)</a:t>
+            </a:r>
+          </a:p>
+          <a:p>
+            <a:pPr marL="514350" indent="-514350">
+              <a:buFont typeface="+mj-lt"/>
+              <a:buAutoNum type="arabicPeriod"/>
+            </a:pPr>
+            <a:r>
+              <a:rPr lang="en-US" dirty="0"/>
+              <a:t>Help us to identify most important feature</a:t>
+            </a:r>
+          </a:p>
+          <a:p>
+            <a:pPr marL="514350" indent="-514350">
+              <a:buFont typeface="+mj-lt"/>
+              <a:buAutoNum type="arabicPeriod"/>
+            </a:pPr>
+            <a:r>
+              <a:rPr lang="en-US" dirty="0"/>
+              <a:t>Help us choosing best modeling techniques</a:t>
+            </a:r>
+          </a:p>
+          <a:p>
+            <a:pPr marL="514350" indent="-514350">
+              <a:buFont typeface="+mj-lt"/>
+              <a:buAutoNum type="arabicPeriod"/>
+            </a:pPr>
+            <a:endParaRPr lang="en-US" dirty="0"/>
+          </a:p>
+        </p:txBody>
+      </p:sp>
+    </p:spTree>
+    <p:extLst>
+      <p:ext uri="{BB962C8B-B14F-4D97-AF65-F5344CB8AC3E}">
+        <p14:creationId xmlns:p14="http://schemas.microsoft.com/office/powerpoint/2010/main" val="4183527066"/>
+      </p:ext>
+    </p:extLst>
+  </p:cSld>
+  <p:clrMapOvr>
+    <a:masterClrMapping/>
+  </p:clrMapOvr>
+</p:sld>
+</file>
+
+<file path=ppt/slides/slide30.xml><?xml version="1.0" encoding="utf-8"?>
+<p:sld xmlns:a="http://schemas.openxmlformats.org/drawingml/2006/main" xmlns:r="http://schemas.openxmlformats.org/officeDocument/2006/relationships" xmlns:p="http://schemas.openxmlformats.org/presentationml/2006/main">
+  <p:cSld>
+    <p:spTree>
+      <p:nvGrpSpPr>
+        <p:cNvPr id="1" name=""/>
+        <p:cNvGrpSpPr/>
+        <p:nvPr/>
+      </p:nvGrpSpPr>
+      <p:grpSpPr>
+        <a:xfrm>
+          <a:off x="0" y="0"/>
+          <a:ext cx="0" cy="0"/>
+          <a:chOff x="0" y="0"/>
+          <a:chExt cx="0" cy="0"/>
+        </a:xfrm>
+      </p:grpSpPr>
+      <p:sp>
+        <p:nvSpPr>
+          <p:cNvPr id="2" name="Title 1">
+            <a:extLst>
+              <a:ext uri="{FF2B5EF4-FFF2-40B4-BE49-F238E27FC236}">
+                <a16:creationId xmlns:a16="http://schemas.microsoft.com/office/drawing/2014/main" id="{E454B102-32B4-6051-A35C-F0C5AA902F90}"/>
+              </a:ext>
+            </a:extLst>
+          </p:cNvPr>
+          <p:cNvSpPr>
+            <a:spLocks noGrp="1"/>
+          </p:cNvSpPr>
+          <p:nvPr>
+            <p:ph type="title"/>
+          </p:nvPr>
+        </p:nvSpPr>
+        <p:spPr/>
+        <p:txBody>
+          <a:bodyPr/>
+          <a:lstStyle/>
+          <a:p>
+            <a:r>
+              <a:rPr lang="en-US" dirty="0"/>
+              <a:t>Violin Plots</a:t>
+            </a:r>
+          </a:p>
+        </p:txBody>
+      </p:sp>
+      <p:sp>
+        <p:nvSpPr>
+          <p:cNvPr id="3" name="Content Placeholder 2">
+            <a:extLst>
+              <a:ext uri="{FF2B5EF4-FFF2-40B4-BE49-F238E27FC236}">
+                <a16:creationId xmlns:a16="http://schemas.microsoft.com/office/drawing/2014/main" id="{1A138A0C-6C70-8E0E-9364-2EEA1AE6190B}"/>
+              </a:ext>
+            </a:extLst>
+          </p:cNvPr>
+          <p:cNvSpPr>
+            <a:spLocks noGrp="1"/>
+          </p:cNvSpPr>
+          <p:nvPr>
+            <p:ph idx="1"/>
+          </p:nvPr>
+        </p:nvSpPr>
+        <p:spPr/>
+        <p:txBody>
+          <a:bodyPr/>
+          <a:lstStyle/>
+          <a:p>
+            <a:endParaRPr lang="en-US"/>
+          </a:p>
+        </p:txBody>
+      </p:sp>
+    </p:spTree>
+    <p:extLst>
+      <p:ext uri="{BB962C8B-B14F-4D97-AF65-F5344CB8AC3E}">
+        <p14:creationId xmlns:p14="http://schemas.microsoft.com/office/powerpoint/2010/main" val="2018462332"/>
+      </p:ext>
+    </p:extLst>
+  </p:cSld>
+  <p:clrMapOvr>
+    <a:masterClrMapping/>
+  </p:clrMapOvr>
+</p:sld>
+</file>
+
+<file path=ppt/slides/slide31.xml><?xml version="1.0" encoding="utf-8"?>
+<p:sld xmlns:a="http://schemas.openxmlformats.org/drawingml/2006/main" xmlns:r="http://schemas.openxmlformats.org/officeDocument/2006/relationships" xmlns:p="http://schemas.openxmlformats.org/presentationml/2006/main">
+  <p:cSld>
+    <p:spTree>
+      <p:nvGrpSpPr>
+        <p:cNvPr id="1" name=""/>
+        <p:cNvGrpSpPr/>
+        <p:nvPr/>
+      </p:nvGrpSpPr>
+      <p:grpSpPr>
+        <a:xfrm>
+          <a:off x="0" y="0"/>
+          <a:ext cx="0" cy="0"/>
+          <a:chOff x="0" y="0"/>
+          <a:chExt cx="0" cy="0"/>
+        </a:xfrm>
+      </p:grpSpPr>
+      <p:sp>
+        <p:nvSpPr>
+          <p:cNvPr id="2" name="Title 1">
+            <a:extLst>
+              <a:ext uri="{FF2B5EF4-FFF2-40B4-BE49-F238E27FC236}">
+                <a16:creationId xmlns:a16="http://schemas.microsoft.com/office/drawing/2014/main" id="{EF7A43E0-C9EF-5618-15BD-B48EF4167FB5}"/>
+              </a:ext>
+            </a:extLst>
+          </p:cNvPr>
+          <p:cNvSpPr>
+            <a:spLocks noGrp="1"/>
+          </p:cNvSpPr>
+          <p:nvPr>
+            <p:ph type="title"/>
+          </p:nvPr>
+        </p:nvSpPr>
+        <p:spPr/>
+        <p:txBody>
+          <a:bodyPr/>
+          <a:lstStyle/>
+          <a:p>
+            <a:r>
+              <a:rPr lang="en-US" dirty="0"/>
+              <a:t>Pearson’s correlation coefficients</a:t>
+            </a:r>
+          </a:p>
+        </p:txBody>
+      </p:sp>
+      <p:sp>
+        <p:nvSpPr>
+          <p:cNvPr id="3" name="Content Placeholder 2">
+            <a:extLst>
+              <a:ext uri="{FF2B5EF4-FFF2-40B4-BE49-F238E27FC236}">
+                <a16:creationId xmlns:a16="http://schemas.microsoft.com/office/drawing/2014/main" id="{9E1E5466-EE2C-422E-18B9-33AAC86F402C}"/>
+              </a:ext>
+            </a:extLst>
+          </p:cNvPr>
+          <p:cNvSpPr>
+            <a:spLocks noGrp="1"/>
+          </p:cNvSpPr>
+          <p:nvPr>
+            <p:ph idx="1"/>
+          </p:nvPr>
+        </p:nvSpPr>
+        <p:spPr/>
+        <p:txBody>
+          <a:bodyPr/>
+          <a:lstStyle/>
+          <a:p>
+            <a:endParaRPr lang="en-US"/>
+          </a:p>
+        </p:txBody>
+      </p:sp>
+    </p:spTree>
+    <p:extLst>
+      <p:ext uri="{BB962C8B-B14F-4D97-AF65-F5344CB8AC3E}">
+        <p14:creationId xmlns:p14="http://schemas.microsoft.com/office/powerpoint/2010/main" val="1155992431"/>
+      </p:ext>
+    </p:extLst>
+  </p:cSld>
+  <p:clrMapOvr>
+    <a:masterClrMapping/>
+  </p:clrMapOvr>
+</p:sld>
+</file>
+
+<file path=ppt/slides/slide32.xml><?xml version="1.0" encoding="utf-8"?>
+<p:sld xmlns:a="http://schemas.openxmlformats.org/drawingml/2006/main" xmlns:r="http://schemas.openxmlformats.org/officeDocument/2006/relationships" xmlns:p="http://schemas.openxmlformats.org/presentationml/2006/main">
+  <p:cSld>
+    <p:spTree>
+      <p:nvGrpSpPr>
+        <p:cNvPr id="1" name=""/>
+        <p:cNvGrpSpPr/>
+        <p:nvPr/>
+      </p:nvGrpSpPr>
+      <p:grpSpPr>
+        <a:xfrm>
+          <a:off x="0" y="0"/>
+          <a:ext cx="0" cy="0"/>
+          <a:chOff x="0" y="0"/>
+          <a:chExt cx="0" cy="0"/>
+        </a:xfrm>
+      </p:grpSpPr>
+      <p:sp>
+        <p:nvSpPr>
+          <p:cNvPr id="2" name="Title 1">
+            <a:extLst>
+              <a:ext uri="{FF2B5EF4-FFF2-40B4-BE49-F238E27FC236}">
+                <a16:creationId xmlns:a16="http://schemas.microsoft.com/office/drawing/2014/main" id="{CA06E115-E626-0E06-B15D-2082B6F0D477}"/>
+              </a:ext>
+            </a:extLst>
+          </p:cNvPr>
+          <p:cNvSpPr>
+            <a:spLocks noGrp="1"/>
+          </p:cNvSpPr>
+          <p:nvPr>
+            <p:ph type="title"/>
+          </p:nvPr>
+        </p:nvSpPr>
+        <p:spPr/>
+        <p:txBody>
+          <a:bodyPr/>
+          <a:lstStyle/>
+          <a:p>
+            <a:r>
+              <a:rPr lang="en-US" dirty="0"/>
+              <a:t>Spearman’s rank correlation</a:t>
+            </a:r>
+          </a:p>
+        </p:txBody>
+      </p:sp>
+      <p:sp>
+        <p:nvSpPr>
+          <p:cNvPr id="3" name="Content Placeholder 2">
+            <a:extLst>
+              <a:ext uri="{FF2B5EF4-FFF2-40B4-BE49-F238E27FC236}">
+                <a16:creationId xmlns:a16="http://schemas.microsoft.com/office/drawing/2014/main" id="{C695E7F9-9C92-2D7F-A6DC-9F3EB41FB4D8}"/>
+              </a:ext>
+            </a:extLst>
+          </p:cNvPr>
+          <p:cNvSpPr>
+            <a:spLocks noGrp="1"/>
+          </p:cNvSpPr>
+          <p:nvPr>
+            <p:ph idx="1"/>
+          </p:nvPr>
+        </p:nvSpPr>
+        <p:spPr/>
+        <p:txBody>
+          <a:bodyPr/>
+          <a:lstStyle/>
+          <a:p>
+            <a:endParaRPr lang="en-US"/>
+          </a:p>
+        </p:txBody>
+      </p:sp>
+    </p:spTree>
+    <p:extLst>
+      <p:ext uri="{BB962C8B-B14F-4D97-AF65-F5344CB8AC3E}">
+        <p14:creationId xmlns:p14="http://schemas.microsoft.com/office/powerpoint/2010/main" val="3052542631"/>
+      </p:ext>
+    </p:extLst>
+  </p:cSld>
+  <p:clrMapOvr>
+    <a:masterClrMapping/>
+  </p:clrMapOvr>
+</p:sld>
+</file>
+
+<file path=ppt/slides/slide33.xml><?xml version="1.0" encoding="utf-8"?>
+<p:sld xmlns:a="http://schemas.openxmlformats.org/drawingml/2006/main" xmlns:r="http://schemas.openxmlformats.org/officeDocument/2006/relationships" xmlns:p="http://schemas.openxmlformats.org/presentationml/2006/main">
+  <p:cSld>
+    <p:spTree>
+      <p:nvGrpSpPr>
+        <p:cNvPr id="1" name=""/>
+        <p:cNvGrpSpPr/>
+        <p:nvPr/>
+      </p:nvGrpSpPr>
+      <p:grpSpPr>
+        <a:xfrm>
+          <a:off x="0" y="0"/>
+          <a:ext cx="0" cy="0"/>
+          <a:chOff x="0" y="0"/>
+          <a:chExt cx="0" cy="0"/>
+        </a:xfrm>
+      </p:grpSpPr>
+      <p:sp>
+        <p:nvSpPr>
+          <p:cNvPr id="2" name="Title 1">
+            <a:extLst>
+              <a:ext uri="{FF2B5EF4-FFF2-40B4-BE49-F238E27FC236}">
+                <a16:creationId xmlns:a16="http://schemas.microsoft.com/office/drawing/2014/main" id="{172243C9-0152-CE9D-B161-B1A75623C6CA}"/>
+              </a:ext>
+            </a:extLst>
+          </p:cNvPr>
+          <p:cNvSpPr>
+            <a:spLocks noGrp="1"/>
+          </p:cNvSpPr>
+          <p:nvPr>
+            <p:ph type="title"/>
+          </p:nvPr>
+        </p:nvSpPr>
+        <p:spPr/>
+        <p:txBody>
+          <a:bodyPr/>
+          <a:lstStyle/>
+          <a:p>
+            <a:r>
+              <a:rPr lang="en-US" dirty="0"/>
+              <a:t>Lab 05</a:t>
+            </a:r>
+          </a:p>
+        </p:txBody>
+      </p:sp>
+      <p:sp>
+        <p:nvSpPr>
+          <p:cNvPr id="3" name="Content Placeholder 2">
+            <a:extLst>
+              <a:ext uri="{FF2B5EF4-FFF2-40B4-BE49-F238E27FC236}">
+                <a16:creationId xmlns:a16="http://schemas.microsoft.com/office/drawing/2014/main" id="{735185F1-8509-F1A5-3E71-21876FE38951}"/>
+              </a:ext>
+            </a:extLst>
+          </p:cNvPr>
+          <p:cNvSpPr>
+            <a:spLocks noGrp="1"/>
+          </p:cNvSpPr>
+          <p:nvPr>
+            <p:ph idx="1"/>
+          </p:nvPr>
+        </p:nvSpPr>
+        <p:spPr/>
+        <p:txBody>
+          <a:bodyPr/>
+          <a:lstStyle/>
+          <a:p>
+            <a:endParaRPr lang="en-US"/>
+          </a:p>
+        </p:txBody>
+      </p:sp>
+    </p:spTree>
+    <p:extLst>
+      <p:ext uri="{BB962C8B-B14F-4D97-AF65-F5344CB8AC3E}">
+        <p14:creationId xmlns:p14="http://schemas.microsoft.com/office/powerpoint/2010/main" val="2940870322"/>
+      </p:ext>
+    </p:extLst>
+  </p:cSld>
+  <p:clrMapOvr>
+    <a:masterClrMapping/>
+  </p:clrMapOvr>
+</p:sld>
+</file>
+
+<file path=ppt/slides/slide34.xml><?xml version="1.0" encoding="utf-8"?>
+<p:sld xmlns:a="http://schemas.openxmlformats.org/drawingml/2006/main" xmlns:r="http://schemas.openxmlformats.org/officeDocument/2006/relationships" xmlns:p="http://schemas.openxmlformats.org/presentationml/2006/main">
+  <p:cSld>
+    <p:spTree>
+      <p:nvGrpSpPr>
+        <p:cNvPr id="1" name=""/>
+        <p:cNvGrpSpPr/>
+        <p:nvPr/>
+      </p:nvGrpSpPr>
+      <p:grpSpPr>
+        <a:xfrm>
+          <a:off x="0" y="0"/>
+          <a:ext cx="0" cy="0"/>
+          <a:chOff x="0" y="0"/>
+          <a:chExt cx="0" cy="0"/>
+        </a:xfrm>
+      </p:grpSpPr>
+      <p:sp>
+        <p:nvSpPr>
+          <p:cNvPr id="2" name="Title 1">
+            <a:extLst>
+              <a:ext uri="{FF2B5EF4-FFF2-40B4-BE49-F238E27FC236}">
+                <a16:creationId xmlns:a16="http://schemas.microsoft.com/office/drawing/2014/main" id="{37BD4471-DDCD-742E-668E-FD22F627F7B8}"/>
+              </a:ext>
+            </a:extLst>
+          </p:cNvPr>
+          <p:cNvSpPr>
+            <a:spLocks noGrp="1"/>
+          </p:cNvSpPr>
+          <p:nvPr>
+            <p:ph type="title"/>
+          </p:nvPr>
+        </p:nvSpPr>
+        <p:spPr/>
+        <p:txBody>
+          <a:bodyPr/>
+          <a:lstStyle/>
+          <a:p>
+            <a:r>
+              <a:rPr lang="en-US" dirty="0"/>
+              <a:t>What is a Perceptron?</a:t>
+            </a:r>
+          </a:p>
+        </p:txBody>
+      </p:sp>
+      <p:sp>
+        <p:nvSpPr>
+          <p:cNvPr id="3" name="Content Placeholder 2">
+            <a:extLst>
+              <a:ext uri="{FF2B5EF4-FFF2-40B4-BE49-F238E27FC236}">
+                <a16:creationId xmlns:a16="http://schemas.microsoft.com/office/drawing/2014/main" id="{36C2876A-3256-3042-8496-31F725F93F5F}"/>
+              </a:ext>
+            </a:extLst>
+          </p:cNvPr>
+          <p:cNvSpPr>
+            <a:spLocks noGrp="1"/>
+          </p:cNvSpPr>
+          <p:nvPr>
+            <p:ph idx="1"/>
+          </p:nvPr>
+        </p:nvSpPr>
+        <p:spPr/>
+        <p:txBody>
+          <a:bodyPr/>
+          <a:lstStyle/>
+          <a:p>
+            <a:r>
+              <a:rPr lang="en-US" dirty="0"/>
+              <a:t>A Perceptron is the simplest type of artificial neuron and the foundation of neural networks. It takes multiple inputs, applies weights, sums them, and passes the result through an activation function to produce an output (0 or 1). </a:t>
+            </a:r>
+          </a:p>
+          <a:p>
+            <a:endParaRPr lang="en-US" dirty="0"/>
+          </a:p>
+          <a:p>
+            <a:endParaRPr lang="en-US" dirty="0"/>
+          </a:p>
+        </p:txBody>
+      </p:sp>
+    </p:spTree>
+    <p:extLst>
+      <p:ext uri="{BB962C8B-B14F-4D97-AF65-F5344CB8AC3E}">
+        <p14:creationId xmlns:p14="http://schemas.microsoft.com/office/powerpoint/2010/main" val="143575800"/>
+      </p:ext>
+    </p:extLst>
+  </p:cSld>
+  <p:clrMapOvr>
+    <a:masterClrMapping/>
+  </p:clrMapOvr>
+</p:sld>
+</file>
+
+<file path=ppt/slides/slide35.xml><?xml version="1.0" encoding="utf-8"?>
+<p:sld xmlns:a="http://schemas.openxmlformats.org/drawingml/2006/main" xmlns:r="http://schemas.openxmlformats.org/officeDocument/2006/relationships" xmlns:p="http://schemas.openxmlformats.org/presentationml/2006/main">
+  <p:cSld>
+    <p:spTree>
+      <p:nvGrpSpPr>
+        <p:cNvPr id="1" name=""/>
+        <p:cNvGrpSpPr/>
+        <p:nvPr/>
+      </p:nvGrpSpPr>
+      <p:grpSpPr>
+        <a:xfrm>
+          <a:off x="0" y="0"/>
+          <a:ext cx="0" cy="0"/>
+          <a:chOff x="0" y="0"/>
+          <a:chExt cx="0" cy="0"/>
+        </a:xfrm>
+      </p:grpSpPr>
+      <p:sp>
+        <p:nvSpPr>
+          <p:cNvPr id="2" name="Title 1">
+            <a:extLst>
+              <a:ext uri="{FF2B5EF4-FFF2-40B4-BE49-F238E27FC236}">
+                <a16:creationId xmlns:a16="http://schemas.microsoft.com/office/drawing/2014/main" id="{156BB8E9-8F8B-E8A4-DC7C-878CA3FBCDB6}"/>
+              </a:ext>
+            </a:extLst>
+          </p:cNvPr>
+          <p:cNvSpPr>
+            <a:spLocks noGrp="1"/>
+          </p:cNvSpPr>
+          <p:nvPr>
+            <p:ph type="title"/>
+          </p:nvPr>
+        </p:nvSpPr>
+        <p:spPr/>
+        <p:txBody>
+          <a:bodyPr/>
+          <a:lstStyle/>
+          <a:p>
+            <a:r>
+              <a:rPr lang="en-US" dirty="0"/>
+              <a:t>Single Layer Perceptron</a:t>
+            </a:r>
+          </a:p>
+        </p:txBody>
+      </p:sp>
+      <p:sp>
+        <p:nvSpPr>
+          <p:cNvPr id="3" name="Content Placeholder 2">
+            <a:extLst>
+              <a:ext uri="{FF2B5EF4-FFF2-40B4-BE49-F238E27FC236}">
+                <a16:creationId xmlns:a16="http://schemas.microsoft.com/office/drawing/2014/main" id="{71D10596-E370-2809-B40C-8B37B10C4F0B}"/>
+              </a:ext>
+            </a:extLst>
+          </p:cNvPr>
+          <p:cNvSpPr>
+            <a:spLocks noGrp="1"/>
+          </p:cNvSpPr>
+          <p:nvPr>
+            <p:ph idx="1"/>
+          </p:nvPr>
+        </p:nvSpPr>
+        <p:spPr/>
+        <p:txBody>
+          <a:bodyPr/>
+          <a:lstStyle/>
+          <a:p>
+            <a:endParaRPr lang="en-US" dirty="0"/>
+          </a:p>
+        </p:txBody>
+      </p:sp>
+    </p:spTree>
+    <p:extLst>
+      <p:ext uri="{BB962C8B-B14F-4D97-AF65-F5344CB8AC3E}">
+        <p14:creationId xmlns:p14="http://schemas.microsoft.com/office/powerpoint/2010/main" val="496359766"/>
+      </p:ext>
+    </p:extLst>
+  </p:cSld>
+  <p:clrMapOvr>
+    <a:masterClrMapping/>
+  </p:clrMapOvr>
+</p:sld>
+</file>
+
+<file path=ppt/slides/slide36.xml><?xml version="1.0" encoding="utf-8"?>
+<p:sld xmlns:a="http://schemas.openxmlformats.org/drawingml/2006/main" xmlns:r="http://schemas.openxmlformats.org/officeDocument/2006/relationships" xmlns:p="http://schemas.openxmlformats.org/presentationml/2006/main">
+  <p:cSld>
+    <p:spTree>
+      <p:nvGrpSpPr>
+        <p:cNvPr id="1" name=""/>
+        <p:cNvGrpSpPr/>
+        <p:nvPr/>
+      </p:nvGrpSpPr>
+      <p:grpSpPr>
+        <a:xfrm>
+          <a:off x="0" y="0"/>
+          <a:ext cx="0" cy="0"/>
+          <a:chOff x="0" y="0"/>
+          <a:chExt cx="0" cy="0"/>
+        </a:xfrm>
+      </p:grpSpPr>
+      <p:sp>
+        <p:nvSpPr>
+          <p:cNvPr id="2" name="Title 1">
+            <a:extLst>
+              <a:ext uri="{FF2B5EF4-FFF2-40B4-BE49-F238E27FC236}">
+                <a16:creationId xmlns:a16="http://schemas.microsoft.com/office/drawing/2014/main" id="{7586C732-C680-6DB8-AA99-BF5E3CFDD66D}"/>
+              </a:ext>
+            </a:extLst>
+          </p:cNvPr>
+          <p:cNvSpPr>
+            <a:spLocks noGrp="1"/>
+          </p:cNvSpPr>
+          <p:nvPr>
+            <p:ph type="title"/>
+          </p:nvPr>
+        </p:nvSpPr>
+        <p:spPr/>
+        <p:txBody>
+          <a:bodyPr/>
+          <a:lstStyle/>
+          <a:p>
+            <a:r>
+              <a:rPr lang="en-US" dirty="0"/>
+              <a:t>Mathematical Model of Perceptron</a:t>
+            </a:r>
+          </a:p>
+        </p:txBody>
+      </p:sp>
+      <p:sp>
+        <p:nvSpPr>
+          <p:cNvPr id="3" name="Content Placeholder 2">
+            <a:extLst>
+              <a:ext uri="{FF2B5EF4-FFF2-40B4-BE49-F238E27FC236}">
+                <a16:creationId xmlns:a16="http://schemas.microsoft.com/office/drawing/2014/main" id="{736A8CC8-A8F9-BE48-4C24-D0CE23F02CA2}"/>
+              </a:ext>
+            </a:extLst>
+          </p:cNvPr>
+          <p:cNvSpPr>
+            <a:spLocks noGrp="1"/>
+          </p:cNvSpPr>
+          <p:nvPr>
+            <p:ph idx="1"/>
+          </p:nvPr>
+        </p:nvSpPr>
+        <p:spPr/>
+        <p:txBody>
+          <a:bodyPr/>
+          <a:lstStyle/>
+          <a:p>
+            <a:endParaRPr lang="en-US"/>
+          </a:p>
+        </p:txBody>
+      </p:sp>
+    </p:spTree>
+    <p:extLst>
+      <p:ext uri="{BB962C8B-B14F-4D97-AF65-F5344CB8AC3E}">
+        <p14:creationId xmlns:p14="http://schemas.microsoft.com/office/powerpoint/2010/main" val="1050273593"/>
+      </p:ext>
+    </p:extLst>
+  </p:cSld>
+  <p:clrMapOvr>
+    <a:masterClrMapping/>
+  </p:clrMapOvr>
+</p:sld>
+</file>
+
+<file path=ppt/slides/slide37.xml><?xml version="1.0" encoding="utf-8"?>
+<p:sld xmlns:a="http://schemas.openxmlformats.org/drawingml/2006/main" xmlns:r="http://schemas.openxmlformats.org/officeDocument/2006/relationships" xmlns:p="http://schemas.openxmlformats.org/presentationml/2006/main">
+  <p:cSld>
+    <p:spTree>
+      <p:nvGrpSpPr>
+        <p:cNvPr id="1" name=""/>
+        <p:cNvGrpSpPr/>
+        <p:nvPr/>
+      </p:nvGrpSpPr>
+      <p:grpSpPr>
+        <a:xfrm>
+          <a:off x="0" y="0"/>
+          <a:ext cx="0" cy="0"/>
+          <a:chOff x="0" y="0"/>
+          <a:chExt cx="0" cy="0"/>
+        </a:xfrm>
+      </p:grpSpPr>
+      <p:sp>
+        <p:nvSpPr>
+          <p:cNvPr id="2" name="Title 1">
+            <a:extLst>
+              <a:ext uri="{FF2B5EF4-FFF2-40B4-BE49-F238E27FC236}">
                 <a16:creationId xmlns:a16="http://schemas.microsoft.com/office/drawing/2014/main" id="{C064E94E-EC30-31A2-7AC6-D70862158F98}"/>
               </a:ext>
             </a:extLst>
@@ -5706,7 +6823,7 @@
 </p:sld>
 </file>
 
-<file path=ppt/slides/slide29.xml><?xml version="1.0" encoding="utf-8"?>
+<file path=ppt/slides/slide38.xml><?xml version="1.0" encoding="utf-8"?>
 <p:sld xmlns:a="http://schemas.openxmlformats.org/drawingml/2006/main" xmlns:r="http://schemas.openxmlformats.org/officeDocument/2006/relationships" xmlns:p="http://schemas.openxmlformats.org/presentationml/2006/main">
   <p:cSld>
     <p:spTree>
@@ -5793,7 +6910,7 @@
 </p:sld>
 </file>
 
-<file path=ppt/slides/slide3.xml><?xml version="1.0" encoding="utf-8"?>
+<file path=ppt/slides/slide39.xml><?xml version="1.0" encoding="utf-8"?>
 <p:sld xmlns:a="http://schemas.openxmlformats.org/drawingml/2006/main" xmlns:r="http://schemas.openxmlformats.org/officeDocument/2006/relationships" xmlns:p="http://schemas.openxmlformats.org/presentationml/2006/main">
   <p:cSld>
     <p:spTree>
@@ -5815,7 +6932,7 @@
           <p:cNvPr id="2" name="Title 1">
             <a:extLst>
               <a:ext uri="{FF2B5EF4-FFF2-40B4-BE49-F238E27FC236}">
-                <a16:creationId xmlns:a16="http://schemas.microsoft.com/office/drawing/2014/main" id="{C662D991-EAB0-AF8B-C335-F14A3D3AAAF2}"/>
+                <a16:creationId xmlns:a16="http://schemas.microsoft.com/office/drawing/2014/main" id="{97E327F4-E647-438A-DADA-ED6E42A2D8AC}"/>
               </a:ext>
             </a:extLst>
           </p:cNvPr>
@@ -5833,7 +6950,7 @@
           <a:p>
             <a:r>
               <a:rPr lang="en-US" dirty="0"/>
-              <a:t>Why Exploratory Data Analysis Important?</a:t>
+              <a:t>Key components of MLP</a:t>
             </a:r>
           </a:p>
         </p:txBody>
@@ -5843,7 +6960,7 @@
           <p:cNvPr id="3" name="Content Placeholder 2">
             <a:extLst>
               <a:ext uri="{FF2B5EF4-FFF2-40B4-BE49-F238E27FC236}">
-                <a16:creationId xmlns:a16="http://schemas.microsoft.com/office/drawing/2014/main" id="{E87A928E-3CD4-CCC1-9B0E-C4B5CF74CA5A}"/>
+                <a16:creationId xmlns:a16="http://schemas.microsoft.com/office/drawing/2014/main" id="{E4ACF27A-3D60-8643-97FD-1708241B758B}"/>
               </a:ext>
             </a:extLst>
           </p:cNvPr>
@@ -5859,60 +6976,54 @@
           <a:bodyPr/>
           <a:lstStyle/>
           <a:p>
-            <a:pPr marL="514350" indent="-514350">
-              <a:buFont typeface="+mj-lt"/>
-              <a:buAutoNum type="arabicPeriod"/>
-            </a:pPr>
-            <a:r>
-              <a:rPr lang="en-US" dirty="0"/>
-              <a:t>Helps to understand dataset</a:t>
-            </a:r>
-          </a:p>
-          <a:p>
-            <a:pPr marL="514350" indent="-514350">
-              <a:buFont typeface="+mj-lt"/>
-              <a:buAutoNum type="arabicPeriod"/>
-            </a:pPr>
-            <a:r>
-              <a:rPr lang="en-US" dirty="0"/>
-              <a:t>Helps to identify hidden patterns and  relationship between different data points</a:t>
-            </a:r>
-          </a:p>
-          <a:p>
-            <a:pPr marL="514350" indent="-514350">
-              <a:buFont typeface="+mj-lt"/>
-              <a:buAutoNum type="arabicPeriod"/>
-            </a:pPr>
-            <a:r>
-              <a:rPr lang="en-US" dirty="0"/>
-              <a:t>Allows to identify errors or unusual data points (outliers)</a:t>
-            </a:r>
-          </a:p>
-          <a:p>
-            <a:pPr marL="514350" indent="-514350">
-              <a:buFont typeface="+mj-lt"/>
-              <a:buAutoNum type="arabicPeriod"/>
-            </a:pPr>
-            <a:r>
-              <a:rPr lang="en-US" dirty="0"/>
-              <a:t>Help us to identify most important feature</a:t>
-            </a:r>
-          </a:p>
-          <a:p>
-            <a:pPr marL="514350" indent="-514350">
-              <a:buFont typeface="+mj-lt"/>
-              <a:buAutoNum type="arabicPeriod"/>
-            </a:pPr>
-            <a:r>
-              <a:rPr lang="en-US" dirty="0"/>
-              <a:t>Help us choosing best modeling techniques</a:t>
-            </a:r>
-          </a:p>
-          <a:p>
-            <a:pPr marL="514350" indent="-514350">
-              <a:buFont typeface="+mj-lt"/>
-              <a:buAutoNum type="arabicPeriod"/>
-            </a:pPr>
+            <a:r>
+              <a:rPr lang="en-US" dirty="0"/>
+              <a:t>Input Layer</a:t>
+            </a:r>
+          </a:p>
+          <a:p>
+            <a:r>
+              <a:rPr lang="en-US" dirty="0"/>
+              <a:t>Weighted Connection and Biases</a:t>
+            </a:r>
+          </a:p>
+          <a:p>
+            <a:r>
+              <a:rPr lang="en-US" dirty="0"/>
+              <a:t>Hidden Layers</a:t>
+            </a:r>
+          </a:p>
+          <a:p>
+            <a:r>
+              <a:rPr lang="en-US" dirty="0"/>
+              <a:t>Activation Function</a:t>
+            </a:r>
+          </a:p>
+          <a:p>
+            <a:r>
+              <a:rPr lang="en-US" dirty="0"/>
+              <a:t>Forward Propagation</a:t>
+            </a:r>
+          </a:p>
+          <a:p>
+            <a:r>
+              <a:rPr lang="en-US" dirty="0"/>
+              <a:t>Output Layer</a:t>
+            </a:r>
+          </a:p>
+          <a:p>
+            <a:r>
+              <a:rPr lang="en-US" dirty="0"/>
+              <a:t>Backpropagation and learning</a:t>
+            </a:r>
+          </a:p>
+          <a:p>
+            <a:r>
+              <a:rPr lang="en-US" dirty="0"/>
+              <a:t>Iteration and Convergence</a:t>
+            </a:r>
+          </a:p>
+          <a:p>
             <a:endParaRPr lang="en-US" dirty="0"/>
           </a:p>
         </p:txBody>
@@ -5920,7 +7031,7 @@
     </p:spTree>
     <p:extLst>
       <p:ext uri="{BB962C8B-B14F-4D97-AF65-F5344CB8AC3E}">
-        <p14:creationId xmlns:p14="http://schemas.microsoft.com/office/powerpoint/2010/main" val="4183527066"/>
+        <p14:creationId xmlns:p14="http://schemas.microsoft.com/office/powerpoint/2010/main" val="2839396567"/>
       </p:ext>
     </p:extLst>
   </p:cSld>
@@ -5930,7 +7041,7 @@
 </p:sld>
 </file>
 
-<file path=ppt/slides/slide30.xml><?xml version="1.0" encoding="utf-8"?>
+<file path=ppt/slides/slide4.xml><?xml version="1.0" encoding="utf-8"?>
 <p:sld xmlns:a="http://schemas.openxmlformats.org/drawingml/2006/main" xmlns:r="http://schemas.openxmlformats.org/officeDocument/2006/relationships" xmlns:p="http://schemas.openxmlformats.org/presentationml/2006/main">
   <p:cSld>
     <p:spTree>
@@ -5952,7 +7063,7 @@
           <p:cNvPr id="2" name="Title 1">
             <a:extLst>
               <a:ext uri="{FF2B5EF4-FFF2-40B4-BE49-F238E27FC236}">
-                <a16:creationId xmlns:a16="http://schemas.microsoft.com/office/drawing/2014/main" id="{97E327F4-E647-438A-DADA-ED6E42A2D8AC}"/>
+                <a16:creationId xmlns:a16="http://schemas.microsoft.com/office/drawing/2014/main" id="{5D0B756D-996F-9F08-4724-222AF2B8A148}"/>
               </a:ext>
             </a:extLst>
           </p:cNvPr>
@@ -5970,7 +7081,7 @@
           <a:p>
             <a:r>
               <a:rPr lang="en-US" dirty="0"/>
-              <a:t>Key components of MLP</a:t>
+              <a:t>Types of Exploratory Data Analysis?</a:t>
             </a:r>
           </a:p>
         </p:txBody>
@@ -5980,7 +7091,7 @@
           <p:cNvPr id="3" name="Content Placeholder 2">
             <a:extLst>
               <a:ext uri="{FF2B5EF4-FFF2-40B4-BE49-F238E27FC236}">
-                <a16:creationId xmlns:a16="http://schemas.microsoft.com/office/drawing/2014/main" id="{E4ACF27A-3D60-8643-97FD-1708241B758B}"/>
+                <a16:creationId xmlns:a16="http://schemas.microsoft.com/office/drawing/2014/main" id="{5F9F8EA3-1A02-27FC-609E-265125D8A4B7}"/>
               </a:ext>
             </a:extLst>
           </p:cNvPr>
@@ -5996,54 +7107,40 @@
           <a:bodyPr/>
           <a:lstStyle/>
           <a:p>
-            <a:r>
-              <a:rPr lang="en-US" dirty="0"/>
-              <a:t>Input Layer</a:t>
-            </a:r>
-          </a:p>
-          <a:p>
-            <a:r>
-              <a:rPr lang="en-US" dirty="0"/>
-              <a:t>Weighted Connection and Biases</a:t>
-            </a:r>
-          </a:p>
-          <a:p>
-            <a:r>
-              <a:rPr lang="en-US" dirty="0"/>
-              <a:t>Hidden Layers</a:t>
-            </a:r>
-          </a:p>
-          <a:p>
-            <a:r>
-              <a:rPr lang="en-US" dirty="0"/>
-              <a:t>Activation Function</a:t>
-            </a:r>
-          </a:p>
-          <a:p>
-            <a:r>
-              <a:rPr lang="en-US" dirty="0"/>
-              <a:t>Forward Propagation</a:t>
-            </a:r>
-          </a:p>
-          <a:p>
-            <a:r>
-              <a:rPr lang="en-US" dirty="0"/>
-              <a:t>Output Layer</a:t>
-            </a:r>
-          </a:p>
-          <a:p>
-            <a:r>
-              <a:rPr lang="en-US" dirty="0"/>
-              <a:t>Backpropagation and learning</a:t>
-            </a:r>
-          </a:p>
-          <a:p>
-            <a:r>
-              <a:rPr lang="en-US" dirty="0"/>
-              <a:t>Iteration and Convergence</a:t>
-            </a:r>
-          </a:p>
-          <a:p>
+            <a:pPr marL="514350" indent="-514350">
+              <a:buFont typeface="+mj-lt"/>
+              <a:buAutoNum type="arabicPeriod"/>
+            </a:pPr>
+            <a:r>
+              <a:rPr lang="nn-NO" dirty="0"/>
+              <a:t>Univariate Analysis</a:t>
+            </a:r>
+          </a:p>
+          <a:p>
+            <a:pPr marL="514350" indent="-514350">
+              <a:buFont typeface="+mj-lt"/>
+              <a:buAutoNum type="arabicPeriod"/>
+            </a:pPr>
+            <a:r>
+              <a:rPr lang="nn-NO" dirty="0"/>
+              <a:t>Bivariate Analysis</a:t>
+            </a:r>
+          </a:p>
+          <a:p>
+            <a:pPr marL="514350" indent="-514350">
+              <a:buFont typeface="+mj-lt"/>
+              <a:buAutoNum type="arabicPeriod"/>
+            </a:pPr>
+            <a:r>
+              <a:rPr lang="nn-NO" dirty="0"/>
+              <a:t>Multivariate Analysis</a:t>
+            </a:r>
+          </a:p>
+          <a:p>
+            <a:pPr marL="514350" indent="-514350">
+              <a:buFont typeface="+mj-lt"/>
+              <a:buAutoNum type="arabicPeriod"/>
+            </a:pPr>
             <a:endParaRPr lang="en-US" dirty="0"/>
           </a:p>
         </p:txBody>
@@ -6051,7 +7148,7 @@
     </p:spTree>
     <p:extLst>
       <p:ext uri="{BB962C8B-B14F-4D97-AF65-F5344CB8AC3E}">
-        <p14:creationId xmlns:p14="http://schemas.microsoft.com/office/powerpoint/2010/main" val="2839396567"/>
+        <p14:creationId xmlns:p14="http://schemas.microsoft.com/office/powerpoint/2010/main" val="2677802011"/>
       </p:ext>
     </p:extLst>
   </p:cSld>
@@ -6061,7 +7158,7 @@
 </p:sld>
 </file>
 
-<file path=ppt/slides/slide31.xml><?xml version="1.0" encoding="utf-8"?>
+<file path=ppt/slides/slide40.xml><?xml version="1.0" encoding="utf-8"?>
 <p:sld xmlns:a="http://schemas.openxmlformats.org/drawingml/2006/main" xmlns:r="http://schemas.openxmlformats.org/officeDocument/2006/relationships" xmlns:p="http://schemas.openxmlformats.org/presentationml/2006/main">
   <p:cSld>
     <p:spTree>
@@ -6150,7 +7247,7 @@
 </p:sld>
 </file>
 
-<file path=ppt/slides/slide32.xml><?xml version="1.0" encoding="utf-8"?>
+<file path=ppt/slides/slide41.xml><?xml version="1.0" encoding="utf-8"?>
 <p:sld xmlns:a="http://schemas.openxmlformats.org/drawingml/2006/main" xmlns:r="http://schemas.openxmlformats.org/officeDocument/2006/relationships" xmlns:p="http://schemas.openxmlformats.org/presentationml/2006/main">
   <p:cSld>
     <p:spTree>
@@ -6265,7 +7362,7 @@
 </p:sld>
 </file>
 
-<file path=ppt/slides/slide33.xml><?xml version="1.0" encoding="utf-8"?>
+<file path=ppt/slides/slide42.xml><?xml version="1.0" encoding="utf-8"?>
 <p:sld xmlns:a="http://schemas.openxmlformats.org/drawingml/2006/main" xmlns:r="http://schemas.openxmlformats.org/officeDocument/2006/relationships" xmlns:p="http://schemas.openxmlformats.org/presentationml/2006/main">
   <p:cSld>
     <p:spTree>
@@ -6369,7 +7466,7 @@
 </p:sld>
 </file>
 
-<file path=ppt/slides/slide34.xml><?xml version="1.0" encoding="utf-8"?>
+<file path=ppt/slides/slide43.xml><?xml version="1.0" encoding="utf-8"?>
 <p:sld xmlns:a="http://schemas.openxmlformats.org/drawingml/2006/main" xmlns:r="http://schemas.openxmlformats.org/officeDocument/2006/relationships" xmlns:p="http://schemas.openxmlformats.org/presentationml/2006/main">
   <p:cSld>
     <p:spTree>
@@ -6456,7 +7553,7 @@
 </p:sld>
 </file>
 
-<file path=ppt/slides/slide35.xml><?xml version="1.0" encoding="utf-8"?>
+<file path=ppt/slides/slide44.xml><?xml version="1.0" encoding="utf-8"?>
 <p:sld xmlns:a="http://schemas.openxmlformats.org/drawingml/2006/main" xmlns:r="http://schemas.openxmlformats.org/officeDocument/2006/relationships" xmlns:p="http://schemas.openxmlformats.org/presentationml/2006/main">
   <p:cSld>
     <p:spTree>
@@ -6557,7 +7654,7 @@
 </p:sld>
 </file>
 
-<file path=ppt/slides/slide36.xml><?xml version="1.0" encoding="utf-8"?>
+<file path=ppt/slides/slide45.xml><?xml version="1.0" encoding="utf-8"?>
 <p:sld xmlns:a="http://schemas.openxmlformats.org/drawingml/2006/main" xmlns:r="http://schemas.openxmlformats.org/officeDocument/2006/relationships" xmlns:p="http://schemas.openxmlformats.org/presentationml/2006/main">
   <p:cSld>
     <p:spTree>
@@ -6664,7 +7761,7 @@
 </p:sld>
 </file>
 
-<file path=ppt/slides/slide37.xml><?xml version="1.0" encoding="utf-8"?>
+<file path=ppt/slides/slide46.xml><?xml version="1.0" encoding="utf-8"?>
 <p:sld xmlns:a="http://schemas.openxmlformats.org/drawingml/2006/main" xmlns:r="http://schemas.openxmlformats.org/officeDocument/2006/relationships" xmlns:p="http://schemas.openxmlformats.org/presentationml/2006/main">
   <p:cSld>
     <p:spTree>
@@ -6751,7 +7848,7 @@
 </p:sld>
 </file>
 
-<file path=ppt/slides/slide38.xml><?xml version="1.0" encoding="utf-8"?>
+<file path=ppt/slides/slide47.xml><?xml version="1.0" encoding="utf-8"?>
 <p:sld xmlns:a="http://schemas.openxmlformats.org/drawingml/2006/main" xmlns:r="http://schemas.openxmlformats.org/officeDocument/2006/relationships" xmlns:p="http://schemas.openxmlformats.org/presentationml/2006/main">
   <p:cSld>
     <p:spTree>
@@ -6863,7 +7960,7 @@
 </p:sld>
 </file>
 
-<file path=ppt/slides/slide39.xml><?xml version="1.0" encoding="utf-8"?>
+<file path=ppt/slides/slide48.xml><?xml version="1.0" encoding="utf-8"?>
 <p:sld xmlns:a="http://schemas.openxmlformats.org/drawingml/2006/main" xmlns:r="http://schemas.openxmlformats.org/officeDocument/2006/relationships" xmlns:p="http://schemas.openxmlformats.org/presentationml/2006/main">
   <p:cSld>
     <p:spTree>
@@ -6964,124 +8061,7 @@
 </p:sld>
 </file>
 
-<file path=ppt/slides/slide4.xml><?xml version="1.0" encoding="utf-8"?>
-<p:sld xmlns:a="http://schemas.openxmlformats.org/drawingml/2006/main" xmlns:r="http://schemas.openxmlformats.org/officeDocument/2006/relationships" xmlns:p="http://schemas.openxmlformats.org/presentationml/2006/main">
-  <p:cSld>
-    <p:spTree>
-      <p:nvGrpSpPr>
-        <p:cNvPr id="1" name=""/>
-        <p:cNvGrpSpPr/>
-        <p:nvPr/>
-      </p:nvGrpSpPr>
-      <p:grpSpPr>
-        <a:xfrm>
-          <a:off x="0" y="0"/>
-          <a:ext cx="0" cy="0"/>
-          <a:chOff x="0" y="0"/>
-          <a:chExt cx="0" cy="0"/>
-        </a:xfrm>
-      </p:grpSpPr>
-      <p:sp>
-        <p:nvSpPr>
-          <p:cNvPr id="2" name="Title 1">
-            <a:extLst>
-              <a:ext uri="{FF2B5EF4-FFF2-40B4-BE49-F238E27FC236}">
-                <a16:creationId xmlns:a16="http://schemas.microsoft.com/office/drawing/2014/main" id="{5D0B756D-996F-9F08-4724-222AF2B8A148}"/>
-              </a:ext>
-            </a:extLst>
-          </p:cNvPr>
-          <p:cNvSpPr>
-            <a:spLocks noGrp="1"/>
-          </p:cNvSpPr>
-          <p:nvPr>
-            <p:ph type="title"/>
-          </p:nvPr>
-        </p:nvSpPr>
-        <p:spPr/>
-        <p:txBody>
-          <a:bodyPr/>
-          <a:lstStyle/>
-          <a:p>
-            <a:r>
-              <a:rPr lang="en-US" dirty="0"/>
-              <a:t>Types of Exploratory Data Analysis?</a:t>
-            </a:r>
-          </a:p>
-        </p:txBody>
-      </p:sp>
-      <p:sp>
-        <p:nvSpPr>
-          <p:cNvPr id="3" name="Content Placeholder 2">
-            <a:extLst>
-              <a:ext uri="{FF2B5EF4-FFF2-40B4-BE49-F238E27FC236}">
-                <a16:creationId xmlns:a16="http://schemas.microsoft.com/office/drawing/2014/main" id="{5F9F8EA3-1A02-27FC-609E-265125D8A4B7}"/>
-              </a:ext>
-            </a:extLst>
-          </p:cNvPr>
-          <p:cNvSpPr>
-            <a:spLocks noGrp="1"/>
-          </p:cNvSpPr>
-          <p:nvPr>
-            <p:ph idx="1"/>
-          </p:nvPr>
-        </p:nvSpPr>
-        <p:spPr/>
-        <p:txBody>
-          <a:bodyPr/>
-          <a:lstStyle/>
-          <a:p>
-            <a:pPr marL="514350" indent="-514350">
-              <a:buFont typeface="+mj-lt"/>
-              <a:buAutoNum type="arabicPeriod"/>
-            </a:pPr>
-            <a:r>
-              <a:rPr lang="nn-NO" dirty="0"/>
-              <a:t>Univariate Analysis</a:t>
-            </a:r>
-          </a:p>
-          <a:p>
-            <a:pPr marL="514350" indent="-514350">
-              <a:buFont typeface="+mj-lt"/>
-              <a:buAutoNum type="arabicPeriod"/>
-            </a:pPr>
-            <a:r>
-              <a:rPr lang="nn-NO" dirty="0"/>
-              <a:t>Bivariate Analysis</a:t>
-            </a:r>
-          </a:p>
-          <a:p>
-            <a:pPr marL="514350" indent="-514350">
-              <a:buFont typeface="+mj-lt"/>
-              <a:buAutoNum type="arabicPeriod"/>
-            </a:pPr>
-            <a:r>
-              <a:rPr lang="nn-NO" dirty="0"/>
-              <a:t>Multivariate Analysis</a:t>
-            </a:r>
-          </a:p>
-          <a:p>
-            <a:pPr marL="514350" indent="-514350">
-              <a:buFont typeface="+mj-lt"/>
-              <a:buAutoNum type="arabicPeriod"/>
-            </a:pPr>
-            <a:endParaRPr lang="en-US" dirty="0"/>
-          </a:p>
-        </p:txBody>
-      </p:sp>
-    </p:spTree>
-    <p:extLst>
-      <p:ext uri="{BB962C8B-B14F-4D97-AF65-F5344CB8AC3E}">
-        <p14:creationId xmlns:p14="http://schemas.microsoft.com/office/powerpoint/2010/main" val="2677802011"/>
-      </p:ext>
-    </p:extLst>
-  </p:cSld>
-  <p:clrMapOvr>
-    <a:masterClrMapping/>
-  </p:clrMapOvr>
-</p:sld>
-</file>
-
-<file path=ppt/slides/slide40.xml><?xml version="1.0" encoding="utf-8"?>
+<file path=ppt/slides/slide49.xml><?xml version="1.0" encoding="utf-8"?>
 <p:sld xmlns:a="http://schemas.openxmlformats.org/drawingml/2006/main" xmlns:r="http://schemas.openxmlformats.org/officeDocument/2006/relationships" xmlns:p="http://schemas.openxmlformats.org/presentationml/2006/main">
   <p:cSld>
     <p:spTree>
@@ -7168,7 +8148,7 @@
 </p:sld>
 </file>
 
-<file path=ppt/slides/slide41.xml><?xml version="1.0" encoding="utf-8"?>
+<file path=ppt/slides/slide5.xml><?xml version="1.0" encoding="utf-8"?>
 <p:sld xmlns:a="http://schemas.openxmlformats.org/drawingml/2006/main" xmlns:r="http://schemas.openxmlformats.org/officeDocument/2006/relationships" xmlns:p="http://schemas.openxmlformats.org/presentationml/2006/main">
   <p:cSld>
     <p:spTree>
@@ -7190,7 +8170,7 @@
           <p:cNvPr id="2" name="Title 1">
             <a:extLst>
               <a:ext uri="{FF2B5EF4-FFF2-40B4-BE49-F238E27FC236}">
-                <a16:creationId xmlns:a16="http://schemas.microsoft.com/office/drawing/2014/main" id="{925D5D6A-7B68-442C-630F-29B8AA855CD8}"/>
+                <a16:creationId xmlns:a16="http://schemas.microsoft.com/office/drawing/2014/main" id="{FBC87965-F0B3-3C5C-4DB0-199AF603289C}"/>
               </a:ext>
             </a:extLst>
           </p:cNvPr>
@@ -7208,7 +8188,7 @@
           <a:p>
             <a:r>
               <a:rPr lang="en-US" dirty="0"/>
-              <a:t>Iteration and Convergence</a:t>
+              <a:t>What is Univariate Analysis?</a:t>
             </a:r>
           </a:p>
         </p:txBody>
@@ -7218,7 +8198,7 @@
           <p:cNvPr id="3" name="Content Placeholder 2">
             <a:extLst>
               <a:ext uri="{FF2B5EF4-FFF2-40B4-BE49-F238E27FC236}">
-                <a16:creationId xmlns:a16="http://schemas.microsoft.com/office/drawing/2014/main" id="{45FA3A91-27D9-6D88-3751-6BEF52158755}"/>
+                <a16:creationId xmlns:a16="http://schemas.microsoft.com/office/drawing/2014/main" id="{B41ABA3A-EBA6-12AB-23F5-67F0F8C38AE8}"/>
               </a:ext>
             </a:extLst>
           </p:cNvPr>
@@ -7231,18 +8211,38 @@
         </p:nvSpPr>
         <p:spPr/>
         <p:txBody>
-          <a:bodyPr/>
-          <a:lstStyle/>
-          <a:p>
-            <a:r>
-              <a:rPr lang="en-US" dirty="0"/>
-              <a:t>The process of forward propagation, error calculation, backpropagation, and parameter update is repeated for many iterations over the training data. </a:t>
-            </a:r>
-          </a:p>
-          <a:p>
-            <a:r>
-              <a:rPr lang="en-US" dirty="0"/>
-              <a:t>Gradually, the network learns to reduce the error, and the weights and biases converge to values that make the network capable of making accurate predictions or approximations.</a:t>
+          <a:bodyPr>
+            <a:normAutofit lnSpcReduction="10000"/>
+          </a:bodyPr>
+          <a:lstStyle/>
+          <a:p>
+            <a:r>
+              <a:rPr lang="en-US" dirty="0"/>
+              <a:t>The main purpose of univariate analysis is to describe the data and find patterns that exist within it.</a:t>
+            </a:r>
+          </a:p>
+          <a:p>
+            <a:r>
+              <a:rPr lang="en-US" dirty="0"/>
+              <a:t>it doesn’t deal with causes or relationships</a:t>
+            </a:r>
+          </a:p>
+          <a:p>
+            <a:r>
+              <a:rPr lang="en-US" dirty="0"/>
+              <a:t>Stem-and-leaf plots, which show all data values and the shape of the distribution.</a:t>
+            </a:r>
+          </a:p>
+          <a:p>
+            <a:r>
+              <a:rPr lang="en-US" dirty="0"/>
+              <a:t>Histograms, a bar plot in which each bar represents the frequency (count) or proportion (count/total count) of cases for a range of values.</a:t>
+            </a:r>
+          </a:p>
+          <a:p>
+            <a:r>
+              <a:rPr lang="en-US" dirty="0"/>
+              <a:t>Box plots, which graphically depict the five-number summary of minimum, first quartile, median, third quartile, and maximum.</a:t>
             </a:r>
           </a:p>
           <a:p>
@@ -7253,7 +8253,7 @@
     </p:spTree>
     <p:extLst>
       <p:ext uri="{BB962C8B-B14F-4D97-AF65-F5344CB8AC3E}">
-        <p14:creationId xmlns:p14="http://schemas.microsoft.com/office/powerpoint/2010/main" val="1562885238"/>
+        <p14:creationId xmlns:p14="http://schemas.microsoft.com/office/powerpoint/2010/main" val="2527561728"/>
       </p:ext>
     </p:extLst>
   </p:cSld>
@@ -7263,7 +8263,7 @@
 </p:sld>
 </file>
 
-<file path=ppt/slides/slide42.xml><?xml version="1.0" encoding="utf-8"?>
+<file path=ppt/slides/slide50.xml><?xml version="1.0" encoding="utf-8"?>
 <p:sld xmlns:a="http://schemas.openxmlformats.org/drawingml/2006/main" xmlns:r="http://schemas.openxmlformats.org/officeDocument/2006/relationships" xmlns:p="http://schemas.openxmlformats.org/presentationml/2006/main">
   <p:cSld>
     <p:spTree>
@@ -7285,7 +8285,7 @@
           <p:cNvPr id="2" name="Title 1">
             <a:extLst>
               <a:ext uri="{FF2B5EF4-FFF2-40B4-BE49-F238E27FC236}">
-                <a16:creationId xmlns:a16="http://schemas.microsoft.com/office/drawing/2014/main" id="{FFA89C21-A00E-6221-45AF-B9B3C03E6B38}"/>
+                <a16:creationId xmlns:a16="http://schemas.microsoft.com/office/drawing/2014/main" id="{925D5D6A-7B68-442C-630F-29B8AA855CD8}"/>
               </a:ext>
             </a:extLst>
           </p:cNvPr>
@@ -7303,7 +8303,7 @@
           <a:p>
             <a:r>
               <a:rPr lang="en-US" dirty="0"/>
-              <a:t>Applications of MLP</a:t>
+              <a:t>Iteration and Convergence</a:t>
             </a:r>
           </a:p>
         </p:txBody>
@@ -7313,7 +8313,7 @@
           <p:cNvPr id="3" name="Content Placeholder 2">
             <a:extLst>
               <a:ext uri="{FF2B5EF4-FFF2-40B4-BE49-F238E27FC236}">
-                <a16:creationId xmlns:a16="http://schemas.microsoft.com/office/drawing/2014/main" id="{8D929602-80EE-B029-9838-E59A09DBACBE}"/>
+                <a16:creationId xmlns:a16="http://schemas.microsoft.com/office/drawing/2014/main" id="{45FA3A91-27D9-6D88-3751-6BEF52158755}"/>
               </a:ext>
             </a:extLst>
           </p:cNvPr>
@@ -7331,43 +8331,13 @@
           <a:p>
             <a:r>
               <a:rPr lang="en-US" dirty="0"/>
-              <a:t>Classification</a:t>
-            </a:r>
-          </a:p>
-          <a:p>
-            <a:r>
-              <a:rPr lang="en-US" dirty="0"/>
-              <a:t>Regression</a:t>
-            </a:r>
-          </a:p>
-          <a:p>
-            <a:r>
-              <a:rPr lang="en-US" dirty="0"/>
-              <a:t>NLP Tasks</a:t>
-            </a:r>
-          </a:p>
-          <a:p>
-            <a:r>
-              <a:rPr lang="en-US" dirty="0"/>
-              <a:t>Anomaly Detection</a:t>
-            </a:r>
-          </a:p>
-          <a:p>
-            <a:r>
-              <a:rPr lang="en-US" dirty="0"/>
-              <a:t>Speech Recognition</a:t>
-            </a:r>
-          </a:p>
-          <a:p>
-            <a:r>
-              <a:rPr lang="en-US" dirty="0"/>
-              <a:t>Computer Vision</a:t>
-            </a:r>
-          </a:p>
-          <a:p>
-            <a:r>
-              <a:rPr lang="en-US" dirty="0"/>
-              <a:t>Data Analytics</a:t>
+              <a:t>The process of forward propagation, error calculation, backpropagation, and parameter update is repeated for many iterations over the training data. </a:t>
+            </a:r>
+          </a:p>
+          <a:p>
+            <a:r>
+              <a:rPr lang="en-US" dirty="0"/>
+              <a:t>Gradually, the network learns to reduce the error, and the weights and biases converge to values that make the network capable of making accurate predictions or approximations.</a:t>
             </a:r>
           </a:p>
           <a:p>
@@ -7378,7 +8348,7 @@
     </p:spTree>
     <p:extLst>
       <p:ext uri="{BB962C8B-B14F-4D97-AF65-F5344CB8AC3E}">
-        <p14:creationId xmlns:p14="http://schemas.microsoft.com/office/powerpoint/2010/main" val="3188789771"/>
+        <p14:creationId xmlns:p14="http://schemas.microsoft.com/office/powerpoint/2010/main" val="1562885238"/>
       </p:ext>
     </p:extLst>
   </p:cSld>
@@ -7388,7 +8358,7 @@
 </p:sld>
 </file>
 
-<file path=ppt/slides/slide43.xml><?xml version="1.0" encoding="utf-8"?>
+<file path=ppt/slides/slide51.xml><?xml version="1.0" encoding="utf-8"?>
 <p:sld xmlns:a="http://schemas.openxmlformats.org/drawingml/2006/main" xmlns:r="http://schemas.openxmlformats.org/officeDocument/2006/relationships" xmlns:p="http://schemas.openxmlformats.org/presentationml/2006/main">
   <p:cSld>
     <p:spTree>
@@ -7410,6 +8380,131 @@
           <p:cNvPr id="2" name="Title 1">
             <a:extLst>
               <a:ext uri="{FF2B5EF4-FFF2-40B4-BE49-F238E27FC236}">
+                <a16:creationId xmlns:a16="http://schemas.microsoft.com/office/drawing/2014/main" id="{FFA89C21-A00E-6221-45AF-B9B3C03E6B38}"/>
+              </a:ext>
+            </a:extLst>
+          </p:cNvPr>
+          <p:cNvSpPr>
+            <a:spLocks noGrp="1"/>
+          </p:cNvSpPr>
+          <p:nvPr>
+            <p:ph type="title"/>
+          </p:nvPr>
+        </p:nvSpPr>
+        <p:spPr/>
+        <p:txBody>
+          <a:bodyPr/>
+          <a:lstStyle/>
+          <a:p>
+            <a:r>
+              <a:rPr lang="en-US" dirty="0"/>
+              <a:t>Applications of MLP</a:t>
+            </a:r>
+          </a:p>
+        </p:txBody>
+      </p:sp>
+      <p:sp>
+        <p:nvSpPr>
+          <p:cNvPr id="3" name="Content Placeholder 2">
+            <a:extLst>
+              <a:ext uri="{FF2B5EF4-FFF2-40B4-BE49-F238E27FC236}">
+                <a16:creationId xmlns:a16="http://schemas.microsoft.com/office/drawing/2014/main" id="{8D929602-80EE-B029-9838-E59A09DBACBE}"/>
+              </a:ext>
+            </a:extLst>
+          </p:cNvPr>
+          <p:cNvSpPr>
+            <a:spLocks noGrp="1"/>
+          </p:cNvSpPr>
+          <p:nvPr>
+            <p:ph idx="1"/>
+          </p:nvPr>
+        </p:nvSpPr>
+        <p:spPr/>
+        <p:txBody>
+          <a:bodyPr/>
+          <a:lstStyle/>
+          <a:p>
+            <a:r>
+              <a:rPr lang="en-US" dirty="0"/>
+              <a:t>Classification</a:t>
+            </a:r>
+          </a:p>
+          <a:p>
+            <a:r>
+              <a:rPr lang="en-US" dirty="0"/>
+              <a:t>Regression</a:t>
+            </a:r>
+          </a:p>
+          <a:p>
+            <a:r>
+              <a:rPr lang="en-US" dirty="0"/>
+              <a:t>NLP Tasks</a:t>
+            </a:r>
+          </a:p>
+          <a:p>
+            <a:r>
+              <a:rPr lang="en-US" dirty="0"/>
+              <a:t>Anomaly Detection</a:t>
+            </a:r>
+          </a:p>
+          <a:p>
+            <a:r>
+              <a:rPr lang="en-US" dirty="0"/>
+              <a:t>Speech Recognition</a:t>
+            </a:r>
+          </a:p>
+          <a:p>
+            <a:r>
+              <a:rPr lang="en-US" dirty="0"/>
+              <a:t>Computer Vision</a:t>
+            </a:r>
+          </a:p>
+          <a:p>
+            <a:r>
+              <a:rPr lang="en-US" dirty="0"/>
+              <a:t>Data Analytics</a:t>
+            </a:r>
+          </a:p>
+          <a:p>
+            <a:endParaRPr lang="en-US" dirty="0"/>
+          </a:p>
+        </p:txBody>
+      </p:sp>
+    </p:spTree>
+    <p:extLst>
+      <p:ext uri="{BB962C8B-B14F-4D97-AF65-F5344CB8AC3E}">
+        <p14:creationId xmlns:p14="http://schemas.microsoft.com/office/powerpoint/2010/main" val="3188789771"/>
+      </p:ext>
+    </p:extLst>
+  </p:cSld>
+  <p:clrMapOvr>
+    <a:masterClrMapping/>
+  </p:clrMapOvr>
+</p:sld>
+</file>
+
+<file path=ppt/slides/slide52.xml><?xml version="1.0" encoding="utf-8"?>
+<p:sld xmlns:a="http://schemas.openxmlformats.org/drawingml/2006/main" xmlns:r="http://schemas.openxmlformats.org/officeDocument/2006/relationships" xmlns:p="http://schemas.openxmlformats.org/presentationml/2006/main">
+  <p:cSld>
+    <p:spTree>
+      <p:nvGrpSpPr>
+        <p:cNvPr id="1" name=""/>
+        <p:cNvGrpSpPr/>
+        <p:nvPr/>
+      </p:nvGrpSpPr>
+      <p:grpSpPr>
+        <a:xfrm>
+          <a:off x="0" y="0"/>
+          <a:ext cx="0" cy="0"/>
+          <a:chOff x="0" y="0"/>
+          <a:chExt cx="0" cy="0"/>
+        </a:xfrm>
+      </p:grpSpPr>
+      <p:sp>
+        <p:nvSpPr>
+          <p:cNvPr id="2" name="Title 1">
+            <a:extLst>
+              <a:ext uri="{FF2B5EF4-FFF2-40B4-BE49-F238E27FC236}">
                 <a16:creationId xmlns:a16="http://schemas.microsoft.com/office/drawing/2014/main" id="{0520AA85-DBDE-1C6C-335F-444D0942093A}"/>
               </a:ext>
             </a:extLst>
@@ -7474,7 +8569,7 @@
 </p:sld>
 </file>
 
-<file path=ppt/slides/slide44.xml><?xml version="1.0" encoding="utf-8"?>
+<file path=ppt/slides/slide53.xml><?xml version="1.0" encoding="utf-8"?>
 <p:sld xmlns:a="http://schemas.openxmlformats.org/drawingml/2006/main" xmlns:r="http://schemas.openxmlformats.org/officeDocument/2006/relationships" xmlns:p="http://schemas.openxmlformats.org/presentationml/2006/main">
   <p:cSld>
     <p:spTree>
@@ -7593,7 +8688,7 @@
 </p:sld>
 </file>
 
-<file path=ppt/slides/slide45.xml><?xml version="1.0" encoding="utf-8"?>
+<file path=ppt/slides/slide54.xml><?xml version="1.0" encoding="utf-8"?>
 <p:sld xmlns:a="http://schemas.openxmlformats.org/drawingml/2006/main" xmlns:r="http://schemas.openxmlformats.org/officeDocument/2006/relationships" xmlns:p="http://schemas.openxmlformats.org/presentationml/2006/main">
   <p:cSld>
     <p:spTree>
@@ -7714,7 +8809,7 @@
 </p:sld>
 </file>
 
-<file path=ppt/slides/slide46.xml><?xml version="1.0" encoding="utf-8"?>
+<file path=ppt/slides/slide55.xml><?xml version="1.0" encoding="utf-8"?>
 <p:sld xmlns:a="http://schemas.openxmlformats.org/drawingml/2006/main" xmlns:r="http://schemas.openxmlformats.org/officeDocument/2006/relationships" xmlns:p="http://schemas.openxmlformats.org/presentationml/2006/main">
   <p:cSld>
     <p:spTree>
@@ -7833,7 +8928,7 @@
 </p:sld>
 </file>
 
-<file path=ppt/slides/slide47.xml><?xml version="1.0" encoding="utf-8"?>
+<file path=ppt/slides/slide56.xml><?xml version="1.0" encoding="utf-8"?>
 <p:sld xmlns:a="http://schemas.openxmlformats.org/drawingml/2006/main" xmlns:r="http://schemas.openxmlformats.org/officeDocument/2006/relationships" xmlns:p="http://schemas.openxmlformats.org/presentationml/2006/main">
   <p:cSld>
     <p:spTree>
@@ -7934,7 +9029,7 @@
 </p:sld>
 </file>
 
-<file path=ppt/slides/slide48.xml><?xml version="1.0" encoding="utf-8"?>
+<file path=ppt/slides/slide57.xml><?xml version="1.0" encoding="utf-8"?>
 <p:sld xmlns:a="http://schemas.openxmlformats.org/drawingml/2006/main" xmlns:r="http://schemas.openxmlformats.org/officeDocument/2006/relationships" xmlns:p="http://schemas.openxmlformats.org/presentationml/2006/main">
   <p:cSld>
     <p:spTree>
@@ -8035,7 +9130,7 @@
 </p:sld>
 </file>
 
-<file path=ppt/slides/slide49.xml><?xml version="1.0" encoding="utf-8"?>
+<file path=ppt/slides/slide58.xml><?xml version="1.0" encoding="utf-8"?>
 <p:sld xmlns:a="http://schemas.openxmlformats.org/drawingml/2006/main" xmlns:r="http://schemas.openxmlformats.org/officeDocument/2006/relationships" xmlns:p="http://schemas.openxmlformats.org/presentationml/2006/main">
   <p:cSld>
     <p:spTree>
@@ -8136,7 +9231,7 @@
 </p:sld>
 </file>
 
-<file path=ppt/slides/slide5.xml><?xml version="1.0" encoding="utf-8"?>
+<file path=ppt/slides/slide59.xml><?xml version="1.0" encoding="utf-8"?>
 <p:sld xmlns:a="http://schemas.openxmlformats.org/drawingml/2006/main" xmlns:r="http://schemas.openxmlformats.org/officeDocument/2006/relationships" xmlns:p="http://schemas.openxmlformats.org/presentationml/2006/main">
   <p:cSld>
     <p:spTree>
@@ -8158,7 +9253,7 @@
           <p:cNvPr id="2" name="Title 1">
             <a:extLst>
               <a:ext uri="{FF2B5EF4-FFF2-40B4-BE49-F238E27FC236}">
-                <a16:creationId xmlns:a16="http://schemas.microsoft.com/office/drawing/2014/main" id="{FBC87965-F0B3-3C5C-4DB0-199AF603289C}"/>
+                <a16:creationId xmlns:a16="http://schemas.microsoft.com/office/drawing/2014/main" id="{CCE8A6D8-29CA-8A9A-232D-BC1149CA6B65}"/>
               </a:ext>
             </a:extLst>
           </p:cNvPr>
@@ -8176,7 +9271,7 @@
           <a:p>
             <a:r>
               <a:rPr lang="en-US" dirty="0"/>
-              <a:t>What is Univariate Analysis?</a:t>
+              <a:t>Outliers Identification using Statistical Methods</a:t>
             </a:r>
           </a:p>
         </p:txBody>
@@ -8186,7 +9281,7 @@
           <p:cNvPr id="3" name="Content Placeholder 2">
             <a:extLst>
               <a:ext uri="{FF2B5EF4-FFF2-40B4-BE49-F238E27FC236}">
-                <a16:creationId xmlns:a16="http://schemas.microsoft.com/office/drawing/2014/main" id="{B41ABA3A-EBA6-12AB-23F5-67F0F8C38AE8}"/>
+                <a16:creationId xmlns:a16="http://schemas.microsoft.com/office/drawing/2014/main" id="{A84C5435-B335-4021-52D9-B91545B7AFE9}"/>
               </a:ext>
             </a:extLst>
           </p:cNvPr>
@@ -8199,38 +9294,12 @@
         </p:nvSpPr>
         <p:spPr/>
         <p:txBody>
-          <a:bodyPr>
-            <a:normAutofit lnSpcReduction="10000"/>
-          </a:bodyPr>
-          <a:lstStyle/>
-          <a:p>
-            <a:r>
-              <a:rPr lang="en-US" dirty="0"/>
-              <a:t>The main purpose of univariate analysis is to describe the data and find patterns that exist within it.</a:t>
-            </a:r>
-          </a:p>
-          <a:p>
-            <a:r>
-              <a:rPr lang="en-US" dirty="0"/>
-              <a:t>it doesn’t deal with causes or relationships</a:t>
-            </a:r>
-          </a:p>
-          <a:p>
-            <a:r>
-              <a:rPr lang="en-US" dirty="0"/>
-              <a:t>Stem-and-leaf plots, which show all data values and the shape of the distribution.</a:t>
-            </a:r>
-          </a:p>
-          <a:p>
-            <a:r>
-              <a:rPr lang="en-US" dirty="0"/>
-              <a:t>Histograms, a bar plot in which each bar represents the frequency (count) or proportion (count/total count) of cases for a range of values.</a:t>
-            </a:r>
-          </a:p>
-          <a:p>
-            <a:r>
-              <a:rPr lang="en-US" dirty="0"/>
-              <a:t>Box plots, which graphically depict the five-number summary of minimum, first quartile, median, third quartile, and maximum.</a:t>
+          <a:bodyPr/>
+          <a:lstStyle/>
+          <a:p>
+            <a:r>
+              <a:rPr lang="en-US" dirty="0"/>
+              <a:t>Statistical methods identify outliers by measuring how far data points deviate from the overall distribution using mathematical thresholds.</a:t>
             </a:r>
           </a:p>
           <a:p>
@@ -8241,7 +9310,7 @@
     </p:spTree>
     <p:extLst>
       <p:ext uri="{BB962C8B-B14F-4D97-AF65-F5344CB8AC3E}">
-        <p14:creationId xmlns:p14="http://schemas.microsoft.com/office/powerpoint/2010/main" val="2527561728"/>
+        <p14:creationId xmlns:p14="http://schemas.microsoft.com/office/powerpoint/2010/main" val="1795422138"/>
       </p:ext>
     </p:extLst>
   </p:cSld>
@@ -8251,7 +9320,7 @@
 </p:sld>
 </file>
 
-<file path=ppt/slides/slide50.xml><?xml version="1.0" encoding="utf-8"?>
+<file path=ppt/slides/slide6.xml><?xml version="1.0" encoding="utf-8"?>
 <p:sld xmlns:a="http://schemas.openxmlformats.org/drawingml/2006/main" xmlns:r="http://schemas.openxmlformats.org/officeDocument/2006/relationships" xmlns:p="http://schemas.openxmlformats.org/presentationml/2006/main">
   <p:cSld>
     <p:spTree>
@@ -8273,7 +9342,7 @@
           <p:cNvPr id="2" name="Title 1">
             <a:extLst>
               <a:ext uri="{FF2B5EF4-FFF2-40B4-BE49-F238E27FC236}">
-                <a16:creationId xmlns:a16="http://schemas.microsoft.com/office/drawing/2014/main" id="{CCE8A6D8-29CA-8A9A-232D-BC1149CA6B65}"/>
+                <a16:creationId xmlns:a16="http://schemas.microsoft.com/office/drawing/2014/main" id="{A0675A2C-BCB1-F297-357F-27B138F73D42}"/>
               </a:ext>
             </a:extLst>
           </p:cNvPr>
@@ -8291,7 +9360,7 @@
           <a:p>
             <a:r>
               <a:rPr lang="en-US" dirty="0"/>
-              <a:t>Outliers Identification using Statistical Methods</a:t>
+              <a:t>Univariate Data Analysis</a:t>
             </a:r>
           </a:p>
         </p:txBody>
@@ -8301,7 +9370,7 @@
           <p:cNvPr id="3" name="Content Placeholder 2">
             <a:extLst>
               <a:ext uri="{FF2B5EF4-FFF2-40B4-BE49-F238E27FC236}">
-                <a16:creationId xmlns:a16="http://schemas.microsoft.com/office/drawing/2014/main" id="{A84C5435-B335-4021-52D9-B91545B7AFE9}"/>
+                <a16:creationId xmlns:a16="http://schemas.microsoft.com/office/drawing/2014/main" id="{23C987D4-7AA9-06EA-A613-F7DC5767BF36}"/>
               </a:ext>
             </a:extLst>
           </p:cNvPr>
@@ -8319,7 +9388,25 @@
           <a:p>
             <a:r>
               <a:rPr lang="en-US" dirty="0"/>
-              <a:t>Statistical methods identify outliers by measuring how far data points deviate from the overall distribution using mathematical thresholds.</a:t>
+              <a:t>Univariate analysis focuses on studying one variable to understand its characteristics</a:t>
+            </a:r>
+          </a:p>
+          <a:p>
+            <a:r>
+              <a:rPr lang="en-US" dirty="0"/>
+              <a:t>It helps to describe data and find patterns within a single feature.</a:t>
+            </a:r>
+          </a:p>
+          <a:p>
+            <a:r>
+              <a:rPr lang="en-US" dirty="0"/>
+              <a:t> Various common methods like histograms are used to show data distribution, box plots to detect outliers and understand data spread and bar charts for categorical data.</a:t>
+            </a:r>
+          </a:p>
+          <a:p>
+            <a:r>
+              <a:rPr lang="en-US" dirty="0"/>
+              <a:t>Summary statistics like mean, median, mode, variance and standard deviation helps in describing the central tendency and spread of the data</a:t>
             </a:r>
           </a:p>
           <a:p>
@@ -8330,7 +9417,7 @@
     </p:spTree>
     <p:extLst>
       <p:ext uri="{BB962C8B-B14F-4D97-AF65-F5344CB8AC3E}">
-        <p14:creationId xmlns:p14="http://schemas.microsoft.com/office/powerpoint/2010/main" val="1795422138"/>
+        <p14:creationId xmlns:p14="http://schemas.microsoft.com/office/powerpoint/2010/main" val="1005573812"/>
       </p:ext>
     </p:extLst>
   </p:cSld>
@@ -8340,7 +9427,7 @@
 </p:sld>
 </file>
 
-<file path=ppt/slides/slide51.xml><?xml version="1.0" encoding="utf-8"?>
+<file path=ppt/slides/slide60.xml><?xml version="1.0" encoding="utf-8"?>
 <p:sld xmlns:a="http://schemas.openxmlformats.org/drawingml/2006/main" xmlns:r="http://schemas.openxmlformats.org/officeDocument/2006/relationships" xmlns:p="http://schemas.openxmlformats.org/presentationml/2006/main">
   <p:cSld>
     <p:spTree>
@@ -8457,7 +9544,7 @@
 </p:sld>
 </file>
 
-<file path=ppt/slides/slide52.xml><?xml version="1.0" encoding="utf-8"?>
+<file path=ppt/slides/slide61.xml><?xml version="1.0" encoding="utf-8"?>
 <p:sld xmlns:a="http://schemas.openxmlformats.org/drawingml/2006/main" xmlns:r="http://schemas.openxmlformats.org/officeDocument/2006/relationships" xmlns:p="http://schemas.openxmlformats.org/presentationml/2006/main">
   <p:cSld>
     <p:spTree>
@@ -8613,7 +9700,7 @@
 </p:sld>
 </file>
 
-<file path=ppt/slides/slide53.xml><?xml version="1.0" encoding="utf-8"?>
+<file path=ppt/slides/slide62.xml><?xml version="1.0" encoding="utf-8"?>
 <p:sld xmlns:a="http://schemas.openxmlformats.org/drawingml/2006/main" xmlns:r="http://schemas.openxmlformats.org/officeDocument/2006/relationships" xmlns:p="http://schemas.openxmlformats.org/presentationml/2006/main">
   <p:cSld>
     <p:spTree>
@@ -8761,7 +9848,7 @@
 </p:sld>
 </file>
 
-<file path=ppt/slides/slide54.xml><?xml version="1.0" encoding="utf-8"?>
+<file path=ppt/slides/slide63.xml><?xml version="1.0" encoding="utf-8"?>
 <p:sld xmlns:a="http://schemas.openxmlformats.org/drawingml/2006/main" xmlns:r="http://schemas.openxmlformats.org/officeDocument/2006/relationships" xmlns:p="http://schemas.openxmlformats.org/presentationml/2006/main">
   <p:cSld>
     <p:spTree>
@@ -8892,7 +9979,7 @@
 </p:sld>
 </file>
 
-<file path=ppt/slides/slide55.xml><?xml version="1.0" encoding="utf-8"?>
+<file path=ppt/slides/slide64.xml><?xml version="1.0" encoding="utf-8"?>
 <p:sld xmlns:a="http://schemas.openxmlformats.org/drawingml/2006/main" xmlns:r="http://schemas.openxmlformats.org/officeDocument/2006/relationships" xmlns:p="http://schemas.openxmlformats.org/presentationml/2006/main">
   <p:cSld>
     <p:spTree>
@@ -9023,7 +10110,7 @@
 </p:sld>
 </file>
 
-<file path=ppt/slides/slide56.xml><?xml version="1.0" encoding="utf-8"?>
+<file path=ppt/slides/slide65.xml><?xml version="1.0" encoding="utf-8"?>
 <p:sld xmlns:a="http://schemas.openxmlformats.org/drawingml/2006/main" xmlns:r="http://schemas.openxmlformats.org/officeDocument/2006/relationships" xmlns:p="http://schemas.openxmlformats.org/presentationml/2006/main">
   <p:cSld>
     <p:spTree>
@@ -9160,7 +10247,7 @@
 </p:sld>
 </file>
 
-<file path=ppt/slides/slide57.xml><?xml version="1.0" encoding="utf-8"?>
+<file path=ppt/slides/slide66.xml><?xml version="1.0" encoding="utf-8"?>
 <p:sld xmlns:a="http://schemas.openxmlformats.org/drawingml/2006/main" xmlns:r="http://schemas.openxmlformats.org/officeDocument/2006/relationships" xmlns:p="http://schemas.openxmlformats.org/presentationml/2006/main">
   <p:cSld>
     <p:spTree>
@@ -9279,7 +10366,7 @@
 </p:sld>
 </file>
 
-<file path=ppt/slides/slide58.xml><?xml version="1.0" encoding="utf-8"?>
+<file path=ppt/slides/slide67.xml><?xml version="1.0" encoding="utf-8"?>
 <p:sld xmlns:a="http://schemas.openxmlformats.org/drawingml/2006/main" xmlns:r="http://schemas.openxmlformats.org/officeDocument/2006/relationships" xmlns:p="http://schemas.openxmlformats.org/presentationml/2006/main">
   <p:cSld>
     <p:spTree>
@@ -9386,7 +10473,7 @@
 </p:sld>
 </file>
 
-<file path=ppt/slides/slide59.xml><?xml version="1.0" encoding="utf-8"?>
+<file path=ppt/slides/slide68.xml><?xml version="1.0" encoding="utf-8"?>
 <p:sld xmlns:a="http://schemas.openxmlformats.org/drawingml/2006/main" xmlns:r="http://schemas.openxmlformats.org/officeDocument/2006/relationships" xmlns:p="http://schemas.openxmlformats.org/presentationml/2006/main">
   <p:cSld>
     <p:spTree>
@@ -9469,7 +10556,7 @@
 </p:sld>
 </file>
 
-<file path=ppt/slides/slide6.xml><?xml version="1.0" encoding="utf-8"?>
+<file path=ppt/slides/slide69.xml><?xml version="1.0" encoding="utf-8"?>
 <p:sld xmlns:a="http://schemas.openxmlformats.org/drawingml/2006/main" xmlns:r="http://schemas.openxmlformats.org/officeDocument/2006/relationships" xmlns:p="http://schemas.openxmlformats.org/presentationml/2006/main">
   <p:cSld>
     <p:spTree>
@@ -9491,113 +10578,6 @@
           <p:cNvPr id="2" name="Title 1">
             <a:extLst>
               <a:ext uri="{FF2B5EF4-FFF2-40B4-BE49-F238E27FC236}">
-                <a16:creationId xmlns:a16="http://schemas.microsoft.com/office/drawing/2014/main" id="{A0675A2C-BCB1-F297-357F-27B138F73D42}"/>
-              </a:ext>
-            </a:extLst>
-          </p:cNvPr>
-          <p:cNvSpPr>
-            <a:spLocks noGrp="1"/>
-          </p:cNvSpPr>
-          <p:nvPr>
-            <p:ph type="title"/>
-          </p:nvPr>
-        </p:nvSpPr>
-        <p:spPr/>
-        <p:txBody>
-          <a:bodyPr/>
-          <a:lstStyle/>
-          <a:p>
-            <a:r>
-              <a:rPr lang="en-US" dirty="0"/>
-              <a:t>Univariate Data Analysis</a:t>
-            </a:r>
-          </a:p>
-        </p:txBody>
-      </p:sp>
-      <p:sp>
-        <p:nvSpPr>
-          <p:cNvPr id="3" name="Content Placeholder 2">
-            <a:extLst>
-              <a:ext uri="{FF2B5EF4-FFF2-40B4-BE49-F238E27FC236}">
-                <a16:creationId xmlns:a16="http://schemas.microsoft.com/office/drawing/2014/main" id="{23C987D4-7AA9-06EA-A613-F7DC5767BF36}"/>
-              </a:ext>
-            </a:extLst>
-          </p:cNvPr>
-          <p:cNvSpPr>
-            <a:spLocks noGrp="1"/>
-          </p:cNvSpPr>
-          <p:nvPr>
-            <p:ph idx="1"/>
-          </p:nvPr>
-        </p:nvSpPr>
-        <p:spPr/>
-        <p:txBody>
-          <a:bodyPr/>
-          <a:lstStyle/>
-          <a:p>
-            <a:r>
-              <a:rPr lang="en-US" dirty="0"/>
-              <a:t>Univariate analysis focuses on studying one variable to understand its characteristics</a:t>
-            </a:r>
-          </a:p>
-          <a:p>
-            <a:r>
-              <a:rPr lang="en-US" dirty="0"/>
-              <a:t>It helps to describe data and find patterns within a single feature.</a:t>
-            </a:r>
-          </a:p>
-          <a:p>
-            <a:r>
-              <a:rPr lang="en-US" dirty="0"/>
-              <a:t> Various common methods like histograms are used to show data distribution, box plots to detect outliers and understand data spread and bar charts for categorical data.</a:t>
-            </a:r>
-          </a:p>
-          <a:p>
-            <a:r>
-              <a:rPr lang="en-US" dirty="0"/>
-              <a:t>Summary statistics like mean, median, mode, variance and standard deviation helps in describing the central tendency and spread of the data</a:t>
-            </a:r>
-          </a:p>
-          <a:p>
-            <a:endParaRPr lang="en-US" dirty="0"/>
-          </a:p>
-        </p:txBody>
-      </p:sp>
-    </p:spTree>
-    <p:extLst>
-      <p:ext uri="{BB962C8B-B14F-4D97-AF65-F5344CB8AC3E}">
-        <p14:creationId xmlns:p14="http://schemas.microsoft.com/office/powerpoint/2010/main" val="1005573812"/>
-      </p:ext>
-    </p:extLst>
-  </p:cSld>
-  <p:clrMapOvr>
-    <a:masterClrMapping/>
-  </p:clrMapOvr>
-</p:sld>
-</file>
-
-<file path=ppt/slides/slide60.xml><?xml version="1.0" encoding="utf-8"?>
-<p:sld xmlns:a="http://schemas.openxmlformats.org/drawingml/2006/main" xmlns:r="http://schemas.openxmlformats.org/officeDocument/2006/relationships" xmlns:p="http://schemas.openxmlformats.org/presentationml/2006/main">
-  <p:cSld>
-    <p:spTree>
-      <p:nvGrpSpPr>
-        <p:cNvPr id="1" name=""/>
-        <p:cNvGrpSpPr/>
-        <p:nvPr/>
-      </p:nvGrpSpPr>
-      <p:grpSpPr>
-        <a:xfrm>
-          <a:off x="0" y="0"/>
-          <a:ext cx="0" cy="0"/>
-          <a:chOff x="0" y="0"/>
-          <a:chExt cx="0" cy="0"/>
-        </a:xfrm>
-      </p:grpSpPr>
-      <p:sp>
-        <p:nvSpPr>
-          <p:cNvPr id="2" name="Title 1">
-            <a:extLst>
-              <a:ext uri="{FF2B5EF4-FFF2-40B4-BE49-F238E27FC236}">
                 <a16:creationId xmlns:a16="http://schemas.microsoft.com/office/drawing/2014/main" id="{18D2678E-2664-81CC-855D-65BAB8C4AE1C}"/>
               </a:ext>
             </a:extLst>
@@ -9668,107 +10648,6 @@
     <p:extLst>
       <p:ext uri="{BB962C8B-B14F-4D97-AF65-F5344CB8AC3E}">
         <p14:creationId xmlns:p14="http://schemas.microsoft.com/office/powerpoint/2010/main" val="4151306878"/>
-      </p:ext>
-    </p:extLst>
-  </p:cSld>
-  <p:clrMapOvr>
-    <a:masterClrMapping/>
-  </p:clrMapOvr>
-</p:sld>
-</file>
-
-<file path=ppt/slides/slide61.xml><?xml version="1.0" encoding="utf-8"?>
-<p:sld xmlns:a="http://schemas.openxmlformats.org/drawingml/2006/main" xmlns:r="http://schemas.openxmlformats.org/officeDocument/2006/relationships" xmlns:p="http://schemas.openxmlformats.org/presentationml/2006/main">
-  <p:cSld>
-    <p:spTree>
-      <p:nvGrpSpPr>
-        <p:cNvPr id="1" name=""/>
-        <p:cNvGrpSpPr/>
-        <p:nvPr/>
-      </p:nvGrpSpPr>
-      <p:grpSpPr>
-        <a:xfrm>
-          <a:off x="0" y="0"/>
-          <a:ext cx="0" cy="0"/>
-          <a:chOff x="0" y="0"/>
-          <a:chExt cx="0" cy="0"/>
-        </a:xfrm>
-      </p:grpSpPr>
-      <p:sp>
-        <p:nvSpPr>
-          <p:cNvPr id="2" name="Title 1">
-            <a:extLst>
-              <a:ext uri="{FF2B5EF4-FFF2-40B4-BE49-F238E27FC236}">
-                <a16:creationId xmlns:a16="http://schemas.microsoft.com/office/drawing/2014/main" id="{20E0667A-6940-1CF1-8044-AE23277193DF}"/>
-              </a:ext>
-            </a:extLst>
-          </p:cNvPr>
-          <p:cNvSpPr>
-            <a:spLocks noGrp="1"/>
-          </p:cNvSpPr>
-          <p:nvPr>
-            <p:ph type="title"/>
-          </p:nvPr>
-        </p:nvSpPr>
-        <p:spPr/>
-        <p:txBody>
-          <a:bodyPr/>
-          <a:lstStyle/>
-          <a:p>
-            <a:r>
-              <a:rPr lang="en-US" dirty="0"/>
-              <a:t>When you should not drop outliers</a:t>
-            </a:r>
-          </a:p>
-        </p:txBody>
-      </p:sp>
-      <p:sp>
-        <p:nvSpPr>
-          <p:cNvPr id="3" name="Content Placeholder 2">
-            <a:extLst>
-              <a:ext uri="{FF2B5EF4-FFF2-40B4-BE49-F238E27FC236}">
-                <a16:creationId xmlns:a16="http://schemas.microsoft.com/office/drawing/2014/main" id="{B57564C5-078A-215B-1412-7B37EEC851CD}"/>
-              </a:ext>
-            </a:extLst>
-          </p:cNvPr>
-          <p:cNvSpPr>
-            <a:spLocks noGrp="1"/>
-          </p:cNvSpPr>
-          <p:nvPr>
-            <p:ph idx="1"/>
-          </p:nvPr>
-        </p:nvSpPr>
-        <p:spPr/>
-        <p:txBody>
-          <a:bodyPr/>
-          <a:lstStyle/>
-          <a:p>
-            <a:r>
-              <a:rPr lang="en-US" dirty="0"/>
-              <a:t>When results are critical or high-risk</a:t>
-            </a:r>
-          </a:p>
-          <a:p>
-            <a:r>
-              <a:rPr lang="en-US" dirty="0"/>
-              <a:t>When many outliers are present</a:t>
-            </a:r>
-          </a:p>
-          <a:p>
-            <a:r>
-              <a:rPr lang="en-US" dirty="0"/>
-              <a:t>When outliers represent real phenomena</a:t>
-            </a:r>
-          </a:p>
-          <a:p>
-            <a:endParaRPr lang="en-US" dirty="0"/>
-          </a:p>
-        </p:txBody>
-      </p:sp>
-    </p:spTree>
-    <p:extLst>
-      <p:ext uri="{BB962C8B-B14F-4D97-AF65-F5344CB8AC3E}">
-        <p14:creationId xmlns:p14="http://schemas.microsoft.com/office/powerpoint/2010/main" val="9427399"/>
       </p:ext>
     </p:extLst>
   </p:cSld>
@@ -9873,6 +10752,1082 @@
 </p:sld>
 </file>
 
+<file path=ppt/slides/slide70.xml><?xml version="1.0" encoding="utf-8"?>
+<p:sld xmlns:a="http://schemas.openxmlformats.org/drawingml/2006/main" xmlns:r="http://schemas.openxmlformats.org/officeDocument/2006/relationships" xmlns:p="http://schemas.openxmlformats.org/presentationml/2006/main">
+  <p:cSld>
+    <p:spTree>
+      <p:nvGrpSpPr>
+        <p:cNvPr id="1" name=""/>
+        <p:cNvGrpSpPr/>
+        <p:nvPr/>
+      </p:nvGrpSpPr>
+      <p:grpSpPr>
+        <a:xfrm>
+          <a:off x="0" y="0"/>
+          <a:ext cx="0" cy="0"/>
+          <a:chOff x="0" y="0"/>
+          <a:chExt cx="0" cy="0"/>
+        </a:xfrm>
+      </p:grpSpPr>
+      <p:sp>
+        <p:nvSpPr>
+          <p:cNvPr id="2" name="Title 1">
+            <a:extLst>
+              <a:ext uri="{FF2B5EF4-FFF2-40B4-BE49-F238E27FC236}">
+                <a16:creationId xmlns:a16="http://schemas.microsoft.com/office/drawing/2014/main" id="{20E0667A-6940-1CF1-8044-AE23277193DF}"/>
+              </a:ext>
+            </a:extLst>
+          </p:cNvPr>
+          <p:cNvSpPr>
+            <a:spLocks noGrp="1"/>
+          </p:cNvSpPr>
+          <p:nvPr>
+            <p:ph type="title"/>
+          </p:nvPr>
+        </p:nvSpPr>
+        <p:spPr/>
+        <p:txBody>
+          <a:bodyPr/>
+          <a:lstStyle/>
+          <a:p>
+            <a:r>
+              <a:rPr lang="en-US" dirty="0"/>
+              <a:t>When you should not drop outliers</a:t>
+            </a:r>
+          </a:p>
+        </p:txBody>
+      </p:sp>
+      <p:sp>
+        <p:nvSpPr>
+          <p:cNvPr id="3" name="Content Placeholder 2">
+            <a:extLst>
+              <a:ext uri="{FF2B5EF4-FFF2-40B4-BE49-F238E27FC236}">
+                <a16:creationId xmlns:a16="http://schemas.microsoft.com/office/drawing/2014/main" id="{B57564C5-078A-215B-1412-7B37EEC851CD}"/>
+              </a:ext>
+            </a:extLst>
+          </p:cNvPr>
+          <p:cNvSpPr>
+            <a:spLocks noGrp="1"/>
+          </p:cNvSpPr>
+          <p:nvPr>
+            <p:ph idx="1"/>
+          </p:nvPr>
+        </p:nvSpPr>
+        <p:spPr/>
+        <p:txBody>
+          <a:bodyPr/>
+          <a:lstStyle/>
+          <a:p>
+            <a:r>
+              <a:rPr lang="en-US" dirty="0"/>
+              <a:t>When results are critical or high-risk</a:t>
+            </a:r>
+          </a:p>
+          <a:p>
+            <a:r>
+              <a:rPr lang="en-US" dirty="0"/>
+              <a:t>When many outliers are present</a:t>
+            </a:r>
+          </a:p>
+          <a:p>
+            <a:r>
+              <a:rPr lang="en-US" dirty="0"/>
+              <a:t>When outliers represent real phenomena</a:t>
+            </a:r>
+          </a:p>
+          <a:p>
+            <a:endParaRPr lang="en-US" dirty="0"/>
+          </a:p>
+        </p:txBody>
+      </p:sp>
+    </p:spTree>
+    <p:extLst>
+      <p:ext uri="{BB962C8B-B14F-4D97-AF65-F5344CB8AC3E}">
+        <p14:creationId xmlns:p14="http://schemas.microsoft.com/office/powerpoint/2010/main" val="9427399"/>
+      </p:ext>
+    </p:extLst>
+  </p:cSld>
+  <p:clrMapOvr>
+    <a:masterClrMapping/>
+  </p:clrMapOvr>
+</p:sld>
+</file>
+
+<file path=ppt/slides/slide71.xml><?xml version="1.0" encoding="utf-8"?>
+<p:sld xmlns:a="http://schemas.openxmlformats.org/drawingml/2006/main" xmlns:r="http://schemas.openxmlformats.org/officeDocument/2006/relationships" xmlns:p="http://schemas.openxmlformats.org/presentationml/2006/main">
+  <p:cSld>
+    <p:spTree>
+      <p:nvGrpSpPr>
+        <p:cNvPr id="1" name=""/>
+        <p:cNvGrpSpPr/>
+        <p:nvPr/>
+      </p:nvGrpSpPr>
+      <p:grpSpPr>
+        <a:xfrm>
+          <a:off x="0" y="0"/>
+          <a:ext cx="0" cy="0"/>
+          <a:chOff x="0" y="0"/>
+          <a:chExt cx="0" cy="0"/>
+        </a:xfrm>
+      </p:grpSpPr>
+      <p:sp>
+        <p:nvSpPr>
+          <p:cNvPr id="2" name="Title 1">
+            <a:extLst>
+              <a:ext uri="{FF2B5EF4-FFF2-40B4-BE49-F238E27FC236}">
+                <a16:creationId xmlns:a16="http://schemas.microsoft.com/office/drawing/2014/main" id="{DD42647D-BE18-313A-4E15-EED56517EB8A}"/>
+              </a:ext>
+            </a:extLst>
+          </p:cNvPr>
+          <p:cNvSpPr>
+            <a:spLocks noGrp="1"/>
+          </p:cNvSpPr>
+          <p:nvPr>
+            <p:ph type="title"/>
+          </p:nvPr>
+        </p:nvSpPr>
+        <p:spPr/>
+        <p:txBody>
+          <a:bodyPr/>
+          <a:lstStyle/>
+          <a:p>
+            <a:r>
+              <a:rPr lang="en-US" dirty="0"/>
+              <a:t>What is Dimension Reduction?</a:t>
+            </a:r>
+          </a:p>
+        </p:txBody>
+      </p:sp>
+      <p:sp>
+        <p:nvSpPr>
+          <p:cNvPr id="3" name="Content Placeholder 2">
+            <a:extLst>
+              <a:ext uri="{FF2B5EF4-FFF2-40B4-BE49-F238E27FC236}">
+                <a16:creationId xmlns:a16="http://schemas.microsoft.com/office/drawing/2014/main" id="{B6D6206B-DAAB-D2A7-80EE-7E3F9B383089}"/>
+              </a:ext>
+            </a:extLst>
+          </p:cNvPr>
+          <p:cNvSpPr>
+            <a:spLocks noGrp="1"/>
+          </p:cNvSpPr>
+          <p:nvPr>
+            <p:ph idx="1"/>
+          </p:nvPr>
+        </p:nvSpPr>
+        <p:spPr/>
+        <p:txBody>
+          <a:bodyPr/>
+          <a:lstStyle/>
+          <a:p>
+            <a:r>
+              <a:rPr lang="en-US" dirty="0"/>
+              <a:t>Dimension Reduction in machine learning is the process of reducing the number of features (variables) in a dataset while preserving its most important information, transforming high-dimensional data into a lower-dimensional space to simplify models, improve performance, reduce noise, speed up computation, and enable better data visualization, tackling issues like the curse of dimensionality. </a:t>
+            </a:r>
+          </a:p>
+        </p:txBody>
+      </p:sp>
+    </p:spTree>
+    <p:extLst>
+      <p:ext uri="{BB962C8B-B14F-4D97-AF65-F5344CB8AC3E}">
+        <p14:creationId xmlns:p14="http://schemas.microsoft.com/office/powerpoint/2010/main" val="3777000625"/>
+      </p:ext>
+    </p:extLst>
+  </p:cSld>
+  <p:clrMapOvr>
+    <a:masterClrMapping/>
+  </p:clrMapOvr>
+</p:sld>
+</file>
+
+<file path=ppt/slides/slide72.xml><?xml version="1.0" encoding="utf-8"?>
+<p:sld xmlns:a="http://schemas.openxmlformats.org/drawingml/2006/main" xmlns:r="http://schemas.openxmlformats.org/officeDocument/2006/relationships" xmlns:p="http://schemas.openxmlformats.org/presentationml/2006/main">
+  <p:cSld>
+    <p:spTree>
+      <p:nvGrpSpPr>
+        <p:cNvPr id="1" name=""/>
+        <p:cNvGrpSpPr/>
+        <p:nvPr/>
+      </p:nvGrpSpPr>
+      <p:grpSpPr>
+        <a:xfrm>
+          <a:off x="0" y="0"/>
+          <a:ext cx="0" cy="0"/>
+          <a:chOff x="0" y="0"/>
+          <a:chExt cx="0" cy="0"/>
+        </a:xfrm>
+      </p:grpSpPr>
+      <p:sp>
+        <p:nvSpPr>
+          <p:cNvPr id="2" name="Title 1">
+            <a:extLst>
+              <a:ext uri="{FF2B5EF4-FFF2-40B4-BE49-F238E27FC236}">
+                <a16:creationId xmlns:a16="http://schemas.microsoft.com/office/drawing/2014/main" id="{DAB3BB90-A52E-F655-CF3B-F602A8258F0A}"/>
+              </a:ext>
+            </a:extLst>
+          </p:cNvPr>
+          <p:cNvSpPr>
+            <a:spLocks noGrp="1"/>
+          </p:cNvSpPr>
+          <p:nvPr>
+            <p:ph type="title"/>
+          </p:nvPr>
+        </p:nvSpPr>
+        <p:spPr/>
+        <p:txBody>
+          <a:bodyPr/>
+          <a:lstStyle/>
+          <a:p>
+            <a:r>
+              <a:rPr lang="en-US" dirty="0"/>
+              <a:t>Dimensionality Reduction</a:t>
+            </a:r>
+          </a:p>
+        </p:txBody>
+      </p:sp>
+      <p:pic>
+        <p:nvPicPr>
+          <p:cNvPr id="4" name="Content Placeholder 3">
+            <a:extLst>
+              <a:ext uri="{FF2B5EF4-FFF2-40B4-BE49-F238E27FC236}">
+                <a16:creationId xmlns:a16="http://schemas.microsoft.com/office/drawing/2014/main" id="{2CC16504-E682-A08F-9830-A4A74CA49FAC}"/>
+              </a:ext>
+            </a:extLst>
+          </p:cNvPr>
+          <p:cNvPicPr>
+            <a:picLocks noGrp="1" noChangeAspect="1"/>
+          </p:cNvPicPr>
+          <p:nvPr>
+            <p:ph idx="1"/>
+          </p:nvPr>
+        </p:nvPicPr>
+        <p:blipFill>
+          <a:blip r:embed="rId2"/>
+          <a:stretch>
+            <a:fillRect/>
+          </a:stretch>
+        </p:blipFill>
+        <p:spPr>
+          <a:xfrm>
+            <a:off x="1480550" y="1690689"/>
+            <a:ext cx="9230900" cy="4621210"/>
+          </a:xfrm>
+          <a:prstGeom prst="rect">
+            <a:avLst/>
+          </a:prstGeom>
+        </p:spPr>
+      </p:pic>
+    </p:spTree>
+    <p:extLst>
+      <p:ext uri="{BB962C8B-B14F-4D97-AF65-F5344CB8AC3E}">
+        <p14:creationId xmlns:p14="http://schemas.microsoft.com/office/powerpoint/2010/main" val="1642312033"/>
+      </p:ext>
+    </p:extLst>
+  </p:cSld>
+  <p:clrMapOvr>
+    <a:masterClrMapping/>
+  </p:clrMapOvr>
+</p:sld>
+</file>
+
+<file path=ppt/slides/slide73.xml><?xml version="1.0" encoding="utf-8"?>
+<p:sld xmlns:a="http://schemas.openxmlformats.org/drawingml/2006/main" xmlns:r="http://schemas.openxmlformats.org/officeDocument/2006/relationships" xmlns:p="http://schemas.openxmlformats.org/presentationml/2006/main">
+  <p:cSld>
+    <p:spTree>
+      <p:nvGrpSpPr>
+        <p:cNvPr id="1" name=""/>
+        <p:cNvGrpSpPr/>
+        <p:nvPr/>
+      </p:nvGrpSpPr>
+      <p:grpSpPr>
+        <a:xfrm>
+          <a:off x="0" y="0"/>
+          <a:ext cx="0" cy="0"/>
+          <a:chOff x="0" y="0"/>
+          <a:chExt cx="0" cy="0"/>
+        </a:xfrm>
+      </p:grpSpPr>
+      <p:sp>
+        <p:nvSpPr>
+          <p:cNvPr id="2" name="Title 1">
+            <a:extLst>
+              <a:ext uri="{FF2B5EF4-FFF2-40B4-BE49-F238E27FC236}">
+                <a16:creationId xmlns:a16="http://schemas.microsoft.com/office/drawing/2014/main" id="{C297BE25-37AF-B4CC-DF20-FD9775318EB2}"/>
+              </a:ext>
+            </a:extLst>
+          </p:cNvPr>
+          <p:cNvSpPr>
+            <a:spLocks noGrp="1"/>
+          </p:cNvSpPr>
+          <p:nvPr>
+            <p:ph type="title"/>
+          </p:nvPr>
+        </p:nvSpPr>
+        <p:spPr/>
+        <p:txBody>
+          <a:bodyPr/>
+          <a:lstStyle/>
+          <a:p>
+            <a:r>
+              <a:rPr lang="en-US" dirty="0"/>
+              <a:t>Key Goals and Benefits of Dimensionality Reduction</a:t>
+            </a:r>
+          </a:p>
+        </p:txBody>
+      </p:sp>
+      <p:sp>
+        <p:nvSpPr>
+          <p:cNvPr id="3" name="Content Placeholder 2">
+            <a:extLst>
+              <a:ext uri="{FF2B5EF4-FFF2-40B4-BE49-F238E27FC236}">
+                <a16:creationId xmlns:a16="http://schemas.microsoft.com/office/drawing/2014/main" id="{CFB03E33-D2EB-D575-9DF5-A29B3B985D10}"/>
+              </a:ext>
+            </a:extLst>
+          </p:cNvPr>
+          <p:cNvSpPr>
+            <a:spLocks noGrp="1"/>
+          </p:cNvSpPr>
+          <p:nvPr>
+            <p:ph idx="1"/>
+          </p:nvPr>
+        </p:nvSpPr>
+        <p:spPr/>
+        <p:txBody>
+          <a:bodyPr>
+            <a:normAutofit lnSpcReduction="10000"/>
+          </a:bodyPr>
+          <a:lstStyle/>
+          <a:p>
+            <a:r>
+              <a:rPr lang="en-US" dirty="0"/>
+              <a:t>Reduces Complexity: Makes large, complex datasets more manageable.</a:t>
+            </a:r>
+          </a:p>
+          <a:p>
+            <a:r>
+              <a:rPr lang="en-US" dirty="0"/>
+              <a:t>Prevents Overfitting: Fewer features lead to simpler models less prone to memorizing noise.</a:t>
+            </a:r>
+          </a:p>
+          <a:p>
+            <a:r>
+              <a:rPr lang="en-US" dirty="0"/>
+              <a:t>Improves Performance: Faster training and inference times for algorithms.</a:t>
+            </a:r>
+          </a:p>
+          <a:p>
+            <a:r>
+              <a:rPr lang="en-US" dirty="0"/>
+              <a:t>Enhances Visualization: Allows complex data to be plotted in 2D or 3D.</a:t>
+            </a:r>
+          </a:p>
+          <a:p>
+            <a:r>
+              <a:rPr lang="en-US" dirty="0"/>
+              <a:t>Reduces Storage: Less data means lower memory and storage requirements. </a:t>
+            </a:r>
+          </a:p>
+        </p:txBody>
+      </p:sp>
+    </p:spTree>
+    <p:extLst>
+      <p:ext uri="{BB962C8B-B14F-4D97-AF65-F5344CB8AC3E}">
+        <p14:creationId xmlns:p14="http://schemas.microsoft.com/office/powerpoint/2010/main" val="1687642185"/>
+      </p:ext>
+    </p:extLst>
+  </p:cSld>
+  <p:clrMapOvr>
+    <a:masterClrMapping/>
+  </p:clrMapOvr>
+</p:sld>
+</file>
+
+<file path=ppt/slides/slide74.xml><?xml version="1.0" encoding="utf-8"?>
+<p:sld xmlns:a="http://schemas.openxmlformats.org/drawingml/2006/main" xmlns:r="http://schemas.openxmlformats.org/officeDocument/2006/relationships" xmlns:p="http://schemas.openxmlformats.org/presentationml/2006/main">
+  <p:cSld>
+    <p:spTree>
+      <p:nvGrpSpPr>
+        <p:cNvPr id="1" name=""/>
+        <p:cNvGrpSpPr/>
+        <p:nvPr/>
+      </p:nvGrpSpPr>
+      <p:grpSpPr>
+        <a:xfrm>
+          <a:off x="0" y="0"/>
+          <a:ext cx="0" cy="0"/>
+          <a:chOff x="0" y="0"/>
+          <a:chExt cx="0" cy="0"/>
+        </a:xfrm>
+      </p:grpSpPr>
+      <p:sp>
+        <p:nvSpPr>
+          <p:cNvPr id="2" name="Title 1">
+            <a:extLst>
+              <a:ext uri="{FF2B5EF4-FFF2-40B4-BE49-F238E27FC236}">
+                <a16:creationId xmlns:a16="http://schemas.microsoft.com/office/drawing/2014/main" id="{6F614BB0-DA52-5BBE-5001-AE9DEB9F9CA0}"/>
+              </a:ext>
+            </a:extLst>
+          </p:cNvPr>
+          <p:cNvSpPr>
+            <a:spLocks noGrp="1"/>
+          </p:cNvSpPr>
+          <p:nvPr>
+            <p:ph type="title"/>
+          </p:nvPr>
+        </p:nvSpPr>
+        <p:spPr/>
+        <p:txBody>
+          <a:bodyPr/>
+          <a:lstStyle/>
+          <a:p>
+            <a:r>
+              <a:rPr lang="en-US" dirty="0"/>
+              <a:t>Common Approaches of Dimensionality Reduction</a:t>
+            </a:r>
+          </a:p>
+        </p:txBody>
+      </p:sp>
+      <p:sp>
+        <p:nvSpPr>
+          <p:cNvPr id="3" name="Content Placeholder 2">
+            <a:extLst>
+              <a:ext uri="{FF2B5EF4-FFF2-40B4-BE49-F238E27FC236}">
+                <a16:creationId xmlns:a16="http://schemas.microsoft.com/office/drawing/2014/main" id="{0831E0A0-3463-6092-5425-7AA431AB3E02}"/>
+              </a:ext>
+            </a:extLst>
+          </p:cNvPr>
+          <p:cNvSpPr>
+            <a:spLocks noGrp="1"/>
+          </p:cNvSpPr>
+          <p:nvPr>
+            <p:ph idx="1"/>
+          </p:nvPr>
+        </p:nvSpPr>
+        <p:spPr/>
+        <p:txBody>
+          <a:bodyPr/>
+          <a:lstStyle/>
+          <a:p>
+            <a:r>
+              <a:rPr lang="en-US" dirty="0"/>
+              <a:t>Feature Selection: Choosing a subset of the original features.</a:t>
+            </a:r>
+          </a:p>
+          <a:p>
+            <a:r>
+              <a:rPr lang="en-US" dirty="0"/>
+              <a:t>Feature Extraction: Creating new, fewer features (dimensions) that capture the essence of the old ones, like PCA (Principal Component Analysis) or t-SNE. </a:t>
+            </a:r>
+          </a:p>
+        </p:txBody>
+      </p:sp>
+    </p:spTree>
+    <p:extLst>
+      <p:ext uri="{BB962C8B-B14F-4D97-AF65-F5344CB8AC3E}">
+        <p14:creationId xmlns:p14="http://schemas.microsoft.com/office/powerpoint/2010/main" val="3287263845"/>
+      </p:ext>
+    </p:extLst>
+  </p:cSld>
+  <p:clrMapOvr>
+    <a:masterClrMapping/>
+  </p:clrMapOvr>
+</p:sld>
+</file>
+
+<file path=ppt/slides/slide75.xml><?xml version="1.0" encoding="utf-8"?>
+<p:sld xmlns:a="http://schemas.openxmlformats.org/drawingml/2006/main" xmlns:r="http://schemas.openxmlformats.org/officeDocument/2006/relationships" xmlns:p="http://schemas.openxmlformats.org/presentationml/2006/main">
+  <p:cSld>
+    <p:spTree>
+      <p:nvGrpSpPr>
+        <p:cNvPr id="1" name=""/>
+        <p:cNvGrpSpPr/>
+        <p:nvPr/>
+      </p:nvGrpSpPr>
+      <p:grpSpPr>
+        <a:xfrm>
+          <a:off x="0" y="0"/>
+          <a:ext cx="0" cy="0"/>
+          <a:chOff x="0" y="0"/>
+          <a:chExt cx="0" cy="0"/>
+        </a:xfrm>
+      </p:grpSpPr>
+      <p:sp>
+        <p:nvSpPr>
+          <p:cNvPr id="2" name="Title 1">
+            <a:extLst>
+              <a:ext uri="{FF2B5EF4-FFF2-40B4-BE49-F238E27FC236}">
+                <a16:creationId xmlns:a16="http://schemas.microsoft.com/office/drawing/2014/main" id="{2CB1AE1E-E941-659C-9A33-BC9C4451096F}"/>
+              </a:ext>
+            </a:extLst>
+          </p:cNvPr>
+          <p:cNvSpPr>
+            <a:spLocks noGrp="1"/>
+          </p:cNvSpPr>
+          <p:nvPr>
+            <p:ph type="title"/>
+          </p:nvPr>
+        </p:nvSpPr>
+        <p:spPr/>
+        <p:txBody>
+          <a:bodyPr/>
+          <a:lstStyle/>
+          <a:p>
+            <a:r>
+              <a:rPr lang="en-US" dirty="0"/>
+              <a:t>Dimensionality Reduction Techniques</a:t>
+            </a:r>
+          </a:p>
+        </p:txBody>
+      </p:sp>
+      <p:sp>
+        <p:nvSpPr>
+          <p:cNvPr id="3" name="Content Placeholder 2">
+            <a:extLst>
+              <a:ext uri="{FF2B5EF4-FFF2-40B4-BE49-F238E27FC236}">
+                <a16:creationId xmlns:a16="http://schemas.microsoft.com/office/drawing/2014/main" id="{608F8EF0-B788-8A0B-6FE3-90AFBBA4DD4A}"/>
+              </a:ext>
+            </a:extLst>
+          </p:cNvPr>
+          <p:cNvSpPr>
+            <a:spLocks noGrp="1"/>
+          </p:cNvSpPr>
+          <p:nvPr>
+            <p:ph idx="1"/>
+          </p:nvPr>
+        </p:nvSpPr>
+        <p:spPr/>
+        <p:txBody>
+          <a:bodyPr>
+            <a:normAutofit/>
+          </a:bodyPr>
+          <a:lstStyle/>
+          <a:p>
+            <a:pPr marL="514350" indent="-514350">
+              <a:buFont typeface="+mj-lt"/>
+              <a:buAutoNum type="arabicPeriod"/>
+            </a:pPr>
+            <a:r>
+              <a:rPr lang="en-US" dirty="0"/>
+              <a:t>Principal Component Analysis (PCA)</a:t>
+            </a:r>
+          </a:p>
+          <a:p>
+            <a:pPr marL="514350" indent="-514350">
+              <a:buFont typeface="+mj-lt"/>
+              <a:buAutoNum type="arabicPeriod"/>
+            </a:pPr>
+            <a:r>
+              <a:rPr lang="en-US" dirty="0"/>
+              <a:t>Linear Discriminant Analysis (LDA)</a:t>
+            </a:r>
+          </a:p>
+          <a:p>
+            <a:pPr marL="514350" indent="-514350">
+              <a:buFont typeface="+mj-lt"/>
+              <a:buAutoNum type="arabicPeriod"/>
+            </a:pPr>
+            <a:r>
+              <a:rPr lang="en-US" dirty="0"/>
+              <a:t>t-Distributed Stochastic Neighbor Embedding (t-SNE)</a:t>
+            </a:r>
+          </a:p>
+          <a:p>
+            <a:pPr marL="514350" indent="-514350">
+              <a:buFont typeface="+mj-lt"/>
+              <a:buAutoNum type="arabicPeriod"/>
+            </a:pPr>
+            <a:r>
+              <a:rPr lang="en-US" dirty="0"/>
+              <a:t>Independent Component Analysis (ICA)</a:t>
+            </a:r>
+          </a:p>
+          <a:p>
+            <a:pPr marL="514350" indent="-514350">
+              <a:buFont typeface="+mj-lt"/>
+              <a:buAutoNum type="arabicPeriod"/>
+            </a:pPr>
+            <a:r>
+              <a:rPr lang="en-US" dirty="0"/>
+              <a:t>Non negative Matrix Factorization (NMF)</a:t>
+            </a:r>
+          </a:p>
+          <a:p>
+            <a:pPr marL="514350" indent="-514350">
+              <a:buFont typeface="+mj-lt"/>
+              <a:buAutoNum type="arabicPeriod"/>
+            </a:pPr>
+            <a:r>
+              <a:rPr lang="en-US" dirty="0" err="1"/>
+              <a:t>FastICA</a:t>
+            </a:r>
+            <a:endParaRPr lang="en-US" dirty="0"/>
+          </a:p>
+        </p:txBody>
+      </p:sp>
+    </p:spTree>
+    <p:extLst>
+      <p:ext uri="{BB962C8B-B14F-4D97-AF65-F5344CB8AC3E}">
+        <p14:creationId xmlns:p14="http://schemas.microsoft.com/office/powerpoint/2010/main" val="302923671"/>
+      </p:ext>
+    </p:extLst>
+  </p:cSld>
+  <p:clrMapOvr>
+    <a:masterClrMapping/>
+  </p:clrMapOvr>
+</p:sld>
+</file>
+
+<file path=ppt/slides/slide76.xml><?xml version="1.0" encoding="utf-8"?>
+<p:sld xmlns:a="http://schemas.openxmlformats.org/drawingml/2006/main" xmlns:r="http://schemas.openxmlformats.org/officeDocument/2006/relationships" xmlns:p="http://schemas.openxmlformats.org/presentationml/2006/main">
+  <p:cSld>
+    <p:spTree>
+      <p:nvGrpSpPr>
+        <p:cNvPr id="1" name=""/>
+        <p:cNvGrpSpPr/>
+        <p:nvPr/>
+      </p:nvGrpSpPr>
+      <p:grpSpPr>
+        <a:xfrm>
+          <a:off x="0" y="0"/>
+          <a:ext cx="0" cy="0"/>
+          <a:chOff x="0" y="0"/>
+          <a:chExt cx="0" cy="0"/>
+        </a:xfrm>
+      </p:grpSpPr>
+      <p:sp>
+        <p:nvSpPr>
+          <p:cNvPr id="2" name="Title 1">
+            <a:extLst>
+              <a:ext uri="{FF2B5EF4-FFF2-40B4-BE49-F238E27FC236}">
+                <a16:creationId xmlns:a16="http://schemas.microsoft.com/office/drawing/2014/main" id="{A7E476A6-BC11-990A-4B59-D65EC0992017}"/>
+              </a:ext>
+            </a:extLst>
+          </p:cNvPr>
+          <p:cNvSpPr>
+            <a:spLocks noGrp="1"/>
+          </p:cNvSpPr>
+          <p:nvPr>
+            <p:ph type="title"/>
+          </p:nvPr>
+        </p:nvSpPr>
+        <p:spPr/>
+        <p:txBody>
+          <a:bodyPr/>
+          <a:lstStyle/>
+          <a:p>
+            <a:r>
+              <a:rPr lang="en-US" dirty="0"/>
+              <a:t>Dimensionality Reduction Techniques Cont..</a:t>
+            </a:r>
+          </a:p>
+        </p:txBody>
+      </p:sp>
+      <p:sp>
+        <p:nvSpPr>
+          <p:cNvPr id="3" name="Content Placeholder 2">
+            <a:extLst>
+              <a:ext uri="{FF2B5EF4-FFF2-40B4-BE49-F238E27FC236}">
+                <a16:creationId xmlns:a16="http://schemas.microsoft.com/office/drawing/2014/main" id="{40ABCDB6-A87E-9C65-FCBE-9907D9923E79}"/>
+              </a:ext>
+            </a:extLst>
+          </p:cNvPr>
+          <p:cNvSpPr>
+            <a:spLocks noGrp="1"/>
+          </p:cNvSpPr>
+          <p:nvPr>
+            <p:ph idx="1"/>
+          </p:nvPr>
+        </p:nvSpPr>
+        <p:spPr/>
+        <p:txBody>
+          <a:bodyPr/>
+          <a:lstStyle/>
+          <a:p>
+            <a:pPr marL="514350" indent="-514350">
+              <a:buFont typeface="+mj-lt"/>
+              <a:buAutoNum type="arabicPeriod" startAt="7"/>
+            </a:pPr>
+            <a:r>
+              <a:rPr lang="en-US" dirty="0" err="1"/>
+              <a:t>Isomap</a:t>
+            </a:r>
+            <a:r>
+              <a:rPr lang="en-US" dirty="0"/>
+              <a:t>(Isometric Mapping)</a:t>
+            </a:r>
+          </a:p>
+          <a:p>
+            <a:pPr marL="514350" indent="-514350">
+              <a:buFont typeface="+mj-lt"/>
+              <a:buAutoNum type="arabicPeriod" startAt="7"/>
+            </a:pPr>
+            <a:r>
+              <a:rPr lang="en-US" dirty="0"/>
+              <a:t>Locally Linear Embedding (LLE)</a:t>
+            </a:r>
+          </a:p>
+          <a:p>
+            <a:pPr marL="514350" indent="-514350">
+              <a:buFont typeface="+mj-lt"/>
+              <a:buAutoNum type="arabicPeriod" startAt="7"/>
+            </a:pPr>
+            <a:r>
+              <a:rPr lang="en-US" dirty="0"/>
+              <a:t>Manifold Learning</a:t>
+            </a:r>
+          </a:p>
+          <a:p>
+            <a:pPr marL="514350" indent="-514350">
+              <a:buFont typeface="+mj-lt"/>
+              <a:buAutoNum type="arabicPeriod" startAt="7"/>
+            </a:pPr>
+            <a:r>
+              <a:rPr lang="en-US" dirty="0"/>
+              <a:t>Autoencoders</a:t>
+            </a:r>
+          </a:p>
+          <a:p>
+            <a:pPr marL="514350" indent="-514350">
+              <a:buFont typeface="+mj-lt"/>
+              <a:buAutoNum type="arabicPeriod" startAt="7"/>
+            </a:pPr>
+            <a:r>
+              <a:rPr lang="en-US" dirty="0"/>
+              <a:t>Multidimensional Scaling (MDS)</a:t>
+            </a:r>
+          </a:p>
+          <a:p>
+            <a:endParaRPr lang="en-US" dirty="0"/>
+          </a:p>
+        </p:txBody>
+      </p:sp>
+    </p:spTree>
+    <p:extLst>
+      <p:ext uri="{BB962C8B-B14F-4D97-AF65-F5344CB8AC3E}">
+        <p14:creationId xmlns:p14="http://schemas.microsoft.com/office/powerpoint/2010/main" val="2169668825"/>
+      </p:ext>
+    </p:extLst>
+  </p:cSld>
+  <p:clrMapOvr>
+    <a:masterClrMapping/>
+  </p:clrMapOvr>
+</p:sld>
+</file>
+
+<file path=ppt/slides/slide77.xml><?xml version="1.0" encoding="utf-8"?>
+<p:sld xmlns:a="http://schemas.openxmlformats.org/drawingml/2006/main" xmlns:r="http://schemas.openxmlformats.org/officeDocument/2006/relationships" xmlns:p="http://schemas.openxmlformats.org/presentationml/2006/main">
+  <p:cSld>
+    <p:spTree>
+      <p:nvGrpSpPr>
+        <p:cNvPr id="1" name=""/>
+        <p:cNvGrpSpPr/>
+        <p:nvPr/>
+      </p:nvGrpSpPr>
+      <p:grpSpPr>
+        <a:xfrm>
+          <a:off x="0" y="0"/>
+          <a:ext cx="0" cy="0"/>
+          <a:chOff x="0" y="0"/>
+          <a:chExt cx="0" cy="0"/>
+        </a:xfrm>
+      </p:grpSpPr>
+      <p:sp>
+        <p:nvSpPr>
+          <p:cNvPr id="2" name="Title 1">
+            <a:extLst>
+              <a:ext uri="{FF2B5EF4-FFF2-40B4-BE49-F238E27FC236}">
+                <a16:creationId xmlns:a16="http://schemas.microsoft.com/office/drawing/2014/main" id="{D3FE8217-12F5-D11B-CDF6-D045891D7D0A}"/>
+              </a:ext>
+            </a:extLst>
+          </p:cNvPr>
+          <p:cNvSpPr>
+            <a:spLocks noGrp="1"/>
+          </p:cNvSpPr>
+          <p:nvPr>
+            <p:ph type="title"/>
+          </p:nvPr>
+        </p:nvSpPr>
+        <p:spPr/>
+        <p:txBody>
+          <a:bodyPr/>
+          <a:lstStyle/>
+          <a:p>
+            <a:r>
+              <a:rPr lang="en-US" dirty="0"/>
+              <a:t>What is variance?</a:t>
+            </a:r>
+          </a:p>
+        </p:txBody>
+      </p:sp>
+      <p:sp>
+        <p:nvSpPr>
+          <p:cNvPr id="3" name="Content Placeholder 2">
+            <a:extLst>
+              <a:ext uri="{FF2B5EF4-FFF2-40B4-BE49-F238E27FC236}">
+                <a16:creationId xmlns:a16="http://schemas.microsoft.com/office/drawing/2014/main" id="{191CA03F-BCAD-7951-12FD-BFC1982D9126}"/>
+              </a:ext>
+            </a:extLst>
+          </p:cNvPr>
+          <p:cNvSpPr>
+            <a:spLocks noGrp="1"/>
+          </p:cNvSpPr>
+          <p:nvPr>
+            <p:ph idx="1"/>
+          </p:nvPr>
+        </p:nvSpPr>
+        <p:spPr/>
+        <p:txBody>
+          <a:bodyPr/>
+          <a:lstStyle/>
+          <a:p>
+            <a:r>
+              <a:rPr lang="en-US" dirty="0"/>
+              <a:t>variance measures how much a model's predictions change when trained on different subsets of data</a:t>
+            </a:r>
+          </a:p>
+          <a:p>
+            <a:r>
+              <a:rPr lang="en-US" dirty="0"/>
+              <a:t>high variance means the model is overly sensitive, learning noise and details (overfitting) rather than general patterns, leading to poor performance on new data, </a:t>
+            </a:r>
+          </a:p>
+          <a:p>
+            <a:r>
+              <a:rPr lang="en-US" dirty="0"/>
+              <a:t>while low variance indicates better generalization. </a:t>
+            </a:r>
+          </a:p>
+        </p:txBody>
+      </p:sp>
+    </p:spTree>
+    <p:extLst>
+      <p:ext uri="{BB962C8B-B14F-4D97-AF65-F5344CB8AC3E}">
+        <p14:creationId xmlns:p14="http://schemas.microsoft.com/office/powerpoint/2010/main" val="2132708501"/>
+      </p:ext>
+    </p:extLst>
+  </p:cSld>
+  <p:clrMapOvr>
+    <a:masterClrMapping/>
+  </p:clrMapOvr>
+</p:sld>
+</file>
+
+<file path=ppt/slides/slide78.xml><?xml version="1.0" encoding="utf-8"?>
+<p:sld xmlns:a="http://schemas.openxmlformats.org/drawingml/2006/main" xmlns:r="http://schemas.openxmlformats.org/officeDocument/2006/relationships" xmlns:p="http://schemas.openxmlformats.org/presentationml/2006/main">
+  <p:cSld>
+    <p:spTree>
+      <p:nvGrpSpPr>
+        <p:cNvPr id="1" name=""/>
+        <p:cNvGrpSpPr/>
+        <p:nvPr/>
+      </p:nvGrpSpPr>
+      <p:grpSpPr>
+        <a:xfrm>
+          <a:off x="0" y="0"/>
+          <a:ext cx="0" cy="0"/>
+          <a:chOff x="0" y="0"/>
+          <a:chExt cx="0" cy="0"/>
+        </a:xfrm>
+      </p:grpSpPr>
+      <p:sp>
+        <p:nvSpPr>
+          <p:cNvPr id="2" name="Title 1">
+            <a:extLst>
+              <a:ext uri="{FF2B5EF4-FFF2-40B4-BE49-F238E27FC236}">
+                <a16:creationId xmlns:a16="http://schemas.microsoft.com/office/drawing/2014/main" id="{E612A764-B745-2DF8-5DD8-343FD79DE3C2}"/>
+              </a:ext>
+            </a:extLst>
+          </p:cNvPr>
+          <p:cNvSpPr>
+            <a:spLocks noGrp="1"/>
+          </p:cNvSpPr>
+          <p:nvPr>
+            <p:ph type="title"/>
+          </p:nvPr>
+        </p:nvSpPr>
+        <p:spPr/>
+        <p:txBody>
+          <a:bodyPr/>
+          <a:lstStyle/>
+          <a:p>
+            <a:r>
+              <a:rPr lang="en-US" dirty="0"/>
+              <a:t>Variance Cont..</a:t>
+            </a:r>
+          </a:p>
+        </p:txBody>
+      </p:sp>
+      <p:sp>
+        <p:nvSpPr>
+          <p:cNvPr id="3" name="Content Placeholder 2">
+            <a:extLst>
+              <a:ext uri="{FF2B5EF4-FFF2-40B4-BE49-F238E27FC236}">
+                <a16:creationId xmlns:a16="http://schemas.microsoft.com/office/drawing/2014/main" id="{1B3A0866-99D5-9249-34B0-E65ABCE5223C}"/>
+              </a:ext>
+            </a:extLst>
+          </p:cNvPr>
+          <p:cNvSpPr>
+            <a:spLocks noGrp="1"/>
+          </p:cNvSpPr>
+          <p:nvPr>
+            <p:ph idx="1"/>
+          </p:nvPr>
+        </p:nvSpPr>
+        <p:spPr/>
+        <p:txBody>
+          <a:bodyPr/>
+          <a:lstStyle/>
+          <a:p>
+            <a:r>
+              <a:rPr lang="en-US" dirty="0"/>
+              <a:t>High Variance (Overfitting)</a:t>
+            </a:r>
+          </a:p>
+          <a:p>
+            <a:r>
+              <a:rPr lang="en-US" dirty="0"/>
+              <a:t>Definition: The model learns the training data too well, including random noise and irrelevant details.</a:t>
+            </a:r>
+          </a:p>
+          <a:p>
+            <a:r>
+              <a:rPr lang="en-US" dirty="0"/>
+              <a:t>Symptoms: Excellent performance on training data but poor performance (high error) on unseen test data.</a:t>
+            </a:r>
+          </a:p>
+          <a:p>
+            <a:r>
+              <a:rPr lang="en-US" dirty="0"/>
+              <a:t>Causes: Overly complex models (deep trees, neural networks), too many features, or insufficient training data.</a:t>
+            </a:r>
+          </a:p>
+          <a:p>
+            <a:r>
+              <a:rPr lang="en-US" dirty="0"/>
+              <a:t>Analogy: A squiggly line that hits every single training point perfectly but doesn't represent the true underlying trend. </a:t>
+            </a:r>
+          </a:p>
+          <a:p>
+            <a:endParaRPr lang="en-US" dirty="0"/>
+          </a:p>
+        </p:txBody>
+      </p:sp>
+    </p:spTree>
+    <p:extLst>
+      <p:ext uri="{BB962C8B-B14F-4D97-AF65-F5344CB8AC3E}">
+        <p14:creationId xmlns:p14="http://schemas.microsoft.com/office/powerpoint/2010/main" val="316965297"/>
+      </p:ext>
+    </p:extLst>
+  </p:cSld>
+  <p:clrMapOvr>
+    <a:masterClrMapping/>
+  </p:clrMapOvr>
+</p:sld>
+</file>
+
+<file path=ppt/slides/slide79.xml><?xml version="1.0" encoding="utf-8"?>
+<p:sld xmlns:a="http://schemas.openxmlformats.org/drawingml/2006/main" xmlns:r="http://schemas.openxmlformats.org/officeDocument/2006/relationships" xmlns:p="http://schemas.openxmlformats.org/presentationml/2006/main">
+  <p:cSld>
+    <p:spTree>
+      <p:nvGrpSpPr>
+        <p:cNvPr id="1" name=""/>
+        <p:cNvGrpSpPr/>
+        <p:nvPr/>
+      </p:nvGrpSpPr>
+      <p:grpSpPr>
+        <a:xfrm>
+          <a:off x="0" y="0"/>
+          <a:ext cx="0" cy="0"/>
+          <a:chOff x="0" y="0"/>
+          <a:chExt cx="0" cy="0"/>
+        </a:xfrm>
+      </p:grpSpPr>
+      <p:sp>
+        <p:nvSpPr>
+          <p:cNvPr id="2" name="Title 1">
+            <a:extLst>
+              <a:ext uri="{FF2B5EF4-FFF2-40B4-BE49-F238E27FC236}">
+                <a16:creationId xmlns:a16="http://schemas.microsoft.com/office/drawing/2014/main" id="{3CF46000-A76E-60D1-37AD-848F11B2A198}"/>
+              </a:ext>
+            </a:extLst>
+          </p:cNvPr>
+          <p:cNvSpPr>
+            <a:spLocks noGrp="1"/>
+          </p:cNvSpPr>
+          <p:nvPr>
+            <p:ph type="title"/>
+          </p:nvPr>
+        </p:nvSpPr>
+        <p:spPr/>
+        <p:txBody>
+          <a:bodyPr/>
+          <a:lstStyle/>
+          <a:p>
+            <a:r>
+              <a:rPr lang="en-US" dirty="0"/>
+              <a:t>Variance Cont..</a:t>
+            </a:r>
+          </a:p>
+        </p:txBody>
+      </p:sp>
+      <p:sp>
+        <p:nvSpPr>
+          <p:cNvPr id="3" name="Content Placeholder 2">
+            <a:extLst>
+              <a:ext uri="{FF2B5EF4-FFF2-40B4-BE49-F238E27FC236}">
+                <a16:creationId xmlns:a16="http://schemas.microsoft.com/office/drawing/2014/main" id="{C60E263B-5AE4-27AF-D945-B9CD38330305}"/>
+              </a:ext>
+            </a:extLst>
+          </p:cNvPr>
+          <p:cNvSpPr>
+            <a:spLocks noGrp="1"/>
+          </p:cNvSpPr>
+          <p:nvPr>
+            <p:ph idx="1"/>
+          </p:nvPr>
+        </p:nvSpPr>
+        <p:spPr/>
+        <p:txBody>
+          <a:bodyPr/>
+          <a:lstStyle/>
+          <a:p>
+            <a:r>
+              <a:rPr lang="en-US" dirty="0"/>
+              <a:t>Low Variance (Good Generalization)</a:t>
+            </a:r>
+          </a:p>
+          <a:p>
+            <a:r>
+              <a:rPr lang="en-US" dirty="0"/>
+              <a:t>Definition: The model's predictions are consistent across different training sets.</a:t>
+            </a:r>
+          </a:p>
+          <a:p>
+            <a:r>
+              <a:rPr lang="en-US" dirty="0"/>
+              <a:t>Symptoms: Good performance on both training and test data.</a:t>
+            </a:r>
+          </a:p>
+          <a:p>
+            <a:r>
+              <a:rPr lang="en-US" dirty="0"/>
+              <a:t>Causes: Simpler models or effective regularization. </a:t>
+            </a:r>
+          </a:p>
+        </p:txBody>
+      </p:sp>
+    </p:spTree>
+    <p:extLst>
+      <p:ext uri="{BB962C8B-B14F-4D97-AF65-F5344CB8AC3E}">
+        <p14:creationId xmlns:p14="http://schemas.microsoft.com/office/powerpoint/2010/main" val="3499219683"/>
+      </p:ext>
+    </p:extLst>
+  </p:cSld>
+  <p:clrMapOvr>
+    <a:masterClrMapping/>
+  </p:clrMapOvr>
+</p:sld>
+</file>
+
 <file path=ppt/slides/slide8.xml><?xml version="1.0" encoding="utf-8"?>
 <p:sld xmlns:a="http://schemas.openxmlformats.org/drawingml/2006/main" xmlns:r="http://schemas.openxmlformats.org/officeDocument/2006/relationships" xmlns:p="http://schemas.openxmlformats.org/presentationml/2006/main">
   <p:cSld>
@@ -9977,6 +11932,1244 @@
     <p:extLst>
       <p:ext uri="{BB962C8B-B14F-4D97-AF65-F5344CB8AC3E}">
         <p14:creationId xmlns:p14="http://schemas.microsoft.com/office/powerpoint/2010/main" val="3107088803"/>
+      </p:ext>
+    </p:extLst>
+  </p:cSld>
+  <p:clrMapOvr>
+    <a:masterClrMapping/>
+  </p:clrMapOvr>
+</p:sld>
+</file>
+
+<file path=ppt/slides/slide80.xml><?xml version="1.0" encoding="utf-8"?>
+<p:sld xmlns:a="http://schemas.openxmlformats.org/drawingml/2006/main" xmlns:r="http://schemas.openxmlformats.org/officeDocument/2006/relationships" xmlns:p="http://schemas.openxmlformats.org/presentationml/2006/main">
+  <p:cSld>
+    <p:spTree>
+      <p:nvGrpSpPr>
+        <p:cNvPr id="1" name=""/>
+        <p:cNvGrpSpPr/>
+        <p:nvPr/>
+      </p:nvGrpSpPr>
+      <p:grpSpPr>
+        <a:xfrm>
+          <a:off x="0" y="0"/>
+          <a:ext cx="0" cy="0"/>
+          <a:chOff x="0" y="0"/>
+          <a:chExt cx="0" cy="0"/>
+        </a:xfrm>
+      </p:grpSpPr>
+      <p:sp>
+        <p:nvSpPr>
+          <p:cNvPr id="2" name="Title 1">
+            <a:extLst>
+              <a:ext uri="{FF2B5EF4-FFF2-40B4-BE49-F238E27FC236}">
+                <a16:creationId xmlns:a16="http://schemas.microsoft.com/office/drawing/2014/main" id="{3161E171-1483-3327-00C9-FF69488D63DD}"/>
+              </a:ext>
+            </a:extLst>
+          </p:cNvPr>
+          <p:cNvSpPr>
+            <a:spLocks noGrp="1"/>
+          </p:cNvSpPr>
+          <p:nvPr>
+            <p:ph type="title"/>
+          </p:nvPr>
+        </p:nvSpPr>
+        <p:spPr/>
+        <p:txBody>
+          <a:bodyPr/>
+          <a:lstStyle/>
+          <a:p>
+            <a:r>
+              <a:rPr lang="en-US" dirty="0"/>
+              <a:t>Bias Vs Variance</a:t>
+            </a:r>
+          </a:p>
+        </p:txBody>
+      </p:sp>
+      <p:pic>
+        <p:nvPicPr>
+          <p:cNvPr id="4" name="Content Placeholder 3">
+            <a:extLst>
+              <a:ext uri="{FF2B5EF4-FFF2-40B4-BE49-F238E27FC236}">
+                <a16:creationId xmlns:a16="http://schemas.microsoft.com/office/drawing/2014/main" id="{83568B5C-22E7-133D-5F4E-1675C0DF1266}"/>
+              </a:ext>
+            </a:extLst>
+          </p:cNvPr>
+          <p:cNvPicPr>
+            <a:picLocks noGrp="1" noChangeAspect="1"/>
+          </p:cNvPicPr>
+          <p:nvPr>
+            <p:ph idx="1"/>
+          </p:nvPr>
+        </p:nvPicPr>
+        <p:blipFill>
+          <a:blip r:embed="rId2"/>
+          <a:stretch>
+            <a:fillRect/>
+          </a:stretch>
+        </p:blipFill>
+        <p:spPr>
+          <a:xfrm>
+            <a:off x="2015624" y="1825625"/>
+            <a:ext cx="8160751" cy="4351338"/>
+          </a:xfrm>
+          <a:prstGeom prst="rect">
+            <a:avLst/>
+          </a:prstGeom>
+        </p:spPr>
+      </p:pic>
+    </p:spTree>
+    <p:extLst>
+      <p:ext uri="{BB962C8B-B14F-4D97-AF65-F5344CB8AC3E}">
+        <p14:creationId xmlns:p14="http://schemas.microsoft.com/office/powerpoint/2010/main" val="540618305"/>
+      </p:ext>
+    </p:extLst>
+  </p:cSld>
+  <p:clrMapOvr>
+    <a:masterClrMapping/>
+  </p:clrMapOvr>
+</p:sld>
+</file>
+
+<file path=ppt/slides/slide81.xml><?xml version="1.0" encoding="utf-8"?>
+<p:sld xmlns:a="http://schemas.openxmlformats.org/drawingml/2006/main" xmlns:r="http://schemas.openxmlformats.org/officeDocument/2006/relationships" xmlns:p="http://schemas.openxmlformats.org/presentationml/2006/main">
+  <p:cSld>
+    <p:spTree>
+      <p:nvGrpSpPr>
+        <p:cNvPr id="1" name=""/>
+        <p:cNvGrpSpPr/>
+        <p:nvPr/>
+      </p:nvGrpSpPr>
+      <p:grpSpPr>
+        <a:xfrm>
+          <a:off x="0" y="0"/>
+          <a:ext cx="0" cy="0"/>
+          <a:chOff x="0" y="0"/>
+          <a:chExt cx="0" cy="0"/>
+        </a:xfrm>
+      </p:grpSpPr>
+      <p:sp>
+        <p:nvSpPr>
+          <p:cNvPr id="2" name="Title 1">
+            <a:extLst>
+              <a:ext uri="{FF2B5EF4-FFF2-40B4-BE49-F238E27FC236}">
+                <a16:creationId xmlns:a16="http://schemas.microsoft.com/office/drawing/2014/main" id="{B5AD05EA-4458-447B-CE74-286988FD42BB}"/>
+              </a:ext>
+            </a:extLst>
+          </p:cNvPr>
+          <p:cNvSpPr>
+            <a:spLocks noGrp="1"/>
+          </p:cNvSpPr>
+          <p:nvPr>
+            <p:ph type="title"/>
+          </p:nvPr>
+        </p:nvSpPr>
+        <p:spPr/>
+        <p:txBody>
+          <a:bodyPr/>
+          <a:lstStyle/>
+          <a:p>
+            <a:r>
+              <a:rPr lang="en-US" dirty="0"/>
+              <a:t>Explain Variance</a:t>
+            </a:r>
+          </a:p>
+        </p:txBody>
+      </p:sp>
+      <p:sp>
+        <p:nvSpPr>
+          <p:cNvPr id="3" name="Content Placeholder 2">
+            <a:extLst>
+              <a:ext uri="{FF2B5EF4-FFF2-40B4-BE49-F238E27FC236}">
+                <a16:creationId xmlns:a16="http://schemas.microsoft.com/office/drawing/2014/main" id="{EAF2C347-7988-3659-7B99-D5FC506857AE}"/>
+              </a:ext>
+            </a:extLst>
+          </p:cNvPr>
+          <p:cNvSpPr>
+            <a:spLocks noGrp="1"/>
+          </p:cNvSpPr>
+          <p:nvPr>
+            <p:ph idx="1"/>
+          </p:nvPr>
+        </p:nvSpPr>
+        <p:spPr/>
+        <p:txBody>
+          <a:bodyPr/>
+          <a:lstStyle/>
+          <a:p>
+            <a:r>
+              <a:rPr lang="en-US" dirty="0"/>
+              <a:t>Explained variance is a measure of how much of the total variance in the original dataset is explained by each principal component.</a:t>
+            </a:r>
+          </a:p>
+          <a:p>
+            <a:r>
+              <a:rPr lang="en-US" dirty="0"/>
+              <a:t> The explained variance of a principal component is equal to the eigenvalue associated with that component.</a:t>
+            </a:r>
+          </a:p>
+        </p:txBody>
+      </p:sp>
+    </p:spTree>
+    <p:extLst>
+      <p:ext uri="{BB962C8B-B14F-4D97-AF65-F5344CB8AC3E}">
+        <p14:creationId xmlns:p14="http://schemas.microsoft.com/office/powerpoint/2010/main" val="2353444539"/>
+      </p:ext>
+    </p:extLst>
+  </p:cSld>
+  <p:clrMapOvr>
+    <a:masterClrMapping/>
+  </p:clrMapOvr>
+</p:sld>
+</file>
+
+<file path=ppt/slides/slide82.xml><?xml version="1.0" encoding="utf-8"?>
+<p:sld xmlns:a="http://schemas.openxmlformats.org/drawingml/2006/main" xmlns:r="http://schemas.openxmlformats.org/officeDocument/2006/relationships" xmlns:p="http://schemas.openxmlformats.org/presentationml/2006/main">
+  <p:cSld>
+    <p:spTree>
+      <p:nvGrpSpPr>
+        <p:cNvPr id="1" name=""/>
+        <p:cNvGrpSpPr/>
+        <p:nvPr/>
+      </p:nvGrpSpPr>
+      <p:grpSpPr>
+        <a:xfrm>
+          <a:off x="0" y="0"/>
+          <a:ext cx="0" cy="0"/>
+          <a:chOff x="0" y="0"/>
+          <a:chExt cx="0" cy="0"/>
+        </a:xfrm>
+      </p:grpSpPr>
+      <p:sp>
+        <p:nvSpPr>
+          <p:cNvPr id="2" name="Title 1">
+            <a:extLst>
+              <a:ext uri="{FF2B5EF4-FFF2-40B4-BE49-F238E27FC236}">
+                <a16:creationId xmlns:a16="http://schemas.microsoft.com/office/drawing/2014/main" id="{FC65BD03-695B-B457-5678-66D926242B13}"/>
+              </a:ext>
+            </a:extLst>
+          </p:cNvPr>
+          <p:cNvSpPr>
+            <a:spLocks noGrp="1"/>
+          </p:cNvSpPr>
+          <p:nvPr>
+            <p:ph type="title"/>
+          </p:nvPr>
+        </p:nvSpPr>
+        <p:spPr/>
+        <p:txBody>
+          <a:bodyPr/>
+          <a:lstStyle/>
+          <a:p>
+            <a:r>
+              <a:rPr lang="en-US" dirty="0"/>
+              <a:t>Explained Variance Ratio</a:t>
+            </a:r>
+          </a:p>
+        </p:txBody>
+      </p:sp>
+      <p:sp>
+        <p:nvSpPr>
+          <p:cNvPr id="3" name="Content Placeholder 2">
+            <a:extLst>
+              <a:ext uri="{FF2B5EF4-FFF2-40B4-BE49-F238E27FC236}">
+                <a16:creationId xmlns:a16="http://schemas.microsoft.com/office/drawing/2014/main" id="{9BBB68A9-00FB-51F0-03DD-9613F632E34B}"/>
+              </a:ext>
+            </a:extLst>
+          </p:cNvPr>
+          <p:cNvSpPr>
+            <a:spLocks noGrp="1"/>
+          </p:cNvSpPr>
+          <p:nvPr>
+            <p:ph idx="1"/>
+          </p:nvPr>
+        </p:nvSpPr>
+        <p:spPr/>
+        <p:txBody>
+          <a:bodyPr/>
+          <a:lstStyle/>
+          <a:p>
+            <a:r>
+              <a:rPr lang="en-US" dirty="0"/>
+              <a:t>Explained variance ratio is a measure of the proportion of the total variance in the original dataset that is explained by each principal component. </a:t>
+            </a:r>
+          </a:p>
+          <a:p>
+            <a:r>
+              <a:rPr lang="en-US" dirty="0"/>
+              <a:t>The explained variance ratio of a principal component is equal to the ratio of its eigenvalue to the sum of the eigenvalues of all the principal components.</a:t>
+            </a:r>
+          </a:p>
+        </p:txBody>
+      </p:sp>
+    </p:spTree>
+    <p:extLst>
+      <p:ext uri="{BB962C8B-B14F-4D97-AF65-F5344CB8AC3E}">
+        <p14:creationId xmlns:p14="http://schemas.microsoft.com/office/powerpoint/2010/main" val="2804335605"/>
+      </p:ext>
+    </p:extLst>
+  </p:cSld>
+  <p:clrMapOvr>
+    <a:masterClrMapping/>
+  </p:clrMapOvr>
+</p:sld>
+</file>
+
+<file path=ppt/slides/slide83.xml><?xml version="1.0" encoding="utf-8"?>
+<p:sld xmlns:a="http://schemas.openxmlformats.org/drawingml/2006/main" xmlns:r="http://schemas.openxmlformats.org/officeDocument/2006/relationships" xmlns:p="http://schemas.openxmlformats.org/presentationml/2006/main">
+  <p:cSld>
+    <p:spTree>
+      <p:nvGrpSpPr>
+        <p:cNvPr id="1" name=""/>
+        <p:cNvGrpSpPr/>
+        <p:nvPr/>
+      </p:nvGrpSpPr>
+      <p:grpSpPr>
+        <a:xfrm>
+          <a:off x="0" y="0"/>
+          <a:ext cx="0" cy="0"/>
+          <a:chOff x="0" y="0"/>
+          <a:chExt cx="0" cy="0"/>
+        </a:xfrm>
+      </p:grpSpPr>
+      <p:sp>
+        <p:nvSpPr>
+          <p:cNvPr id="2" name="Title 1">
+            <a:extLst>
+              <a:ext uri="{FF2B5EF4-FFF2-40B4-BE49-F238E27FC236}">
+                <a16:creationId xmlns:a16="http://schemas.microsoft.com/office/drawing/2014/main" id="{BFC92F05-3338-E059-E27C-6D0B4C7A01B0}"/>
+              </a:ext>
+            </a:extLst>
+          </p:cNvPr>
+          <p:cNvSpPr>
+            <a:spLocks noGrp="1"/>
+          </p:cNvSpPr>
+          <p:nvPr>
+            <p:ph type="title"/>
+          </p:nvPr>
+        </p:nvSpPr>
+        <p:spPr/>
+        <p:txBody>
+          <a:bodyPr/>
+          <a:lstStyle/>
+          <a:p>
+            <a:r>
+              <a:rPr lang="en-US" dirty="0"/>
+              <a:t>Cumulative Explained Variance</a:t>
+            </a:r>
+          </a:p>
+        </p:txBody>
+      </p:sp>
+      <p:sp>
+        <p:nvSpPr>
+          <p:cNvPr id="3" name="Content Placeholder 2">
+            <a:extLst>
+              <a:ext uri="{FF2B5EF4-FFF2-40B4-BE49-F238E27FC236}">
+                <a16:creationId xmlns:a16="http://schemas.microsoft.com/office/drawing/2014/main" id="{6ADD2073-E7C2-6696-3215-920201AC097F}"/>
+              </a:ext>
+            </a:extLst>
+          </p:cNvPr>
+          <p:cNvSpPr>
+            <a:spLocks noGrp="1"/>
+          </p:cNvSpPr>
+          <p:nvPr>
+            <p:ph idx="1"/>
+          </p:nvPr>
+        </p:nvSpPr>
+        <p:spPr>
+          <a:xfrm>
+            <a:off x="838201" y="1825625"/>
+            <a:ext cx="7096432" cy="4351338"/>
+          </a:xfrm>
+        </p:spPr>
+        <p:txBody>
+          <a:bodyPr>
+            <a:normAutofit lnSpcReduction="10000"/>
+          </a:bodyPr>
+          <a:lstStyle/>
+          <a:p>
+            <a:r>
+              <a:rPr lang="en-US" dirty="0"/>
+              <a:t>The plot above illustrates the cumulative explained variance ratio by the number of principal components. Each point on the curve represents the cumulative proportion of total variance explained as we incrementally add principal components. This visualization can help in determining the optimal number of principal components to retain, balancing the goal of dimensionality reduction with preserving a sufficient amount of information from the original dataset.</a:t>
+            </a:r>
+          </a:p>
+        </p:txBody>
+      </p:sp>
+      <p:pic>
+        <p:nvPicPr>
+          <p:cNvPr id="5" name="Picture 4">
+            <a:extLst>
+              <a:ext uri="{FF2B5EF4-FFF2-40B4-BE49-F238E27FC236}">
+                <a16:creationId xmlns:a16="http://schemas.microsoft.com/office/drawing/2014/main" id="{E65B254E-0394-E3CC-2307-79C3005DB110}"/>
+              </a:ext>
+            </a:extLst>
+          </p:cNvPr>
+          <p:cNvPicPr>
+            <a:picLocks noChangeAspect="1"/>
+          </p:cNvPicPr>
+          <p:nvPr/>
+        </p:nvPicPr>
+        <p:blipFill>
+          <a:blip r:embed="rId2"/>
+          <a:stretch>
+            <a:fillRect/>
+          </a:stretch>
+        </p:blipFill>
+        <p:spPr>
+          <a:xfrm>
+            <a:off x="7934633" y="2306690"/>
+            <a:ext cx="4079018" cy="3059262"/>
+          </a:xfrm>
+          <a:prstGeom prst="rect">
+            <a:avLst/>
+          </a:prstGeom>
+        </p:spPr>
+      </p:pic>
+    </p:spTree>
+    <p:extLst>
+      <p:ext uri="{BB962C8B-B14F-4D97-AF65-F5344CB8AC3E}">
+        <p14:creationId xmlns:p14="http://schemas.microsoft.com/office/powerpoint/2010/main" val="1501103916"/>
+      </p:ext>
+    </p:extLst>
+  </p:cSld>
+  <p:clrMapOvr>
+    <a:masterClrMapping/>
+  </p:clrMapOvr>
+</p:sld>
+</file>
+
+<file path=ppt/slides/slide84.xml><?xml version="1.0" encoding="utf-8"?>
+<p:sld xmlns:a="http://schemas.openxmlformats.org/drawingml/2006/main" xmlns:r="http://schemas.openxmlformats.org/officeDocument/2006/relationships" xmlns:p="http://schemas.openxmlformats.org/presentationml/2006/main">
+  <p:cSld>
+    <p:spTree>
+      <p:nvGrpSpPr>
+        <p:cNvPr id="1" name=""/>
+        <p:cNvGrpSpPr/>
+        <p:nvPr/>
+      </p:nvGrpSpPr>
+      <p:grpSpPr>
+        <a:xfrm>
+          <a:off x="0" y="0"/>
+          <a:ext cx="0" cy="0"/>
+          <a:chOff x="0" y="0"/>
+          <a:chExt cx="0" cy="0"/>
+        </a:xfrm>
+      </p:grpSpPr>
+      <p:sp>
+        <p:nvSpPr>
+          <p:cNvPr id="2" name="Title 1">
+            <a:extLst>
+              <a:ext uri="{FF2B5EF4-FFF2-40B4-BE49-F238E27FC236}">
+                <a16:creationId xmlns:a16="http://schemas.microsoft.com/office/drawing/2014/main" id="{DA04DF46-1AC5-AF32-06D5-9DB14AF82E71}"/>
+              </a:ext>
+            </a:extLst>
+          </p:cNvPr>
+          <p:cNvSpPr>
+            <a:spLocks noGrp="1"/>
+          </p:cNvSpPr>
+          <p:nvPr>
+            <p:ph type="title"/>
+          </p:nvPr>
+        </p:nvSpPr>
+        <p:spPr/>
+        <p:txBody>
+          <a:bodyPr/>
+          <a:lstStyle/>
+          <a:p>
+            <a:r>
+              <a:rPr lang="en-US" dirty="0"/>
+              <a:t>What is Confusion Matrix?</a:t>
+            </a:r>
+          </a:p>
+        </p:txBody>
+      </p:sp>
+      <p:sp>
+        <p:nvSpPr>
+          <p:cNvPr id="3" name="Content Placeholder 2">
+            <a:extLst>
+              <a:ext uri="{FF2B5EF4-FFF2-40B4-BE49-F238E27FC236}">
+                <a16:creationId xmlns:a16="http://schemas.microsoft.com/office/drawing/2014/main" id="{297C7863-9503-B6A6-AAD4-F27BBA130D77}"/>
+              </a:ext>
+            </a:extLst>
+          </p:cNvPr>
+          <p:cNvSpPr>
+            <a:spLocks noGrp="1"/>
+          </p:cNvSpPr>
+          <p:nvPr>
+            <p:ph idx="1"/>
+          </p:nvPr>
+        </p:nvSpPr>
+        <p:spPr/>
+        <p:txBody>
+          <a:bodyPr/>
+          <a:lstStyle/>
+          <a:p>
+            <a:r>
+              <a:rPr lang="en-US" dirty="0"/>
+              <a:t>A Confusion Matrix is a table used to evaluate the performance of a classification model.</a:t>
+            </a:r>
+          </a:p>
+          <a:p>
+            <a:endParaRPr lang="en-US" dirty="0"/>
+          </a:p>
+        </p:txBody>
+      </p:sp>
+      <p:graphicFrame>
+        <p:nvGraphicFramePr>
+          <p:cNvPr id="4" name="Table 3">
+            <a:extLst>
+              <a:ext uri="{FF2B5EF4-FFF2-40B4-BE49-F238E27FC236}">
+                <a16:creationId xmlns:a16="http://schemas.microsoft.com/office/drawing/2014/main" id="{BE02E002-7D09-03AC-102F-2B657B8F7D24}"/>
+              </a:ext>
+            </a:extLst>
+          </p:cNvPr>
+          <p:cNvGraphicFramePr>
+            <a:graphicFrameLocks noGrp="1"/>
+          </p:cNvGraphicFramePr>
+          <p:nvPr/>
+        </p:nvGraphicFramePr>
+        <p:xfrm>
+          <a:off x="838200" y="3406934"/>
+          <a:ext cx="10515600" cy="1188720"/>
+        </p:xfrm>
+        <a:graphic>
+          <a:graphicData uri="http://schemas.openxmlformats.org/drawingml/2006/table">
+            <a:tbl>
+              <a:tblPr/>
+              <a:tblGrid>
+                <a:gridCol w="3505200">
+                  <a:extLst>
+                    <a:ext uri="{9D8B030D-6E8A-4147-A177-3AD203B41FA5}">
+                      <a16:colId xmlns:a16="http://schemas.microsoft.com/office/drawing/2014/main" val="2763094516"/>
+                    </a:ext>
+                  </a:extLst>
+                </a:gridCol>
+                <a:gridCol w="3505200">
+                  <a:extLst>
+                    <a:ext uri="{9D8B030D-6E8A-4147-A177-3AD203B41FA5}">
+                      <a16:colId xmlns:a16="http://schemas.microsoft.com/office/drawing/2014/main" val="3574476849"/>
+                    </a:ext>
+                  </a:extLst>
+                </a:gridCol>
+                <a:gridCol w="3505200">
+                  <a:extLst>
+                    <a:ext uri="{9D8B030D-6E8A-4147-A177-3AD203B41FA5}">
+                      <a16:colId xmlns:a16="http://schemas.microsoft.com/office/drawing/2014/main" val="127690514"/>
+                    </a:ext>
+                  </a:extLst>
+                </a:gridCol>
+              </a:tblGrid>
+              <a:tr h="0">
+                <a:tc>
+                  <a:txBody>
+                    <a:bodyPr/>
+                    <a:lstStyle/>
+                    <a:p>
+                      <a:pPr rtl="0">
+                        <a:buNone/>
+                      </a:pPr>
+                      <a:endParaRPr lang="en-US">
+                        <a:solidFill>
+                          <a:srgbClr val="1F1F1F"/>
+                        </a:solidFill>
+                        <a:effectLst/>
+                        <a:latin typeface="Google Sans Text"/>
+                      </a:endParaRPr>
+                    </a:p>
+                  </a:txBody>
+                  <a:tcPr marT="60960" marB="60960" anchor="ctr">
+                    <a:lnL w="7620" cap="flat" cmpd="sng" algn="ctr">
+                      <a:solidFill>
+                        <a:schemeClr val="bg1"/>
+                      </a:solidFill>
+                      <a:prstDash val="solid"/>
+                      <a:round/>
+                      <a:headEnd type="none" w="med" len="med"/>
+                      <a:tailEnd type="none" w="med" len="med"/>
+                    </a:lnL>
+                    <a:lnR w="7620" cap="flat" cmpd="sng" algn="ctr">
+                      <a:solidFill>
+                        <a:schemeClr val="bg1"/>
+                      </a:solidFill>
+                      <a:prstDash val="solid"/>
+                      <a:round/>
+                      <a:headEnd type="none" w="med" len="med"/>
+                      <a:tailEnd type="none" w="med" len="med"/>
+                    </a:lnR>
+                    <a:lnT w="7620" cap="flat" cmpd="sng" algn="ctr">
+                      <a:solidFill>
+                        <a:schemeClr val="bg1"/>
+                      </a:solidFill>
+                      <a:prstDash val="solid"/>
+                      <a:round/>
+                      <a:headEnd type="none" w="med" len="med"/>
+                      <a:tailEnd type="none" w="med" len="med"/>
+                    </a:lnT>
+                    <a:lnB w="7620" cap="flat" cmpd="sng" algn="ctr">
+                      <a:solidFill>
+                        <a:schemeClr val="bg1"/>
+                      </a:solidFill>
+                      <a:prstDash val="solid"/>
+                      <a:round/>
+                      <a:headEnd type="none" w="med" len="med"/>
+                      <a:tailEnd type="none" w="med" len="med"/>
+                    </a:lnB>
+                    <a:noFill/>
+                  </a:tcPr>
+                </a:tc>
+                <a:tc>
+                  <a:txBody>
+                    <a:bodyPr/>
+                    <a:lstStyle/>
+                    <a:p>
+                      <a:pPr rtl="0">
+                        <a:buNone/>
+                      </a:pPr>
+                      <a:r>
+                        <a:rPr lang="en-US" b="1">
+                          <a:solidFill>
+                            <a:srgbClr val="1F1F1F"/>
+                          </a:solidFill>
+                          <a:effectLst/>
+                          <a:latin typeface="Google Sans Text"/>
+                        </a:rPr>
+                        <a:t>Predicted: Positive</a:t>
+                      </a:r>
+                      <a:endParaRPr lang="en-US">
+                        <a:solidFill>
+                          <a:srgbClr val="1F1F1F"/>
+                        </a:solidFill>
+                        <a:effectLst/>
+                        <a:latin typeface="Google Sans Text"/>
+                      </a:endParaRPr>
+                    </a:p>
+                  </a:txBody>
+                  <a:tcPr marT="60960" marB="60960" anchor="ctr">
+                    <a:lnL w="7620" cap="flat" cmpd="sng" algn="ctr">
+                      <a:solidFill>
+                        <a:schemeClr val="bg1"/>
+                      </a:solidFill>
+                      <a:prstDash val="solid"/>
+                      <a:round/>
+                      <a:headEnd type="none" w="med" len="med"/>
+                      <a:tailEnd type="none" w="med" len="med"/>
+                    </a:lnL>
+                    <a:lnR w="7620" cap="flat" cmpd="sng" algn="ctr">
+                      <a:solidFill>
+                        <a:schemeClr val="bg1"/>
+                      </a:solidFill>
+                      <a:prstDash val="solid"/>
+                      <a:round/>
+                      <a:headEnd type="none" w="med" len="med"/>
+                      <a:tailEnd type="none" w="med" len="med"/>
+                    </a:lnR>
+                    <a:lnT w="7620" cap="flat" cmpd="sng" algn="ctr">
+                      <a:solidFill>
+                        <a:schemeClr val="bg1"/>
+                      </a:solidFill>
+                      <a:prstDash val="solid"/>
+                      <a:round/>
+                      <a:headEnd type="none" w="med" len="med"/>
+                      <a:tailEnd type="none" w="med" len="med"/>
+                    </a:lnT>
+                    <a:lnB w="7620" cap="flat" cmpd="sng" algn="ctr">
+                      <a:solidFill>
+                        <a:schemeClr val="bg1"/>
+                      </a:solidFill>
+                      <a:prstDash val="solid"/>
+                      <a:round/>
+                      <a:headEnd type="none" w="med" len="med"/>
+                      <a:tailEnd type="none" w="med" len="med"/>
+                    </a:lnB>
+                    <a:noFill/>
+                  </a:tcPr>
+                </a:tc>
+                <a:tc>
+                  <a:txBody>
+                    <a:bodyPr/>
+                    <a:lstStyle/>
+                    <a:p>
+                      <a:pPr rtl="0">
+                        <a:buNone/>
+                      </a:pPr>
+                      <a:r>
+                        <a:rPr lang="en-US" b="1">
+                          <a:solidFill>
+                            <a:srgbClr val="1F1F1F"/>
+                          </a:solidFill>
+                          <a:effectLst/>
+                          <a:latin typeface="Google Sans Text"/>
+                        </a:rPr>
+                        <a:t>Predicted: Negative</a:t>
+                      </a:r>
+                      <a:endParaRPr lang="en-US">
+                        <a:solidFill>
+                          <a:srgbClr val="1F1F1F"/>
+                        </a:solidFill>
+                        <a:effectLst/>
+                        <a:latin typeface="Google Sans Text"/>
+                      </a:endParaRPr>
+                    </a:p>
+                  </a:txBody>
+                  <a:tcPr marT="60960" marB="60960" anchor="ctr">
+                    <a:lnL w="7620" cap="flat" cmpd="sng" algn="ctr">
+                      <a:solidFill>
+                        <a:schemeClr val="bg1"/>
+                      </a:solidFill>
+                      <a:prstDash val="solid"/>
+                      <a:round/>
+                      <a:headEnd type="none" w="med" len="med"/>
+                      <a:tailEnd type="none" w="med" len="med"/>
+                    </a:lnL>
+                    <a:lnR w="7620" cap="flat" cmpd="sng" algn="ctr">
+                      <a:solidFill>
+                        <a:schemeClr val="bg1"/>
+                      </a:solidFill>
+                      <a:prstDash val="solid"/>
+                      <a:round/>
+                      <a:headEnd type="none" w="med" len="med"/>
+                      <a:tailEnd type="none" w="med" len="med"/>
+                    </a:lnR>
+                    <a:lnT w="7620" cap="flat" cmpd="sng" algn="ctr">
+                      <a:solidFill>
+                        <a:schemeClr val="bg1"/>
+                      </a:solidFill>
+                      <a:prstDash val="solid"/>
+                      <a:round/>
+                      <a:headEnd type="none" w="med" len="med"/>
+                      <a:tailEnd type="none" w="med" len="med"/>
+                    </a:lnT>
+                    <a:lnB w="7620" cap="flat" cmpd="sng" algn="ctr">
+                      <a:solidFill>
+                        <a:schemeClr val="bg1"/>
+                      </a:solidFill>
+                      <a:prstDash val="solid"/>
+                      <a:round/>
+                      <a:headEnd type="none" w="med" len="med"/>
+                      <a:tailEnd type="none" w="med" len="med"/>
+                    </a:lnB>
+                    <a:noFill/>
+                  </a:tcPr>
+                </a:tc>
+                <a:extLst>
+                  <a:ext uri="{0D108BD9-81ED-4DB2-BD59-A6C34878D82A}">
+                    <a16:rowId xmlns:a16="http://schemas.microsoft.com/office/drawing/2014/main" val="1191817396"/>
+                  </a:ext>
+                </a:extLst>
+              </a:tr>
+              <a:tr h="0">
+                <a:tc>
+                  <a:txBody>
+                    <a:bodyPr/>
+                    <a:lstStyle/>
+                    <a:p>
+                      <a:pPr rtl="0">
+                        <a:buNone/>
+                      </a:pPr>
+                      <a:r>
+                        <a:rPr lang="en-US" b="1">
+                          <a:solidFill>
+                            <a:srgbClr val="1F1F1F"/>
+                          </a:solidFill>
+                          <a:effectLst/>
+                          <a:latin typeface="Google Sans Text"/>
+                        </a:rPr>
+                        <a:t>Actual: Positive</a:t>
+                      </a:r>
+                      <a:endParaRPr lang="en-US">
+                        <a:solidFill>
+                          <a:srgbClr val="1F1F1F"/>
+                        </a:solidFill>
+                        <a:effectLst/>
+                        <a:latin typeface="Google Sans Text"/>
+                      </a:endParaRPr>
+                    </a:p>
+                  </a:txBody>
+                  <a:tcPr marT="60960" marB="60960" anchor="ctr">
+                    <a:lnL w="7620" cap="flat" cmpd="sng" algn="ctr">
+                      <a:solidFill>
+                        <a:schemeClr val="bg1"/>
+                      </a:solidFill>
+                      <a:prstDash val="solid"/>
+                      <a:round/>
+                      <a:headEnd type="none" w="med" len="med"/>
+                      <a:tailEnd type="none" w="med" len="med"/>
+                    </a:lnL>
+                    <a:lnR w="7620" cap="flat" cmpd="sng" algn="ctr">
+                      <a:solidFill>
+                        <a:schemeClr val="bg1"/>
+                      </a:solidFill>
+                      <a:prstDash val="solid"/>
+                      <a:round/>
+                      <a:headEnd type="none" w="med" len="med"/>
+                      <a:tailEnd type="none" w="med" len="med"/>
+                    </a:lnR>
+                    <a:lnT w="7620" cap="flat" cmpd="sng" algn="ctr">
+                      <a:solidFill>
+                        <a:schemeClr val="bg1"/>
+                      </a:solidFill>
+                      <a:prstDash val="solid"/>
+                      <a:round/>
+                      <a:headEnd type="none" w="med" len="med"/>
+                      <a:tailEnd type="none" w="med" len="med"/>
+                    </a:lnT>
+                    <a:lnB w="7620" cap="flat" cmpd="sng" algn="ctr">
+                      <a:solidFill>
+                        <a:schemeClr val="bg1"/>
+                      </a:solidFill>
+                      <a:prstDash val="solid"/>
+                      <a:round/>
+                      <a:headEnd type="none" w="med" len="med"/>
+                      <a:tailEnd type="none" w="med" len="med"/>
+                    </a:lnB>
+                    <a:noFill/>
+                  </a:tcPr>
+                </a:tc>
+                <a:tc>
+                  <a:txBody>
+                    <a:bodyPr/>
+                    <a:lstStyle/>
+                    <a:p>
+                      <a:pPr rtl="0">
+                        <a:buNone/>
+                      </a:pPr>
+                      <a:r>
+                        <a:rPr lang="en-US" b="1">
+                          <a:solidFill>
+                            <a:srgbClr val="1F1F1F"/>
+                          </a:solidFill>
+                          <a:effectLst/>
+                          <a:latin typeface="Google Sans Text"/>
+                        </a:rPr>
+                        <a:t>True Positive (TP)</a:t>
+                      </a:r>
+                      <a:endParaRPr lang="en-US">
+                        <a:solidFill>
+                          <a:srgbClr val="1F1F1F"/>
+                        </a:solidFill>
+                        <a:effectLst/>
+                        <a:latin typeface="Google Sans Text"/>
+                      </a:endParaRPr>
+                    </a:p>
+                  </a:txBody>
+                  <a:tcPr marT="60960" marB="60960" anchor="ctr">
+                    <a:lnL w="7620" cap="flat" cmpd="sng" algn="ctr">
+                      <a:solidFill>
+                        <a:schemeClr val="bg1"/>
+                      </a:solidFill>
+                      <a:prstDash val="solid"/>
+                      <a:round/>
+                      <a:headEnd type="none" w="med" len="med"/>
+                      <a:tailEnd type="none" w="med" len="med"/>
+                    </a:lnL>
+                    <a:lnR w="7620" cap="flat" cmpd="sng" algn="ctr">
+                      <a:solidFill>
+                        <a:schemeClr val="bg1"/>
+                      </a:solidFill>
+                      <a:prstDash val="solid"/>
+                      <a:round/>
+                      <a:headEnd type="none" w="med" len="med"/>
+                      <a:tailEnd type="none" w="med" len="med"/>
+                    </a:lnR>
+                    <a:lnT w="7620" cap="flat" cmpd="sng" algn="ctr">
+                      <a:solidFill>
+                        <a:schemeClr val="bg1"/>
+                      </a:solidFill>
+                      <a:prstDash val="solid"/>
+                      <a:round/>
+                      <a:headEnd type="none" w="med" len="med"/>
+                      <a:tailEnd type="none" w="med" len="med"/>
+                    </a:lnT>
+                    <a:lnB w="7620" cap="flat" cmpd="sng" algn="ctr">
+                      <a:solidFill>
+                        <a:schemeClr val="bg1"/>
+                      </a:solidFill>
+                      <a:prstDash val="solid"/>
+                      <a:round/>
+                      <a:headEnd type="none" w="med" len="med"/>
+                      <a:tailEnd type="none" w="med" len="med"/>
+                    </a:lnB>
+                    <a:noFill/>
+                  </a:tcPr>
+                </a:tc>
+                <a:tc>
+                  <a:txBody>
+                    <a:bodyPr/>
+                    <a:lstStyle/>
+                    <a:p>
+                      <a:pPr rtl="0">
+                        <a:buNone/>
+                      </a:pPr>
+                      <a:r>
+                        <a:rPr lang="en-US" b="1">
+                          <a:solidFill>
+                            <a:srgbClr val="1F1F1F"/>
+                          </a:solidFill>
+                          <a:effectLst/>
+                          <a:latin typeface="Google Sans Text"/>
+                        </a:rPr>
+                        <a:t>False Negative (FN)</a:t>
+                      </a:r>
+                      <a:endParaRPr lang="en-US">
+                        <a:solidFill>
+                          <a:srgbClr val="1F1F1F"/>
+                        </a:solidFill>
+                        <a:effectLst/>
+                        <a:latin typeface="Google Sans Text"/>
+                      </a:endParaRPr>
+                    </a:p>
+                  </a:txBody>
+                  <a:tcPr marT="60960" marB="60960" anchor="ctr">
+                    <a:lnL w="7620" cap="flat" cmpd="sng" algn="ctr">
+                      <a:solidFill>
+                        <a:schemeClr val="bg1"/>
+                      </a:solidFill>
+                      <a:prstDash val="solid"/>
+                      <a:round/>
+                      <a:headEnd type="none" w="med" len="med"/>
+                      <a:tailEnd type="none" w="med" len="med"/>
+                    </a:lnL>
+                    <a:lnR w="7620" cap="flat" cmpd="sng" algn="ctr">
+                      <a:solidFill>
+                        <a:schemeClr val="bg1"/>
+                      </a:solidFill>
+                      <a:prstDash val="solid"/>
+                      <a:round/>
+                      <a:headEnd type="none" w="med" len="med"/>
+                      <a:tailEnd type="none" w="med" len="med"/>
+                    </a:lnR>
+                    <a:lnT w="7620" cap="flat" cmpd="sng" algn="ctr">
+                      <a:solidFill>
+                        <a:schemeClr val="bg1"/>
+                      </a:solidFill>
+                      <a:prstDash val="solid"/>
+                      <a:round/>
+                      <a:headEnd type="none" w="med" len="med"/>
+                      <a:tailEnd type="none" w="med" len="med"/>
+                    </a:lnT>
+                    <a:lnB w="7620" cap="flat" cmpd="sng" algn="ctr">
+                      <a:solidFill>
+                        <a:schemeClr val="bg1"/>
+                      </a:solidFill>
+                      <a:prstDash val="solid"/>
+                      <a:round/>
+                      <a:headEnd type="none" w="med" len="med"/>
+                      <a:tailEnd type="none" w="med" len="med"/>
+                    </a:lnB>
+                    <a:noFill/>
+                  </a:tcPr>
+                </a:tc>
+                <a:extLst>
+                  <a:ext uri="{0D108BD9-81ED-4DB2-BD59-A6C34878D82A}">
+                    <a16:rowId xmlns:a16="http://schemas.microsoft.com/office/drawing/2014/main" val="3428249413"/>
+                  </a:ext>
+                </a:extLst>
+              </a:tr>
+              <a:tr h="0">
+                <a:tc>
+                  <a:txBody>
+                    <a:bodyPr/>
+                    <a:lstStyle/>
+                    <a:p>
+                      <a:pPr rtl="0">
+                        <a:buNone/>
+                      </a:pPr>
+                      <a:r>
+                        <a:rPr lang="en-US" b="1" dirty="0">
+                          <a:solidFill>
+                            <a:srgbClr val="1F1F1F"/>
+                          </a:solidFill>
+                          <a:effectLst/>
+                          <a:latin typeface="Google Sans Text"/>
+                        </a:rPr>
+                        <a:t>Actual: Negative</a:t>
+                      </a:r>
+                      <a:endParaRPr lang="en-US" dirty="0">
+                        <a:solidFill>
+                          <a:srgbClr val="1F1F1F"/>
+                        </a:solidFill>
+                        <a:effectLst/>
+                        <a:latin typeface="Google Sans Text"/>
+                      </a:endParaRPr>
+                    </a:p>
+                  </a:txBody>
+                  <a:tcPr marT="60960" marB="60960" anchor="ctr">
+                    <a:lnL w="7620" cap="flat" cmpd="sng" algn="ctr">
+                      <a:solidFill>
+                        <a:schemeClr val="bg1"/>
+                      </a:solidFill>
+                      <a:prstDash val="solid"/>
+                      <a:round/>
+                      <a:headEnd type="none" w="med" len="med"/>
+                      <a:tailEnd type="none" w="med" len="med"/>
+                    </a:lnL>
+                    <a:lnR w="7620" cap="flat" cmpd="sng" algn="ctr">
+                      <a:solidFill>
+                        <a:schemeClr val="bg1"/>
+                      </a:solidFill>
+                      <a:prstDash val="solid"/>
+                      <a:round/>
+                      <a:headEnd type="none" w="med" len="med"/>
+                      <a:tailEnd type="none" w="med" len="med"/>
+                    </a:lnR>
+                    <a:lnT w="7620" cap="flat" cmpd="sng" algn="ctr">
+                      <a:solidFill>
+                        <a:schemeClr val="bg1"/>
+                      </a:solidFill>
+                      <a:prstDash val="solid"/>
+                      <a:round/>
+                      <a:headEnd type="none" w="med" len="med"/>
+                      <a:tailEnd type="none" w="med" len="med"/>
+                    </a:lnT>
+                    <a:lnB w="7620" cap="flat" cmpd="sng" algn="ctr">
+                      <a:solidFill>
+                        <a:schemeClr val="bg1"/>
+                      </a:solidFill>
+                      <a:prstDash val="solid"/>
+                      <a:round/>
+                      <a:headEnd type="none" w="med" len="med"/>
+                      <a:tailEnd type="none" w="med" len="med"/>
+                    </a:lnB>
+                    <a:noFill/>
+                  </a:tcPr>
+                </a:tc>
+                <a:tc>
+                  <a:txBody>
+                    <a:bodyPr/>
+                    <a:lstStyle/>
+                    <a:p>
+                      <a:pPr rtl="0">
+                        <a:buNone/>
+                      </a:pPr>
+                      <a:r>
+                        <a:rPr lang="en-US" b="1">
+                          <a:solidFill>
+                            <a:srgbClr val="1F1F1F"/>
+                          </a:solidFill>
+                          <a:effectLst/>
+                          <a:latin typeface="Google Sans Text"/>
+                        </a:rPr>
+                        <a:t>False Positive (FP)</a:t>
+                      </a:r>
+                      <a:endParaRPr lang="en-US">
+                        <a:solidFill>
+                          <a:srgbClr val="1F1F1F"/>
+                        </a:solidFill>
+                        <a:effectLst/>
+                        <a:latin typeface="Google Sans Text"/>
+                      </a:endParaRPr>
+                    </a:p>
+                  </a:txBody>
+                  <a:tcPr marT="60960" marB="60960" anchor="ctr">
+                    <a:lnL w="7620" cap="flat" cmpd="sng" algn="ctr">
+                      <a:solidFill>
+                        <a:schemeClr val="bg1"/>
+                      </a:solidFill>
+                      <a:prstDash val="solid"/>
+                      <a:round/>
+                      <a:headEnd type="none" w="med" len="med"/>
+                      <a:tailEnd type="none" w="med" len="med"/>
+                    </a:lnL>
+                    <a:lnR w="7620" cap="flat" cmpd="sng" algn="ctr">
+                      <a:solidFill>
+                        <a:schemeClr val="bg1"/>
+                      </a:solidFill>
+                      <a:prstDash val="solid"/>
+                      <a:round/>
+                      <a:headEnd type="none" w="med" len="med"/>
+                      <a:tailEnd type="none" w="med" len="med"/>
+                    </a:lnR>
+                    <a:lnT w="7620" cap="flat" cmpd="sng" algn="ctr">
+                      <a:solidFill>
+                        <a:schemeClr val="bg1"/>
+                      </a:solidFill>
+                      <a:prstDash val="solid"/>
+                      <a:round/>
+                      <a:headEnd type="none" w="med" len="med"/>
+                      <a:tailEnd type="none" w="med" len="med"/>
+                    </a:lnT>
+                    <a:lnB w="7620" cap="flat" cmpd="sng" algn="ctr">
+                      <a:solidFill>
+                        <a:schemeClr val="bg1"/>
+                      </a:solidFill>
+                      <a:prstDash val="solid"/>
+                      <a:round/>
+                      <a:headEnd type="none" w="med" len="med"/>
+                      <a:tailEnd type="none" w="med" len="med"/>
+                    </a:lnB>
+                    <a:noFill/>
+                  </a:tcPr>
+                </a:tc>
+                <a:tc>
+                  <a:txBody>
+                    <a:bodyPr/>
+                    <a:lstStyle/>
+                    <a:p>
+                      <a:pPr rtl="0">
+                        <a:buNone/>
+                      </a:pPr>
+                      <a:r>
+                        <a:rPr lang="en-US" b="1" dirty="0">
+                          <a:solidFill>
+                            <a:srgbClr val="1F1F1F"/>
+                          </a:solidFill>
+                          <a:effectLst/>
+                          <a:latin typeface="Google Sans Text"/>
+                        </a:rPr>
+                        <a:t>True Negative (TN)</a:t>
+                      </a:r>
+                      <a:endParaRPr lang="en-US" dirty="0">
+                        <a:solidFill>
+                          <a:srgbClr val="1F1F1F"/>
+                        </a:solidFill>
+                        <a:effectLst/>
+                        <a:latin typeface="Google Sans Text"/>
+                      </a:endParaRPr>
+                    </a:p>
+                  </a:txBody>
+                  <a:tcPr marT="60960" marB="60960" anchor="ctr">
+                    <a:lnL w="7620" cap="flat" cmpd="sng" algn="ctr">
+                      <a:solidFill>
+                        <a:schemeClr val="bg1"/>
+                      </a:solidFill>
+                      <a:prstDash val="solid"/>
+                      <a:round/>
+                      <a:headEnd type="none" w="med" len="med"/>
+                      <a:tailEnd type="none" w="med" len="med"/>
+                    </a:lnL>
+                    <a:lnR w="7620" cap="flat" cmpd="sng" algn="ctr">
+                      <a:solidFill>
+                        <a:schemeClr val="bg1"/>
+                      </a:solidFill>
+                      <a:prstDash val="solid"/>
+                      <a:round/>
+                      <a:headEnd type="none" w="med" len="med"/>
+                      <a:tailEnd type="none" w="med" len="med"/>
+                    </a:lnR>
+                    <a:lnT w="7620" cap="flat" cmpd="sng" algn="ctr">
+                      <a:solidFill>
+                        <a:schemeClr val="bg1"/>
+                      </a:solidFill>
+                      <a:prstDash val="solid"/>
+                      <a:round/>
+                      <a:headEnd type="none" w="med" len="med"/>
+                      <a:tailEnd type="none" w="med" len="med"/>
+                    </a:lnT>
+                    <a:lnB w="7620" cap="flat" cmpd="sng" algn="ctr">
+                      <a:solidFill>
+                        <a:schemeClr val="bg1"/>
+                      </a:solidFill>
+                      <a:prstDash val="solid"/>
+                      <a:round/>
+                      <a:headEnd type="none" w="med" len="med"/>
+                      <a:tailEnd type="none" w="med" len="med"/>
+                    </a:lnB>
+                    <a:noFill/>
+                  </a:tcPr>
+                </a:tc>
+                <a:extLst>
+                  <a:ext uri="{0D108BD9-81ED-4DB2-BD59-A6C34878D82A}">
+                    <a16:rowId xmlns:a16="http://schemas.microsoft.com/office/drawing/2014/main" val="2645013810"/>
+                  </a:ext>
+                </a:extLst>
+              </a:tr>
+            </a:tbl>
+          </a:graphicData>
+        </a:graphic>
+      </p:graphicFrame>
+    </p:spTree>
+    <p:extLst>
+      <p:ext uri="{BB962C8B-B14F-4D97-AF65-F5344CB8AC3E}">
+        <p14:creationId xmlns:p14="http://schemas.microsoft.com/office/powerpoint/2010/main" val="2539073012"/>
+      </p:ext>
+    </p:extLst>
+  </p:cSld>
+  <p:clrMapOvr>
+    <a:masterClrMapping/>
+  </p:clrMapOvr>
+</p:sld>
+</file>
+
+<file path=ppt/slides/slide85.xml><?xml version="1.0" encoding="utf-8"?>
+<p:sld xmlns:a="http://schemas.openxmlformats.org/drawingml/2006/main" xmlns:r="http://schemas.openxmlformats.org/officeDocument/2006/relationships" xmlns:p="http://schemas.openxmlformats.org/presentationml/2006/main">
+  <p:cSld>
+    <p:spTree>
+      <p:nvGrpSpPr>
+        <p:cNvPr id="1" name=""/>
+        <p:cNvGrpSpPr/>
+        <p:nvPr/>
+      </p:nvGrpSpPr>
+      <p:grpSpPr>
+        <a:xfrm>
+          <a:off x="0" y="0"/>
+          <a:ext cx="0" cy="0"/>
+          <a:chOff x="0" y="0"/>
+          <a:chExt cx="0" cy="0"/>
+        </a:xfrm>
+      </p:grpSpPr>
+      <p:sp>
+        <p:nvSpPr>
+          <p:cNvPr id="2" name="Title 1">
+            <a:extLst>
+              <a:ext uri="{FF2B5EF4-FFF2-40B4-BE49-F238E27FC236}">
+                <a16:creationId xmlns:a16="http://schemas.microsoft.com/office/drawing/2014/main" id="{6142200A-6E0E-F35F-CE68-8E923B2EBF85}"/>
+              </a:ext>
+            </a:extLst>
+          </p:cNvPr>
+          <p:cNvSpPr>
+            <a:spLocks noGrp="1"/>
+          </p:cNvSpPr>
+          <p:nvPr>
+            <p:ph type="title"/>
+          </p:nvPr>
+        </p:nvSpPr>
+        <p:spPr/>
+        <p:txBody>
+          <a:bodyPr/>
+          <a:lstStyle/>
+          <a:p>
+            <a:endParaRPr lang="en-US"/>
+          </a:p>
+        </p:txBody>
+      </p:sp>
+      <p:sp>
+        <p:nvSpPr>
+          <p:cNvPr id="3" name="Content Placeholder 2">
+            <a:extLst>
+              <a:ext uri="{FF2B5EF4-FFF2-40B4-BE49-F238E27FC236}">
+                <a16:creationId xmlns:a16="http://schemas.microsoft.com/office/drawing/2014/main" id="{0A2D71BB-00DD-F63B-60AE-4DD9B889EA7C}"/>
+              </a:ext>
+            </a:extLst>
+          </p:cNvPr>
+          <p:cNvSpPr>
+            <a:spLocks noGrp="1"/>
+          </p:cNvSpPr>
+          <p:nvPr>
+            <p:ph idx="1"/>
+          </p:nvPr>
+        </p:nvSpPr>
+        <p:spPr/>
+        <p:txBody>
+          <a:bodyPr/>
+          <a:lstStyle/>
+          <a:p>
+            <a:r>
+              <a:rPr lang="en-US" dirty="0"/>
+              <a:t>False Positive (FP): You predicted positive, but it was negative. Also known as a Type I Error or a "False Alarm."</a:t>
+            </a:r>
+          </a:p>
+          <a:p>
+            <a:r>
+              <a:rPr lang="en-US" dirty="0"/>
+              <a:t>False Negative (FN): You predicted negative, but it was positive. Also known as a Type II Error or a "Miss."</a:t>
+            </a:r>
+          </a:p>
+        </p:txBody>
+      </p:sp>
+    </p:spTree>
+    <p:extLst>
+      <p:ext uri="{BB962C8B-B14F-4D97-AF65-F5344CB8AC3E}">
+        <p14:creationId xmlns:p14="http://schemas.microsoft.com/office/powerpoint/2010/main" val="694530784"/>
       </p:ext>
     </p:extLst>
   </p:cSld>

--- a/NN and ML Lab.pptx
+++ b/NN and ML Lab.pptx
@@ -5,7 +5,7 @@
     <p:sldMasterId id="2147483648" r:id="rId1"/>
   </p:sldMasterIdLst>
   <p:notesMasterIdLst>
-    <p:notesMasterId r:id="rId87"/>
+    <p:notesMasterId r:id="rId94"/>
   </p:notesMasterIdLst>
   <p:sldIdLst>
     <p:sldId id="256" r:id="rId2"/>
@@ -93,6 +93,13 @@
     <p:sldId id="328" r:id="rId84"/>
     <p:sldId id="339" r:id="rId85"/>
     <p:sldId id="340" r:id="rId86"/>
+    <p:sldId id="342" r:id="rId87"/>
+    <p:sldId id="343" r:id="rId88"/>
+    <p:sldId id="344" r:id="rId89"/>
+    <p:sldId id="345" r:id="rId90"/>
+    <p:sldId id="346" r:id="rId91"/>
+    <p:sldId id="347" r:id="rId92"/>
+    <p:sldId id="348" r:id="rId93"/>
   </p:sldIdLst>
   <p:sldSz cx="12192000" cy="6858000"/>
   <p:notesSz cx="6858000" cy="9144000"/>
@@ -281,7 +288,7 @@
           <a:p>
             <a:fld id="{2487D191-AEAF-43D4-B7CB-ABFDF953F465}" type="datetimeFigureOut">
               <a:rPr lang="en-US" smtClean="0"/>
-              <a:t>1/20/2026</a:t>
+              <a:t>1/21/2026</a:t>
             </a:fld>
             <a:endParaRPr lang="en-US"/>
           </a:p>
@@ -779,7 +786,7 @@
           <a:p>
             <a:fld id="{48286CC0-6554-4CA2-8F84-7AA0440F57D0}" type="datetimeFigureOut">
               <a:rPr lang="en-US" smtClean="0"/>
-              <a:t>1/20/2026</a:t>
+              <a:t>1/21/2026</a:t>
             </a:fld>
             <a:endParaRPr lang="en-US"/>
           </a:p>
@@ -977,7 +984,7 @@
           <a:p>
             <a:fld id="{48286CC0-6554-4CA2-8F84-7AA0440F57D0}" type="datetimeFigureOut">
               <a:rPr lang="en-US" smtClean="0"/>
-              <a:t>1/20/2026</a:t>
+              <a:t>1/21/2026</a:t>
             </a:fld>
             <a:endParaRPr lang="en-US"/>
           </a:p>
@@ -1185,7 +1192,7 @@
           <a:p>
             <a:fld id="{48286CC0-6554-4CA2-8F84-7AA0440F57D0}" type="datetimeFigureOut">
               <a:rPr lang="en-US" smtClean="0"/>
-              <a:t>1/20/2026</a:t>
+              <a:t>1/21/2026</a:t>
             </a:fld>
             <a:endParaRPr lang="en-US"/>
           </a:p>
@@ -1383,7 +1390,7 @@
           <a:p>
             <a:fld id="{48286CC0-6554-4CA2-8F84-7AA0440F57D0}" type="datetimeFigureOut">
               <a:rPr lang="en-US" smtClean="0"/>
-              <a:t>1/20/2026</a:t>
+              <a:t>1/21/2026</a:t>
             </a:fld>
             <a:endParaRPr lang="en-US"/>
           </a:p>
@@ -1658,7 +1665,7 @@
           <a:p>
             <a:fld id="{48286CC0-6554-4CA2-8F84-7AA0440F57D0}" type="datetimeFigureOut">
               <a:rPr lang="en-US" smtClean="0"/>
-              <a:t>1/20/2026</a:t>
+              <a:t>1/21/2026</a:t>
             </a:fld>
             <a:endParaRPr lang="en-US"/>
           </a:p>
@@ -1923,7 +1930,7 @@
           <a:p>
             <a:fld id="{48286CC0-6554-4CA2-8F84-7AA0440F57D0}" type="datetimeFigureOut">
               <a:rPr lang="en-US" smtClean="0"/>
-              <a:t>1/20/2026</a:t>
+              <a:t>1/21/2026</a:t>
             </a:fld>
             <a:endParaRPr lang="en-US"/>
           </a:p>
@@ -2335,7 +2342,7 @@
           <a:p>
             <a:fld id="{48286CC0-6554-4CA2-8F84-7AA0440F57D0}" type="datetimeFigureOut">
               <a:rPr lang="en-US" smtClean="0"/>
-              <a:t>1/20/2026</a:t>
+              <a:t>1/21/2026</a:t>
             </a:fld>
             <a:endParaRPr lang="en-US"/>
           </a:p>
@@ -2476,7 +2483,7 @@
           <a:p>
             <a:fld id="{48286CC0-6554-4CA2-8F84-7AA0440F57D0}" type="datetimeFigureOut">
               <a:rPr lang="en-US" smtClean="0"/>
-              <a:t>1/20/2026</a:t>
+              <a:t>1/21/2026</a:t>
             </a:fld>
             <a:endParaRPr lang="en-US"/>
           </a:p>
@@ -2589,7 +2596,7 @@
           <a:p>
             <a:fld id="{48286CC0-6554-4CA2-8F84-7AA0440F57D0}" type="datetimeFigureOut">
               <a:rPr lang="en-US" smtClean="0"/>
-              <a:t>1/20/2026</a:t>
+              <a:t>1/21/2026</a:t>
             </a:fld>
             <a:endParaRPr lang="en-US"/>
           </a:p>
@@ -2900,7 +2907,7 @@
           <a:p>
             <a:fld id="{48286CC0-6554-4CA2-8F84-7AA0440F57D0}" type="datetimeFigureOut">
               <a:rPr lang="en-US" smtClean="0"/>
-              <a:t>1/20/2026</a:t>
+              <a:t>1/21/2026</a:t>
             </a:fld>
             <a:endParaRPr lang="en-US"/>
           </a:p>
@@ -3188,7 +3195,7 @@
           <a:p>
             <a:fld id="{48286CC0-6554-4CA2-8F84-7AA0440F57D0}" type="datetimeFigureOut">
               <a:rPr lang="en-US" smtClean="0"/>
-              <a:t>1/20/2026</a:t>
+              <a:t>1/21/2026</a:t>
             </a:fld>
             <a:endParaRPr lang="en-US"/>
           </a:p>
@@ -3429,7 +3436,7 @@
           <a:p>
             <a:fld id="{48286CC0-6554-4CA2-8F84-7AA0440F57D0}" type="datetimeFigureOut">
               <a:rPr lang="en-US" smtClean="0"/>
-              <a:t>1/20/2026</a:t>
+              <a:t>1/21/2026</a:t>
             </a:fld>
             <a:endParaRPr lang="en-US"/>
           </a:p>
@@ -13179,6 +13186,368 @@
 </p:sld>
 </file>
 
+<file path=ppt/slides/slide86.xml><?xml version="1.0" encoding="utf-8"?>
+<p:sld xmlns:a="http://schemas.openxmlformats.org/drawingml/2006/main" xmlns:r="http://schemas.openxmlformats.org/officeDocument/2006/relationships" xmlns:p="http://schemas.openxmlformats.org/presentationml/2006/main">
+  <p:cSld>
+    <p:spTree>
+      <p:nvGrpSpPr>
+        <p:cNvPr id="1" name=""/>
+        <p:cNvGrpSpPr/>
+        <p:nvPr/>
+      </p:nvGrpSpPr>
+      <p:grpSpPr>
+        <a:xfrm>
+          <a:off x="0" y="0"/>
+          <a:ext cx="0" cy="0"/>
+          <a:chOff x="0" y="0"/>
+          <a:chExt cx="0" cy="0"/>
+        </a:xfrm>
+      </p:grpSpPr>
+      <p:sp>
+        <p:nvSpPr>
+          <p:cNvPr id="2" name="Title 1">
+            <a:extLst>
+              <a:ext uri="{FF2B5EF4-FFF2-40B4-BE49-F238E27FC236}">
+                <a16:creationId xmlns:a16="http://schemas.microsoft.com/office/drawing/2014/main" id="{8C8E6CD3-E97E-6730-985D-7750BC2E7EF8}"/>
+              </a:ext>
+            </a:extLst>
+          </p:cNvPr>
+          <p:cNvSpPr>
+            <a:spLocks noGrp="1"/>
+          </p:cNvSpPr>
+          <p:nvPr>
+            <p:ph type="title"/>
+          </p:nvPr>
+        </p:nvSpPr>
+        <p:spPr/>
+        <p:txBody>
+          <a:bodyPr/>
+          <a:lstStyle/>
+          <a:p>
+            <a:r>
+              <a:rPr lang="en-US" dirty="0"/>
+              <a:t>What is Recurrent Neural Network?</a:t>
+            </a:r>
+          </a:p>
+        </p:txBody>
+      </p:sp>
+      <p:sp>
+        <p:nvSpPr>
+          <p:cNvPr id="3" name="Content Placeholder 2">
+            <a:extLst>
+              <a:ext uri="{FF2B5EF4-FFF2-40B4-BE49-F238E27FC236}">
+                <a16:creationId xmlns:a16="http://schemas.microsoft.com/office/drawing/2014/main" id="{5B1B61EC-ECF2-0DD6-05A9-41A96725E1C7}"/>
+              </a:ext>
+            </a:extLst>
+          </p:cNvPr>
+          <p:cNvSpPr>
+            <a:spLocks noGrp="1"/>
+          </p:cNvSpPr>
+          <p:nvPr>
+            <p:ph idx="1"/>
+          </p:nvPr>
+        </p:nvSpPr>
+        <p:spPr/>
+        <p:txBody>
+          <a:bodyPr/>
+          <a:lstStyle/>
+          <a:p>
+            <a:r>
+              <a:rPr lang="en-US" dirty="0"/>
+              <a:t>An RNN (Recurrent Neural Network) is a type of deep learning model designed for sequential data, like text or time series, that uses internal memory (a "hidden state") to process inputs by considering past information, allowing it to understand context and dependencies within a sequence to make predictions, such as in language translation or speech recognition.</a:t>
+            </a:r>
+          </a:p>
+        </p:txBody>
+      </p:sp>
+    </p:spTree>
+    <p:extLst>
+      <p:ext uri="{BB962C8B-B14F-4D97-AF65-F5344CB8AC3E}">
+        <p14:creationId xmlns:p14="http://schemas.microsoft.com/office/powerpoint/2010/main" val="3149847689"/>
+      </p:ext>
+    </p:extLst>
+  </p:cSld>
+  <p:clrMapOvr>
+    <a:masterClrMapping/>
+  </p:clrMapOvr>
+</p:sld>
+</file>
+
+<file path=ppt/slides/slide87.xml><?xml version="1.0" encoding="utf-8"?>
+<p:sld xmlns:a="http://schemas.openxmlformats.org/drawingml/2006/main" xmlns:r="http://schemas.openxmlformats.org/officeDocument/2006/relationships" xmlns:p="http://schemas.openxmlformats.org/presentationml/2006/main">
+  <p:cSld>
+    <p:spTree>
+      <p:nvGrpSpPr>
+        <p:cNvPr id="1" name=""/>
+        <p:cNvGrpSpPr/>
+        <p:nvPr/>
+      </p:nvGrpSpPr>
+      <p:grpSpPr>
+        <a:xfrm>
+          <a:off x="0" y="0"/>
+          <a:ext cx="0" cy="0"/>
+          <a:chOff x="0" y="0"/>
+          <a:chExt cx="0" cy="0"/>
+        </a:xfrm>
+      </p:grpSpPr>
+      <p:sp>
+        <p:nvSpPr>
+          <p:cNvPr id="2" name="Title 1">
+            <a:extLst>
+              <a:ext uri="{FF2B5EF4-FFF2-40B4-BE49-F238E27FC236}">
+                <a16:creationId xmlns:a16="http://schemas.microsoft.com/office/drawing/2014/main" id="{99DDD0BE-5944-19B6-F240-DF9D342A3745}"/>
+              </a:ext>
+            </a:extLst>
+          </p:cNvPr>
+          <p:cNvSpPr>
+            <a:spLocks noGrp="1"/>
+          </p:cNvSpPr>
+          <p:nvPr>
+            <p:ph type="title"/>
+          </p:nvPr>
+        </p:nvSpPr>
+        <p:spPr/>
+        <p:txBody>
+          <a:bodyPr/>
+          <a:lstStyle/>
+          <a:p>
+            <a:r>
+              <a:rPr lang="en-US" dirty="0"/>
+              <a:t>Recurrent Neural Network</a:t>
+            </a:r>
+          </a:p>
+        </p:txBody>
+      </p:sp>
+      <p:pic>
+        <p:nvPicPr>
+          <p:cNvPr id="4" name="Content Placeholder 3">
+            <a:extLst>
+              <a:ext uri="{FF2B5EF4-FFF2-40B4-BE49-F238E27FC236}">
+                <a16:creationId xmlns:a16="http://schemas.microsoft.com/office/drawing/2014/main" id="{BFA52D94-DE7D-8EB3-3676-EB521A06E96B}"/>
+              </a:ext>
+            </a:extLst>
+          </p:cNvPr>
+          <p:cNvPicPr>
+            <a:picLocks noGrp="1" noChangeAspect="1"/>
+          </p:cNvPicPr>
+          <p:nvPr>
+            <p:ph idx="1"/>
+          </p:nvPr>
+        </p:nvPicPr>
+        <p:blipFill>
+          <a:blip r:embed="rId2"/>
+          <a:stretch>
+            <a:fillRect/>
+          </a:stretch>
+        </p:blipFill>
+        <p:spPr>
+          <a:xfrm>
+            <a:off x="3156838" y="1825625"/>
+            <a:ext cx="5878324" cy="4351338"/>
+          </a:xfrm>
+          <a:prstGeom prst="rect">
+            <a:avLst/>
+          </a:prstGeom>
+        </p:spPr>
+      </p:pic>
+    </p:spTree>
+    <p:extLst>
+      <p:ext uri="{BB962C8B-B14F-4D97-AF65-F5344CB8AC3E}">
+        <p14:creationId xmlns:p14="http://schemas.microsoft.com/office/powerpoint/2010/main" val="2090420439"/>
+      </p:ext>
+    </p:extLst>
+  </p:cSld>
+  <p:clrMapOvr>
+    <a:masterClrMapping/>
+  </p:clrMapOvr>
+</p:sld>
+</file>
+
+<file path=ppt/slides/slide88.xml><?xml version="1.0" encoding="utf-8"?>
+<p:sld xmlns:a="http://schemas.openxmlformats.org/drawingml/2006/main" xmlns:r="http://schemas.openxmlformats.org/officeDocument/2006/relationships" xmlns:p="http://schemas.openxmlformats.org/presentationml/2006/main">
+  <p:cSld>
+    <p:spTree>
+      <p:nvGrpSpPr>
+        <p:cNvPr id="1" name="">
+          <a:extLst>
+            <a:ext uri="{FF2B5EF4-FFF2-40B4-BE49-F238E27FC236}">
+              <a16:creationId xmlns:a16="http://schemas.microsoft.com/office/drawing/2014/main" id="{896B0331-4CD8-E28E-85B3-01D7DCE03D1B}"/>
+            </a:ext>
+          </a:extLst>
+        </p:cNvPr>
+        <p:cNvGrpSpPr/>
+        <p:nvPr/>
+      </p:nvGrpSpPr>
+      <p:grpSpPr>
+        <a:xfrm>
+          <a:off x="0" y="0"/>
+          <a:ext cx="0" cy="0"/>
+          <a:chOff x="0" y="0"/>
+          <a:chExt cx="0" cy="0"/>
+        </a:xfrm>
+      </p:grpSpPr>
+      <p:sp>
+        <p:nvSpPr>
+          <p:cNvPr id="2" name="Title 1">
+            <a:extLst>
+              <a:ext uri="{FF2B5EF4-FFF2-40B4-BE49-F238E27FC236}">
+                <a16:creationId xmlns:a16="http://schemas.microsoft.com/office/drawing/2014/main" id="{2AAE2899-2D98-18EA-0060-45F9E894AE48}"/>
+              </a:ext>
+            </a:extLst>
+          </p:cNvPr>
+          <p:cNvSpPr>
+            <a:spLocks noGrp="1"/>
+          </p:cNvSpPr>
+          <p:nvPr>
+            <p:ph type="title"/>
+          </p:nvPr>
+        </p:nvSpPr>
+        <p:spPr/>
+        <p:txBody>
+          <a:bodyPr/>
+          <a:lstStyle/>
+          <a:p>
+            <a:r>
+              <a:rPr lang="en-US" dirty="0"/>
+              <a:t>Recurrent Neural Network</a:t>
+            </a:r>
+          </a:p>
+        </p:txBody>
+      </p:sp>
+      <p:pic>
+        <p:nvPicPr>
+          <p:cNvPr id="6" name="Content Placeholder 5">
+            <a:extLst>
+              <a:ext uri="{FF2B5EF4-FFF2-40B4-BE49-F238E27FC236}">
+                <a16:creationId xmlns:a16="http://schemas.microsoft.com/office/drawing/2014/main" id="{F155F2A2-152A-7760-6665-A898AC8D3832}"/>
+              </a:ext>
+            </a:extLst>
+          </p:cNvPr>
+          <p:cNvPicPr>
+            <a:picLocks noGrp="1" noChangeAspect="1"/>
+          </p:cNvPicPr>
+          <p:nvPr>
+            <p:ph idx="1"/>
+          </p:nvPr>
+        </p:nvPicPr>
+        <p:blipFill>
+          <a:blip r:embed="rId2"/>
+          <a:stretch>
+            <a:fillRect/>
+          </a:stretch>
+        </p:blipFill>
+        <p:spPr>
+          <a:xfrm>
+            <a:off x="1219200" y="2024856"/>
+            <a:ext cx="9753600" cy="3952875"/>
+          </a:xfrm>
+          <a:prstGeom prst="rect">
+            <a:avLst/>
+          </a:prstGeom>
+        </p:spPr>
+      </p:pic>
+    </p:spTree>
+    <p:extLst>
+      <p:ext uri="{BB962C8B-B14F-4D97-AF65-F5344CB8AC3E}">
+        <p14:creationId xmlns:p14="http://schemas.microsoft.com/office/powerpoint/2010/main" val="4237964880"/>
+      </p:ext>
+    </p:extLst>
+  </p:cSld>
+  <p:clrMapOvr>
+    <a:masterClrMapping/>
+  </p:clrMapOvr>
+</p:sld>
+</file>
+
+<file path=ppt/slides/slide89.xml><?xml version="1.0" encoding="utf-8"?>
+<p:sld xmlns:a="http://schemas.openxmlformats.org/drawingml/2006/main" xmlns:r="http://schemas.openxmlformats.org/officeDocument/2006/relationships" xmlns:p="http://schemas.openxmlformats.org/presentationml/2006/main">
+  <p:cSld>
+    <p:spTree>
+      <p:nvGrpSpPr>
+        <p:cNvPr id="1" name=""/>
+        <p:cNvGrpSpPr/>
+        <p:nvPr/>
+      </p:nvGrpSpPr>
+      <p:grpSpPr>
+        <a:xfrm>
+          <a:off x="0" y="0"/>
+          <a:ext cx="0" cy="0"/>
+          <a:chOff x="0" y="0"/>
+          <a:chExt cx="0" cy="0"/>
+        </a:xfrm>
+      </p:grpSpPr>
+      <p:sp>
+        <p:nvSpPr>
+          <p:cNvPr id="2" name="Title 1">
+            <a:extLst>
+              <a:ext uri="{FF2B5EF4-FFF2-40B4-BE49-F238E27FC236}">
+                <a16:creationId xmlns:a16="http://schemas.microsoft.com/office/drawing/2014/main" id="{ADF9F093-B620-DB17-21E6-3B0988D32FE2}"/>
+              </a:ext>
+            </a:extLst>
+          </p:cNvPr>
+          <p:cNvSpPr>
+            <a:spLocks noGrp="1"/>
+          </p:cNvSpPr>
+          <p:nvPr>
+            <p:ph type="title"/>
+          </p:nvPr>
+        </p:nvSpPr>
+        <p:spPr/>
+        <p:txBody>
+          <a:bodyPr/>
+          <a:lstStyle/>
+          <a:p>
+            <a:r>
+              <a:rPr lang="en-US" dirty="0"/>
+              <a:t>Types of Recurrent Neural Network</a:t>
+            </a:r>
+          </a:p>
+        </p:txBody>
+      </p:sp>
+      <p:pic>
+        <p:nvPicPr>
+          <p:cNvPr id="4" name="Content Placeholder 3">
+            <a:extLst>
+              <a:ext uri="{FF2B5EF4-FFF2-40B4-BE49-F238E27FC236}">
+                <a16:creationId xmlns:a16="http://schemas.microsoft.com/office/drawing/2014/main" id="{7A1E6847-6404-2B56-6C93-AE6BB10C8B85}"/>
+              </a:ext>
+            </a:extLst>
+          </p:cNvPr>
+          <p:cNvPicPr>
+            <a:picLocks noGrp="1" noChangeAspect="1"/>
+          </p:cNvPicPr>
+          <p:nvPr>
+            <p:ph idx="1"/>
+          </p:nvPr>
+        </p:nvPicPr>
+        <p:blipFill>
+          <a:blip r:embed="rId2"/>
+          <a:stretch>
+            <a:fillRect/>
+          </a:stretch>
+        </p:blipFill>
+        <p:spPr>
+          <a:xfrm>
+            <a:off x="3728428" y="1825625"/>
+            <a:ext cx="4735143" cy="4351338"/>
+          </a:xfrm>
+          <a:prstGeom prst="rect">
+            <a:avLst/>
+          </a:prstGeom>
+        </p:spPr>
+      </p:pic>
+    </p:spTree>
+    <p:extLst>
+      <p:ext uri="{BB962C8B-B14F-4D97-AF65-F5344CB8AC3E}">
+        <p14:creationId xmlns:p14="http://schemas.microsoft.com/office/powerpoint/2010/main" val="2935035150"/>
+      </p:ext>
+    </p:extLst>
+  </p:cSld>
+  <p:clrMapOvr>
+    <a:masterClrMapping/>
+  </p:clrMapOvr>
+</p:sld>
+</file>
+
 <file path=ppt/slides/slide9.xml><?xml version="1.0" encoding="utf-8"?>
 <p:sld xmlns:a="http://schemas.openxmlformats.org/drawingml/2006/main" xmlns:r="http://schemas.openxmlformats.org/officeDocument/2006/relationships" xmlns:p="http://schemas.openxmlformats.org/presentationml/2006/main">
   <p:cSld>
@@ -13265,6 +13634,299 @@
     <p:extLst>
       <p:ext uri="{BB962C8B-B14F-4D97-AF65-F5344CB8AC3E}">
         <p14:creationId xmlns:p14="http://schemas.microsoft.com/office/powerpoint/2010/main" val="2691457722"/>
+      </p:ext>
+    </p:extLst>
+  </p:cSld>
+  <p:clrMapOvr>
+    <a:masterClrMapping/>
+  </p:clrMapOvr>
+</p:sld>
+</file>
+
+<file path=ppt/slides/slide90.xml><?xml version="1.0" encoding="utf-8"?>
+<p:sld xmlns:a="http://schemas.openxmlformats.org/drawingml/2006/main" xmlns:r="http://schemas.openxmlformats.org/officeDocument/2006/relationships" xmlns:p="http://schemas.openxmlformats.org/presentationml/2006/main">
+  <p:cSld>
+    <p:spTree>
+      <p:nvGrpSpPr>
+        <p:cNvPr id="1" name=""/>
+        <p:cNvGrpSpPr/>
+        <p:nvPr/>
+      </p:nvGrpSpPr>
+      <p:grpSpPr>
+        <a:xfrm>
+          <a:off x="0" y="0"/>
+          <a:ext cx="0" cy="0"/>
+          <a:chOff x="0" y="0"/>
+          <a:chExt cx="0" cy="0"/>
+        </a:xfrm>
+      </p:grpSpPr>
+      <p:sp>
+        <p:nvSpPr>
+          <p:cNvPr id="2" name="Title 1">
+            <a:extLst>
+              <a:ext uri="{FF2B5EF4-FFF2-40B4-BE49-F238E27FC236}">
+                <a16:creationId xmlns:a16="http://schemas.microsoft.com/office/drawing/2014/main" id="{51DD7521-27CE-B8BB-F0D9-C045CFF1E97F}"/>
+              </a:ext>
+            </a:extLst>
+          </p:cNvPr>
+          <p:cNvSpPr>
+            <a:spLocks noGrp="1"/>
+          </p:cNvSpPr>
+          <p:nvPr>
+            <p:ph type="title"/>
+          </p:nvPr>
+        </p:nvSpPr>
+        <p:spPr/>
+        <p:txBody>
+          <a:bodyPr/>
+          <a:lstStyle/>
+          <a:p>
+            <a:r>
+              <a:rPr lang="en-US" dirty="0"/>
+              <a:t>Recurrent Network Applications</a:t>
+            </a:r>
+          </a:p>
+        </p:txBody>
+      </p:sp>
+      <p:pic>
+        <p:nvPicPr>
+          <p:cNvPr id="4" name="Content Placeholder 3">
+            <a:extLst>
+              <a:ext uri="{FF2B5EF4-FFF2-40B4-BE49-F238E27FC236}">
+                <a16:creationId xmlns:a16="http://schemas.microsoft.com/office/drawing/2014/main" id="{1BEF3836-A646-EF87-C3A3-47E0F6328EEB}"/>
+              </a:ext>
+            </a:extLst>
+          </p:cNvPr>
+          <p:cNvPicPr>
+            <a:picLocks noGrp="1" noChangeAspect="1"/>
+          </p:cNvPicPr>
+          <p:nvPr>
+            <p:ph idx="1"/>
+          </p:nvPr>
+        </p:nvPicPr>
+        <p:blipFill>
+          <a:blip r:embed="rId2"/>
+          <a:stretch>
+            <a:fillRect/>
+          </a:stretch>
+        </p:blipFill>
+        <p:spPr>
+          <a:xfrm>
+            <a:off x="2524125" y="1858169"/>
+            <a:ext cx="7143750" cy="4286250"/>
+          </a:xfrm>
+          <a:prstGeom prst="rect">
+            <a:avLst/>
+          </a:prstGeom>
+        </p:spPr>
+      </p:pic>
+    </p:spTree>
+    <p:extLst>
+      <p:ext uri="{BB962C8B-B14F-4D97-AF65-F5344CB8AC3E}">
+        <p14:creationId xmlns:p14="http://schemas.microsoft.com/office/powerpoint/2010/main" val="1840710533"/>
+      </p:ext>
+    </p:extLst>
+  </p:cSld>
+  <p:clrMapOvr>
+    <a:masterClrMapping/>
+  </p:clrMapOvr>
+</p:sld>
+</file>
+
+<file path=ppt/slides/slide91.xml><?xml version="1.0" encoding="utf-8"?>
+<p:sld xmlns:a="http://schemas.openxmlformats.org/drawingml/2006/main" xmlns:r="http://schemas.openxmlformats.org/officeDocument/2006/relationships" xmlns:p="http://schemas.openxmlformats.org/presentationml/2006/main">
+  <p:cSld>
+    <p:spTree>
+      <p:nvGrpSpPr>
+        <p:cNvPr id="1" name=""/>
+        <p:cNvGrpSpPr/>
+        <p:nvPr/>
+      </p:nvGrpSpPr>
+      <p:grpSpPr>
+        <a:xfrm>
+          <a:off x="0" y="0"/>
+          <a:ext cx="0" cy="0"/>
+          <a:chOff x="0" y="0"/>
+          <a:chExt cx="0" cy="0"/>
+        </a:xfrm>
+      </p:grpSpPr>
+      <p:sp>
+        <p:nvSpPr>
+          <p:cNvPr id="2" name="Title 1">
+            <a:extLst>
+              <a:ext uri="{FF2B5EF4-FFF2-40B4-BE49-F238E27FC236}">
+                <a16:creationId xmlns:a16="http://schemas.microsoft.com/office/drawing/2014/main" id="{FA65B4BB-77AA-1F1B-597C-07DD1EFD70AD}"/>
+              </a:ext>
+            </a:extLst>
+          </p:cNvPr>
+          <p:cNvSpPr>
+            <a:spLocks noGrp="1"/>
+          </p:cNvSpPr>
+          <p:nvPr>
+            <p:ph type="title"/>
+          </p:nvPr>
+        </p:nvSpPr>
+        <p:spPr/>
+        <p:txBody>
+          <a:bodyPr/>
+          <a:lstStyle/>
+          <a:p>
+            <a:r>
+              <a:rPr lang="en-US" dirty="0"/>
+              <a:t>What is LSTM?</a:t>
+            </a:r>
+          </a:p>
+        </p:txBody>
+      </p:sp>
+      <p:sp>
+        <p:nvSpPr>
+          <p:cNvPr id="3" name="Content Placeholder 2">
+            <a:extLst>
+              <a:ext uri="{FF2B5EF4-FFF2-40B4-BE49-F238E27FC236}">
+                <a16:creationId xmlns:a16="http://schemas.microsoft.com/office/drawing/2014/main" id="{C1465BB8-81FF-6E25-4443-6F9BD7AA4B4D}"/>
+              </a:ext>
+            </a:extLst>
+          </p:cNvPr>
+          <p:cNvSpPr>
+            <a:spLocks noGrp="1"/>
+          </p:cNvSpPr>
+          <p:nvPr>
+            <p:ph idx="1"/>
+          </p:nvPr>
+        </p:nvSpPr>
+        <p:spPr/>
+        <p:txBody>
+          <a:bodyPr/>
+          <a:lstStyle/>
+          <a:p>
+            <a:r>
+              <a:rPr lang="en-US" dirty="0"/>
+              <a:t>Long Short-Term Memory (LSTM) is an enhanced version of the Recurrent Neural Network (RNN) </a:t>
+            </a:r>
+          </a:p>
+          <a:p>
+            <a:r>
+              <a:rPr lang="en-US" dirty="0"/>
+              <a:t>designed by Hochreiter and </a:t>
+            </a:r>
+            <a:r>
+              <a:rPr lang="en-US" dirty="0" err="1"/>
+              <a:t>Schmidhuber</a:t>
+            </a:r>
+            <a:r>
+              <a:rPr lang="en-US" dirty="0"/>
+              <a:t>. </a:t>
+            </a:r>
+          </a:p>
+          <a:p>
+            <a:r>
+              <a:rPr lang="en-US" dirty="0"/>
+              <a:t>LSTMs can capture long-term dependencies in sequential data making them ideal for tasks like language translation, speech recognition and time series forecasting.</a:t>
+            </a:r>
+          </a:p>
+          <a:p>
+            <a:r>
+              <a:rPr lang="en-US" dirty="0"/>
+              <a:t>LSTMs introduce a memory cell that holds information over extended periods addressing the challenge of learning long-term dependencies.</a:t>
+            </a:r>
+          </a:p>
+        </p:txBody>
+      </p:sp>
+    </p:spTree>
+    <p:extLst>
+      <p:ext uri="{BB962C8B-B14F-4D97-AF65-F5344CB8AC3E}">
+        <p14:creationId xmlns:p14="http://schemas.microsoft.com/office/powerpoint/2010/main" val="3891663535"/>
+      </p:ext>
+    </p:extLst>
+  </p:cSld>
+  <p:clrMapOvr>
+    <a:masterClrMapping/>
+  </p:clrMapOvr>
+</p:sld>
+</file>
+
+<file path=ppt/slides/slide92.xml><?xml version="1.0" encoding="utf-8"?>
+<p:sld xmlns:a="http://schemas.openxmlformats.org/drawingml/2006/main" xmlns:r="http://schemas.openxmlformats.org/officeDocument/2006/relationships" xmlns:p="http://schemas.openxmlformats.org/presentationml/2006/main">
+  <p:cSld>
+    <p:spTree>
+      <p:nvGrpSpPr>
+        <p:cNvPr id="1" name=""/>
+        <p:cNvGrpSpPr/>
+        <p:nvPr/>
+      </p:nvGrpSpPr>
+      <p:grpSpPr>
+        <a:xfrm>
+          <a:off x="0" y="0"/>
+          <a:ext cx="0" cy="0"/>
+          <a:chOff x="0" y="0"/>
+          <a:chExt cx="0" cy="0"/>
+        </a:xfrm>
+      </p:grpSpPr>
+      <p:sp>
+        <p:nvSpPr>
+          <p:cNvPr id="2" name="Title 1">
+            <a:extLst>
+              <a:ext uri="{FF2B5EF4-FFF2-40B4-BE49-F238E27FC236}">
+                <a16:creationId xmlns:a16="http://schemas.microsoft.com/office/drawing/2014/main" id="{7F02A652-434A-6C1A-6EF3-BB3D1F44EFE5}"/>
+              </a:ext>
+            </a:extLst>
+          </p:cNvPr>
+          <p:cNvSpPr>
+            <a:spLocks noGrp="1"/>
+          </p:cNvSpPr>
+          <p:nvPr>
+            <p:ph type="title"/>
+          </p:nvPr>
+        </p:nvSpPr>
+        <p:spPr/>
+        <p:txBody>
+          <a:bodyPr/>
+          <a:lstStyle/>
+          <a:p>
+            <a:r>
+              <a:rPr lang="en-US" dirty="0"/>
+              <a:t>LSTM </a:t>
+            </a:r>
+            <a:r>
+              <a:rPr lang="en-US" dirty="0" err="1"/>
+              <a:t>Architecutre</a:t>
+            </a:r>
+            <a:r>
+              <a:rPr lang="en-US" dirty="0"/>
+              <a:t> </a:t>
+            </a:r>
+          </a:p>
+        </p:txBody>
+      </p:sp>
+      <p:sp>
+        <p:nvSpPr>
+          <p:cNvPr id="3" name="Content Placeholder 2">
+            <a:extLst>
+              <a:ext uri="{FF2B5EF4-FFF2-40B4-BE49-F238E27FC236}">
+                <a16:creationId xmlns:a16="http://schemas.microsoft.com/office/drawing/2014/main" id="{D10A2C73-3CC3-2A76-1161-197397E1DAD5}"/>
+              </a:ext>
+            </a:extLst>
+          </p:cNvPr>
+          <p:cNvSpPr>
+            <a:spLocks noGrp="1"/>
+          </p:cNvSpPr>
+          <p:nvPr>
+            <p:ph idx="1"/>
+          </p:nvPr>
+        </p:nvSpPr>
+        <p:spPr/>
+        <p:txBody>
+          <a:bodyPr/>
+          <a:lstStyle/>
+          <a:p>
+            <a:endParaRPr lang="en-US"/>
+          </a:p>
+        </p:txBody>
+      </p:sp>
+    </p:spTree>
+    <p:extLst>
+      <p:ext uri="{BB962C8B-B14F-4D97-AF65-F5344CB8AC3E}">
+        <p14:creationId xmlns:p14="http://schemas.microsoft.com/office/powerpoint/2010/main" val="516038237"/>
       </p:ext>
     </p:extLst>
   </p:cSld>
